--- a/talk/spiffy_talk.pptx
+++ b/talk/spiffy_talk.pptx
@@ -5,42 +5,43 @@
     <p:sldMasterId id="2147483660" r:id="rId1"/>
   </p:sldMasterIdLst>
   <p:notesMasterIdLst>
-    <p:notesMasterId r:id="rId35"/>
+    <p:notesMasterId r:id="rId36"/>
   </p:notesMasterIdLst>
   <p:sldIdLst>
     <p:sldId id="256" r:id="rId2"/>
     <p:sldId id="288" r:id="rId3"/>
-    <p:sldId id="289" r:id="rId4"/>
-    <p:sldId id="290" r:id="rId5"/>
+    <p:sldId id="290" r:id="rId4"/>
+    <p:sldId id="289" r:id="rId5"/>
     <p:sldId id="291" r:id="rId6"/>
-    <p:sldId id="292" r:id="rId7"/>
+    <p:sldId id="309" r:id="rId7"/>
     <p:sldId id="293" r:id="rId8"/>
     <p:sldId id="294" r:id="rId9"/>
     <p:sldId id="295" r:id="rId10"/>
     <p:sldId id="301" r:id="rId11"/>
-    <p:sldId id="298" r:id="rId12"/>
-    <p:sldId id="300" r:id="rId13"/>
-    <p:sldId id="283" r:id="rId14"/>
-    <p:sldId id="302" r:id="rId15"/>
-    <p:sldId id="307" r:id="rId16"/>
-    <p:sldId id="303" r:id="rId17"/>
-    <p:sldId id="304" r:id="rId18"/>
-    <p:sldId id="305" r:id="rId19"/>
-    <p:sldId id="306" r:id="rId20"/>
-    <p:sldId id="266" r:id="rId21"/>
-    <p:sldId id="269" r:id="rId22"/>
-    <p:sldId id="270" r:id="rId23"/>
-    <p:sldId id="271" r:id="rId24"/>
-    <p:sldId id="268" r:id="rId25"/>
-    <p:sldId id="267" r:id="rId26"/>
-    <p:sldId id="279" r:id="rId27"/>
-    <p:sldId id="280" r:id="rId28"/>
-    <p:sldId id="259" r:id="rId29"/>
-    <p:sldId id="281" r:id="rId30"/>
-    <p:sldId id="261" r:id="rId31"/>
-    <p:sldId id="258" r:id="rId32"/>
-    <p:sldId id="260" r:id="rId33"/>
-    <p:sldId id="297" r:id="rId34"/>
+    <p:sldId id="308" r:id="rId12"/>
+    <p:sldId id="298" r:id="rId13"/>
+    <p:sldId id="300" r:id="rId14"/>
+    <p:sldId id="283" r:id="rId15"/>
+    <p:sldId id="302" r:id="rId16"/>
+    <p:sldId id="307" r:id="rId17"/>
+    <p:sldId id="303" r:id="rId18"/>
+    <p:sldId id="304" r:id="rId19"/>
+    <p:sldId id="305" r:id="rId20"/>
+    <p:sldId id="306" r:id="rId21"/>
+    <p:sldId id="266" r:id="rId22"/>
+    <p:sldId id="269" r:id="rId23"/>
+    <p:sldId id="270" r:id="rId24"/>
+    <p:sldId id="271" r:id="rId25"/>
+    <p:sldId id="268" r:id="rId26"/>
+    <p:sldId id="267" r:id="rId27"/>
+    <p:sldId id="279" r:id="rId28"/>
+    <p:sldId id="280" r:id="rId29"/>
+    <p:sldId id="259" r:id="rId30"/>
+    <p:sldId id="281" r:id="rId31"/>
+    <p:sldId id="261" r:id="rId32"/>
+    <p:sldId id="258" r:id="rId33"/>
+    <p:sldId id="260" r:id="rId34"/>
+    <p:sldId id="297" r:id="rId35"/>
   </p:sldIdLst>
   <p:sldSz cx="12192000" cy="6858000"/>
   <p:notesSz cx="6858000" cy="9144000"/>
@@ -499,11 +500,11 @@
         </c:dLbls>
         <c:gapWidth val="20"/>
         <c:overlap val="100"/>
-        <c:axId val="1540799408"/>
-        <c:axId val="1540799952"/>
+        <c:axId val="285353376"/>
+        <c:axId val="285354552"/>
       </c:barChart>
       <c:catAx>
-        <c:axId val="1540799408"/>
+        <c:axId val="285353376"/>
         <c:scaling>
           <c:orientation val="minMax"/>
         </c:scaling>
@@ -540,7 +541,7 @@
             <a:endParaRPr lang="en-US"/>
           </a:p>
         </c:txPr>
-        <c:crossAx val="1540799952"/>
+        <c:crossAx val="285354552"/>
         <c:crosses val="autoZero"/>
         <c:auto val="1"/>
         <c:lblAlgn val="ctr"/>
@@ -548,7 +549,7 @@
         <c:noMultiLvlLbl val="1"/>
       </c:catAx>
       <c:valAx>
-        <c:axId val="1540799952"/>
+        <c:axId val="285354552"/>
         <c:scaling>
           <c:orientation val="minMax"/>
           <c:max val="3000"/>
@@ -589,6 +590,7 @@
               </a:p>
             </c:rich>
           </c:tx>
+          <c:layout/>
           <c:overlay val="0"/>
           <c:spPr>
             <a:noFill/>
@@ -645,7 +647,7 @@
             <a:endParaRPr lang="en-US"/>
           </a:p>
         </c:txPr>
-        <c:crossAx val="1540799408"/>
+        <c:crossAx val="285353376"/>
         <c:crosses val="autoZero"/>
         <c:crossBetween val="between"/>
         <c:majorUnit val="1000"/>
@@ -1753,13 +1755,20 @@
           <a:bodyPr/>
           <a:lstStyle/>
           <a:p>
+            <a:endParaRPr lang="en-CA" dirty="0" smtClean="0"/>
+          </a:p>
+          <a:p>
             <a:r>
               <a:rPr lang="en-CA" dirty="0" smtClean="0"/>
-              <a:t>An</a:t>
+              <a:t>Intuition</a:t>
+            </a:r>
+            <a:r>
+              <a:rPr lang="en-CA" dirty="0" smtClean="0"/>
+              <a:t>:</a:t>
             </a:r>
             <a:r>
               <a:rPr lang="en-CA" baseline="0" dirty="0" smtClean="0"/>
-              <a:t> example will be shown in the upcoming slide for constraint checking</a:t>
+              <a:t> extract specification from data structure definition in existing source code </a:t>
             </a:r>
             <a:endParaRPr lang="en-CA" dirty="0"/>
           </a:p>
@@ -1780,9 +1789,9 @@
           <a:bodyPr/>
           <a:lstStyle/>
           <a:p>
-            <a:fld id="{849A0A36-F84D-437B-B821-CB3EBADC1433}" type="slidenum">
+            <a:fld id="{B5B5BF96-4013-477F-9949-176AD53AFF60}" type="slidenum">
               <a:rPr lang="en-CA" smtClean="0"/>
-              <a:t>12</a:t>
+              <a:t>11</a:t>
             </a:fld>
             <a:endParaRPr lang="en-CA"/>
           </a:p>
@@ -1791,7 +1800,7 @@
     </p:spTree>
     <p:extLst>
       <p:ext uri="{BB962C8B-B14F-4D97-AF65-F5344CB8AC3E}">
-        <p14:creationId xmlns:p14="http://schemas.microsoft.com/office/powerpoint/2010/main" val="2259219173"/>
+        <p14:creationId xmlns:p14="http://schemas.microsoft.com/office/powerpoint/2010/main" val="1898869089"/>
       </p:ext>
     </p:extLst>
   </p:cSld>
@@ -1845,7 +1854,30 @@
           <a:bodyPr/>
           <a:lstStyle/>
           <a:p>
-            <a:endParaRPr lang="en-CA"/>
+            <a:pPr marL="0" marR="0" lvl="0" indent="0" algn="l" defTabSz="914400" rtl="0" eaLnBrk="1" fontAlgn="auto" latinLnBrk="0" hangingPunct="1">
+              <a:lnSpc>
+                <a:spcPct val="100000"/>
+              </a:lnSpc>
+              <a:spcBef>
+                <a:spcPts val="0"/>
+              </a:spcBef>
+              <a:spcAft>
+                <a:spcPts val="0"/>
+              </a:spcAft>
+              <a:buClrTx/>
+              <a:buSzTx/>
+              <a:buFontTx/>
+              <a:buNone/>
+              <a:tabLst/>
+              <a:defRPr/>
+            </a:pPr>
+            <a:r>
+              <a:rPr lang="en-CA" dirty="0" smtClean="0"/>
+              <a:t>Mapping function may need to reassemble blocks</a:t>
+            </a:r>
+          </a:p>
+          <a:p>
+            <a:endParaRPr lang="en-CA" dirty="0"/>
           </a:p>
         </p:txBody>
       </p:sp>
@@ -1866,7 +1898,7 @@
           <a:p>
             <a:fld id="{849A0A36-F84D-437B-B821-CB3EBADC1433}" type="slidenum">
               <a:rPr lang="en-CA" smtClean="0"/>
-              <a:t>13</a:t>
+              <a:t>12</a:t>
             </a:fld>
             <a:endParaRPr lang="en-CA"/>
           </a:p>
@@ -1875,7 +1907,7 @@
     </p:spTree>
     <p:extLst>
       <p:ext uri="{BB962C8B-B14F-4D97-AF65-F5344CB8AC3E}">
-        <p14:creationId xmlns:p14="http://schemas.microsoft.com/office/powerpoint/2010/main" val="4174839496"/>
+        <p14:creationId xmlns:p14="http://schemas.microsoft.com/office/powerpoint/2010/main" val="1679095402"/>
       </p:ext>
     </p:extLst>
   </p:cSld>
@@ -1931,19 +1963,11 @@
           <a:p>
             <a:r>
               <a:rPr lang="en-CA" dirty="0" smtClean="0"/>
-              <a:t>On the left side, we shown the annotated</a:t>
+              <a:t>An</a:t>
             </a:r>
             <a:r>
               <a:rPr lang="en-CA" baseline="0" dirty="0" smtClean="0"/>
-              <a:t> Ext4 super block structure. </a:t>
-            </a:r>
-            <a:r>
-              <a:rPr lang="en-CA" dirty="0" smtClean="0"/>
-              <a:t>Annotations are in BOLD font,</a:t>
-            </a:r>
-            <a:r>
-              <a:rPr lang="en-CA" baseline="0" dirty="0" smtClean="0"/>
-              <a:t> written in keyword argument style.  On the right side is the corresponding parsing code that is generated for Ext4 super block, which is currently written in C++.  The first annotation, FSSUPER, designates this structure to be the super block of the Ext4 file system. The location argument specifies the byte offset for finding the super block.</a:t>
+              <a:t> example will be shown in the upcoming slide for constraint checking</a:t>
             </a:r>
             <a:endParaRPr lang="en-CA" dirty="0"/>
           </a:p>
@@ -1964,9 +1988,9 @@
           <a:bodyPr/>
           <a:lstStyle/>
           <a:p>
-            <a:fld id="{B5B5BF96-4013-477F-9949-176AD53AFF60}" type="slidenum">
+            <a:fld id="{849A0A36-F84D-437B-B821-CB3EBADC1433}" type="slidenum">
               <a:rPr lang="en-CA" smtClean="0"/>
-              <a:t>14</a:t>
+              <a:t>13</a:t>
             </a:fld>
             <a:endParaRPr lang="en-CA"/>
           </a:p>
@@ -1975,7 +1999,7 @@
     </p:spTree>
     <p:extLst>
       <p:ext uri="{BB962C8B-B14F-4D97-AF65-F5344CB8AC3E}">
-        <p14:creationId xmlns:p14="http://schemas.microsoft.com/office/powerpoint/2010/main" val="3292603795"/>
+        <p14:creationId xmlns:p14="http://schemas.microsoft.com/office/powerpoint/2010/main" val="2259219173"/>
       </p:ext>
     </p:extLst>
   </p:cSld>
@@ -2029,23 +2053,7 @@
           <a:bodyPr/>
           <a:lstStyle/>
           <a:p>
-            <a:r>
-              <a:rPr lang="en-CA" dirty="0" smtClean="0"/>
-              <a:t>In our current implementation, we generate a C++ class for every annotated metadata</a:t>
-            </a:r>
-            <a:r>
-              <a:rPr lang="en-CA" baseline="0" dirty="0" smtClean="0"/>
-              <a:t> structures and all of its field. Each of these classes enables </a:t>
-            </a:r>
-            <a:r>
-              <a:rPr lang="en-CA" baseline="0" dirty="0" smtClean="0"/>
-              <a:t>type-safe </a:t>
-            </a:r>
-            <a:r>
-              <a:rPr lang="en-CA" baseline="0" dirty="0" smtClean="0"/>
-              <a:t>parsing and serialization. In the paper, we go into more detail on other features such as type introspection and generic traversal.</a:t>
-            </a:r>
-            <a:endParaRPr lang="en-CA" dirty="0"/>
+            <a:endParaRPr lang="en-CA"/>
           </a:p>
         </p:txBody>
       </p:sp>
@@ -2064,9 +2072,9 @@
           <a:bodyPr/>
           <a:lstStyle/>
           <a:p>
-            <a:fld id="{B5B5BF96-4013-477F-9949-176AD53AFF60}" type="slidenum">
+            <a:fld id="{849A0A36-F84D-437B-B821-CB3EBADC1433}" type="slidenum">
               <a:rPr lang="en-CA" smtClean="0"/>
-              <a:t>15</a:t>
+              <a:t>14</a:t>
             </a:fld>
             <a:endParaRPr lang="en-CA"/>
           </a:p>
@@ -2075,7 +2083,7 @@
     </p:spTree>
     <p:extLst>
       <p:ext uri="{BB962C8B-B14F-4D97-AF65-F5344CB8AC3E}">
-        <p14:creationId xmlns:p14="http://schemas.microsoft.com/office/powerpoint/2010/main" val="2506795751"/>
+        <p14:creationId xmlns:p14="http://schemas.microsoft.com/office/powerpoint/2010/main" val="4174839496"/>
       </p:ext>
     </p:extLst>
   </p:cSld>
@@ -2131,27 +2139,19 @@
           <a:p>
             <a:r>
               <a:rPr lang="en-CA" dirty="0" smtClean="0"/>
-              <a:t>Here, we show the parsing code that is generated for</a:t>
+              <a:t>On the left side, we shown the annotated</a:t>
             </a:r>
             <a:r>
               <a:rPr lang="en-CA" baseline="0" dirty="0" smtClean="0"/>
-              <a:t> an annotated </a:t>
-            </a:r>
-            <a:r>
-              <a:rPr lang="en-CA" baseline="0" dirty="0" err="1" smtClean="0"/>
-              <a:t>enum</a:t>
+              <a:t> Ext4 super block structure. </a:t>
+            </a:r>
+            <a:r>
+              <a:rPr lang="en-CA" dirty="0" smtClean="0"/>
+              <a:t>Annotations are in BOLD font,</a:t>
             </a:r>
             <a:r>
               <a:rPr lang="en-CA" baseline="0" dirty="0" smtClean="0"/>
-              <a:t> field. First, we verify that the length of the buffer is valid before reading in the value from the buffer. Next, we check that the value is within the range of the </a:t>
-            </a:r>
-            <a:r>
-              <a:rPr lang="en-CA" baseline="0" dirty="0" err="1" smtClean="0"/>
-              <a:t>enum</a:t>
-            </a:r>
-            <a:r>
-              <a:rPr lang="en-CA" baseline="0" dirty="0" smtClean="0"/>
-              <a:t> and return an error if the value is out-of-bound.</a:t>
+              <a:t> written in keyword argument style.  On the right side is the corresponding parsing code that is generated for Ext4 super block, which is currently written in C++.  The first annotation, FSSUPER, designates this structure to be the super block of the Ext4 file system. The location argument specifies the byte offset for finding the super block.</a:t>
             </a:r>
             <a:endParaRPr lang="en-CA" dirty="0"/>
           </a:p>
@@ -2174,7 +2174,7 @@
           <a:p>
             <a:fld id="{B5B5BF96-4013-477F-9949-176AD53AFF60}" type="slidenum">
               <a:rPr lang="en-CA" smtClean="0"/>
-              <a:t>16</a:t>
+              <a:t>15</a:t>
             </a:fld>
             <a:endParaRPr lang="en-CA"/>
           </a:p>
@@ -2183,7 +2183,7 @@
     </p:spTree>
     <p:extLst>
       <p:ext uri="{BB962C8B-B14F-4D97-AF65-F5344CB8AC3E}">
-        <p14:creationId xmlns:p14="http://schemas.microsoft.com/office/powerpoint/2010/main" val="83277771"/>
+        <p14:creationId xmlns:p14="http://schemas.microsoft.com/office/powerpoint/2010/main" val="3292603795"/>
       </p:ext>
     </p:extLst>
   </p:cSld>
@@ -2237,6 +2237,14 @@
           <a:bodyPr/>
           <a:lstStyle/>
           <a:p>
+            <a:r>
+              <a:rPr lang="en-CA" dirty="0" smtClean="0"/>
+              <a:t>In our current implementation, we generate a C++ class for every annotated metadata</a:t>
+            </a:r>
+            <a:r>
+              <a:rPr lang="en-CA" baseline="0" dirty="0" smtClean="0"/>
+              <a:t> structures and all of its field. Each of these classes enables type-safe parsing and serialization. In the paper, we go into more detail on other features such as type introspection and generic traversal.</a:t>
+            </a:r>
             <a:endParaRPr lang="en-CA" dirty="0"/>
           </a:p>
         </p:txBody>
@@ -2258,7 +2266,7 @@
           <a:p>
             <a:fld id="{B5B5BF96-4013-477F-9949-176AD53AFF60}" type="slidenum">
               <a:rPr lang="en-CA" smtClean="0"/>
-              <a:t>19</a:t>
+              <a:t>16</a:t>
             </a:fld>
             <a:endParaRPr lang="en-CA"/>
           </a:p>
@@ -2267,7 +2275,7 @@
     </p:spTree>
     <p:extLst>
       <p:ext uri="{BB962C8B-B14F-4D97-AF65-F5344CB8AC3E}">
-        <p14:creationId xmlns:p14="http://schemas.microsoft.com/office/powerpoint/2010/main" val="3955701569"/>
+        <p14:creationId xmlns:p14="http://schemas.microsoft.com/office/powerpoint/2010/main" val="2506795751"/>
       </p:ext>
     </p:extLst>
   </p:cSld>
@@ -2323,11 +2331,27 @@
           <a:p>
             <a:r>
               <a:rPr lang="en-CA" dirty="0" smtClean="0"/>
-              <a:t>Here we have a function that is supposed to fill the input vector with all of the free extent</a:t>
+              <a:t>Here, we show the parsing code that is generated for</a:t>
             </a:r>
             <a:r>
               <a:rPr lang="en-CA" baseline="0" dirty="0" smtClean="0"/>
-              <a:t>s in an Ext4 file system image. The block device that contains the file system is opened and we have to manually parse and traverse the file system in order to reach the block bitmaps that contain block allocation information.</a:t>
+              <a:t> an annotated </a:t>
+            </a:r>
+            <a:r>
+              <a:rPr lang="en-CA" baseline="0" dirty="0" err="1" smtClean="0"/>
+              <a:t>enum</a:t>
+            </a:r>
+            <a:r>
+              <a:rPr lang="en-CA" baseline="0" dirty="0" smtClean="0"/>
+              <a:t> field. First, we verify that the length of the buffer is valid before reading in the value from the buffer. Next, we check that the value is within the range of the </a:t>
+            </a:r>
+            <a:r>
+              <a:rPr lang="en-CA" baseline="0" dirty="0" err="1" smtClean="0"/>
+              <a:t>enum</a:t>
+            </a:r>
+            <a:r>
+              <a:rPr lang="en-CA" baseline="0" dirty="0" smtClean="0"/>
+              <a:t> and return an error if the value is out-of-bound.</a:t>
             </a:r>
             <a:endParaRPr lang="en-CA" dirty="0"/>
           </a:p>
@@ -2350,7 +2374,7 @@
           <a:p>
             <a:fld id="{B5B5BF96-4013-477F-9949-176AD53AFF60}" type="slidenum">
               <a:rPr lang="en-CA" smtClean="0"/>
-              <a:t>20</a:t>
+              <a:t>17</a:t>
             </a:fld>
             <a:endParaRPr lang="en-CA"/>
           </a:p>
@@ -2359,7 +2383,7 @@
     </p:spTree>
     <p:extLst>
       <p:ext uri="{BB962C8B-B14F-4D97-AF65-F5344CB8AC3E}">
-        <p14:creationId xmlns:p14="http://schemas.microsoft.com/office/powerpoint/2010/main" val="1590113658"/>
+        <p14:creationId xmlns:p14="http://schemas.microsoft.com/office/powerpoint/2010/main" val="83277771"/>
       </p:ext>
     </p:extLst>
   </p:cSld>
@@ -2432,9 +2456,9 @@
           <a:bodyPr/>
           <a:lstStyle/>
           <a:p>
-            <a:fld id="{849A0A36-F84D-437B-B821-CB3EBADC1433}" type="slidenum">
+            <a:fld id="{B5B5BF96-4013-477F-9949-176AD53AFF60}" type="slidenum">
               <a:rPr lang="en-CA" smtClean="0"/>
-              <a:t>26</a:t>
+              <a:t>20</a:t>
             </a:fld>
             <a:endParaRPr lang="en-CA"/>
           </a:p>
@@ -2443,7 +2467,7 @@
     </p:spTree>
     <p:extLst>
       <p:ext uri="{BB962C8B-B14F-4D97-AF65-F5344CB8AC3E}">
-        <p14:creationId xmlns:p14="http://schemas.microsoft.com/office/powerpoint/2010/main" val="3443769545"/>
+        <p14:creationId xmlns:p14="http://schemas.microsoft.com/office/powerpoint/2010/main" val="3955701569"/>
       </p:ext>
     </p:extLst>
   </p:cSld>
@@ -2499,20 +2523,12 @@
           <a:p>
             <a:r>
               <a:rPr lang="en-CA" dirty="0" smtClean="0"/>
-              <a:t>Give</a:t>
+              <a:t>Here we have a function that is supposed to fill the input vector with all of the free extent</a:t>
             </a:r>
             <a:r>
               <a:rPr lang="en-CA" baseline="0" dirty="0" smtClean="0"/>
-              <a:t> a sense why online application is hard to do. Describe why classifying IO in a file system generic way is non-trivial.</a:t>
-            </a:r>
-          </a:p>
-          <a:p>
-            <a:r>
-              <a:rPr lang="en-CA" baseline="0" dirty="0" smtClean="0"/>
-              <a:t>At runtime, as blocks are accessed, we can differentiate metadata from data, without making any changes to FS.</a:t>
-            </a:r>
-          </a:p>
-          <a:p>
+              <a:t>s in an Ext4 file system image. The block device that contains the file system is opened and we have to manually parse and traverse the file system in order to reach the block bitmaps that contain block allocation information.</a:t>
+            </a:r>
             <a:endParaRPr lang="en-CA" dirty="0"/>
           </a:p>
         </p:txBody>
@@ -2532,9 +2548,9 @@
           <a:bodyPr/>
           <a:lstStyle/>
           <a:p>
-            <a:fld id="{849A0A36-F84D-437B-B821-CB3EBADC1433}" type="slidenum">
+            <a:fld id="{B5B5BF96-4013-477F-9949-176AD53AFF60}" type="slidenum">
               <a:rPr lang="en-CA" smtClean="0"/>
-              <a:t>27</a:t>
+              <a:t>21</a:t>
             </a:fld>
             <a:endParaRPr lang="en-CA"/>
           </a:p>
@@ -2543,7 +2559,7 @@
     </p:spTree>
     <p:extLst>
       <p:ext uri="{BB962C8B-B14F-4D97-AF65-F5344CB8AC3E}">
-        <p14:creationId xmlns:p14="http://schemas.microsoft.com/office/powerpoint/2010/main" val="490151723"/>
+        <p14:creationId xmlns:p14="http://schemas.microsoft.com/office/powerpoint/2010/main" val="1590113658"/>
       </p:ext>
     </p:extLst>
   </p:cSld>
@@ -2597,7 +2613,7 @@
           <a:bodyPr/>
           <a:lstStyle/>
           <a:p>
-            <a:endParaRPr lang="en-CA"/>
+            <a:endParaRPr lang="en-CA" dirty="0"/>
           </a:p>
         </p:txBody>
       </p:sp>
@@ -2618,7 +2634,7 @@
           <a:p>
             <a:fld id="{849A0A36-F84D-437B-B821-CB3EBADC1433}" type="slidenum">
               <a:rPr lang="en-CA" smtClean="0"/>
-              <a:t>28</a:t>
+              <a:t>27</a:t>
             </a:fld>
             <a:endParaRPr lang="en-CA"/>
           </a:p>
@@ -2627,7 +2643,7 @@
     </p:spTree>
     <p:extLst>
       <p:ext uri="{BB962C8B-B14F-4D97-AF65-F5344CB8AC3E}">
-        <p14:creationId xmlns:p14="http://schemas.microsoft.com/office/powerpoint/2010/main" val="564991830"/>
+        <p14:creationId xmlns:p14="http://schemas.microsoft.com/office/powerpoint/2010/main" val="3443769545"/>
       </p:ext>
     </p:extLst>
   </p:cSld>
@@ -2763,40 +2779,7 @@
                 <a:ea typeface="+mn-ea"/>
                 <a:cs typeface="+mn-cs"/>
               </a:rPr>
-              <a:t>Require a detailed understanding of the format of a file system</a:t>
-            </a:r>
-            <a:r>
-              <a:rPr lang="en-CA" sz="1200" b="0" i="0" u="none" strike="noStrike" kern="1200" baseline="0" smtClean="0">
-                <a:solidFill>
-                  <a:schemeClr val="tx1"/>
-                </a:solidFill>
-                <a:latin typeface="+mn-lt"/>
-                <a:ea typeface="+mn-ea"/>
-                <a:cs typeface="+mn-cs"/>
-              </a:rPr>
-              <a:t>, including the </a:t>
-            </a:r>
-            <a:r>
-              <a:rPr lang="en-CA" sz="1200" b="0" i="0" u="none" strike="noStrike" kern="1200" baseline="0" dirty="0" smtClean="0">
-                <a:solidFill>
-                  <a:schemeClr val="tx1"/>
-                </a:solidFill>
-                <a:latin typeface="+mn-lt"/>
-                <a:ea typeface="+mn-ea"/>
-                <a:cs typeface="+mn-cs"/>
-              </a:rPr>
-              <a:t>ability to identify and interpret file </a:t>
-            </a:r>
-            <a:r>
-              <a:rPr lang="en-CA" sz="1200" b="0" i="0" u="none" strike="noStrike" kern="1200" baseline="0" smtClean="0">
-                <a:solidFill>
-                  <a:schemeClr val="tx1"/>
-                </a:solidFill>
-                <a:latin typeface="+mn-lt"/>
-                <a:ea typeface="+mn-ea"/>
-                <a:cs typeface="+mn-cs"/>
-              </a:rPr>
-              <a:t>system structures</a:t>
+              <a:t>Require a detailed understanding of the format of a file system, including the ability to identify and interpret file system structures</a:t>
             </a:r>
             <a:endParaRPr lang="en-CA" dirty="0" smtClean="0"/>
           </a:p>
@@ -2891,7 +2874,56 @@
           <a:bodyPr/>
           <a:lstStyle/>
           <a:p>
-            <a:endParaRPr lang="en-CA" dirty="0"/>
+            <a:r>
+              <a:rPr lang="en-CA" dirty="0" smtClean="0"/>
+              <a:t>Give</a:t>
+            </a:r>
+            <a:r>
+              <a:rPr lang="en-CA" baseline="0" dirty="0" smtClean="0"/>
+              <a:t> a sense why online application is hard to do. Describe why classifying IO in a file system generic way is non-trivial.</a:t>
+            </a:r>
+          </a:p>
+          <a:p>
+            <a:r>
+              <a:rPr lang="en-CA" baseline="0" dirty="0" smtClean="0"/>
+              <a:t>At runtime, as blocks are accessed, we can differentiate metadata from data, without making any changes to FS.</a:t>
+            </a:r>
+          </a:p>
+          <a:p>
+            <a:r>
+              <a:rPr lang="en-CA" dirty="0" smtClean="0"/>
+              <a:t>Which user a</a:t>
+            </a:r>
+            <a:r>
+              <a:rPr lang="en-CA" baseline="0" dirty="0" smtClean="0"/>
+              <a:t> block belongs to, without FS modification.</a:t>
+            </a:r>
+          </a:p>
+          <a:p>
+            <a:r>
+              <a:rPr lang="en-CA" baseline="0" dirty="0" smtClean="0"/>
+              <a:t>Lots of FS specific code – able to identify </a:t>
+            </a:r>
+            <a:r>
+              <a:rPr lang="en-CA" baseline="0" dirty="0" err="1" smtClean="0"/>
+              <a:t>inode</a:t>
+            </a:r>
+            <a:r>
+              <a:rPr lang="en-CA" baseline="0" dirty="0" smtClean="0"/>
+              <a:t>/indirect blocks at the block layer.</a:t>
+            </a:r>
+          </a:p>
+          <a:p>
+            <a:r>
+              <a:rPr lang="en-CA" baseline="0" dirty="0" smtClean="0"/>
+              <a:t>With Spiffy – most of the code is generic – little fs specific code required</a:t>
+            </a:r>
+          </a:p>
+          <a:p>
+            <a:r>
+              <a:rPr lang="en-CA" baseline="0" dirty="0" smtClean="0"/>
+              <a:t>Able to support rich set of policies </a:t>
+            </a:r>
           </a:p>
         </p:txBody>
       </p:sp>
@@ -2912,7 +2944,7 @@
           <a:p>
             <a:fld id="{849A0A36-F84D-437B-B821-CB3EBADC1433}" type="slidenum">
               <a:rPr lang="en-CA" smtClean="0"/>
-              <a:t>29</a:t>
+              <a:t>28</a:t>
             </a:fld>
             <a:endParaRPr lang="en-CA"/>
           </a:p>
@@ -2921,7 +2953,7 @@
     </p:spTree>
     <p:extLst>
       <p:ext uri="{BB962C8B-B14F-4D97-AF65-F5344CB8AC3E}">
-        <p14:creationId xmlns:p14="http://schemas.microsoft.com/office/powerpoint/2010/main" val="1929725768"/>
+        <p14:creationId xmlns:p14="http://schemas.microsoft.com/office/powerpoint/2010/main" val="490151723"/>
       </p:ext>
     </p:extLst>
   </p:cSld>
@@ -2996,7 +3028,187 @@
           <a:p>
             <a:fld id="{849A0A36-F84D-437B-B821-CB3EBADC1433}" type="slidenum">
               <a:rPr lang="en-CA" smtClean="0"/>
+              <a:t>29</a:t>
+            </a:fld>
+            <a:endParaRPr lang="en-CA"/>
+          </a:p>
+        </p:txBody>
+      </p:sp>
+    </p:spTree>
+    <p:extLst>
+      <p:ext uri="{BB962C8B-B14F-4D97-AF65-F5344CB8AC3E}">
+        <p14:creationId xmlns:p14="http://schemas.microsoft.com/office/powerpoint/2010/main" val="564991830"/>
+      </p:ext>
+    </p:extLst>
+  </p:cSld>
+  <p:clrMapOvr>
+    <a:masterClrMapping/>
+  </p:clrMapOvr>
+</p:notes>
+</file>
+
+<file path=ppt/notesSlides/notesSlide22.xml><?xml version="1.0" encoding="utf-8"?>
+<p:notes xmlns:a="http://schemas.openxmlformats.org/drawingml/2006/main" xmlns:r="http://schemas.openxmlformats.org/officeDocument/2006/relationships" xmlns:p="http://schemas.openxmlformats.org/presentationml/2006/main">
+  <p:cSld>
+    <p:spTree>
+      <p:nvGrpSpPr>
+        <p:cNvPr id="1" name=""/>
+        <p:cNvGrpSpPr/>
+        <p:nvPr/>
+      </p:nvGrpSpPr>
+      <p:grpSpPr>
+        <a:xfrm>
+          <a:off x="0" y="0"/>
+          <a:ext cx="0" cy="0"/>
+          <a:chOff x="0" y="0"/>
+          <a:chExt cx="0" cy="0"/>
+        </a:xfrm>
+      </p:grpSpPr>
+      <p:sp>
+        <p:nvSpPr>
+          <p:cNvPr id="2" name="Slide Image Placeholder 1"/>
+          <p:cNvSpPr>
+            <a:spLocks noGrp="1" noRot="1" noChangeAspect="1"/>
+          </p:cNvSpPr>
+          <p:nvPr>
+            <p:ph type="sldImg"/>
+          </p:nvPr>
+        </p:nvSpPr>
+        <p:spPr/>
+      </p:sp>
+      <p:sp>
+        <p:nvSpPr>
+          <p:cNvPr id="3" name="Notes Placeholder 2"/>
+          <p:cNvSpPr>
+            <a:spLocks noGrp="1"/>
+          </p:cNvSpPr>
+          <p:nvPr>
+            <p:ph type="body" idx="1"/>
+          </p:nvPr>
+        </p:nvSpPr>
+        <p:spPr/>
+        <p:txBody>
+          <a:bodyPr/>
+          <a:lstStyle/>
+          <a:p>
+            <a:endParaRPr lang="en-CA" dirty="0"/>
+          </a:p>
+        </p:txBody>
+      </p:sp>
+      <p:sp>
+        <p:nvSpPr>
+          <p:cNvPr id="4" name="Slide Number Placeholder 3"/>
+          <p:cNvSpPr>
+            <a:spLocks noGrp="1"/>
+          </p:cNvSpPr>
+          <p:nvPr>
+            <p:ph type="sldNum" sz="quarter" idx="10"/>
+          </p:nvPr>
+        </p:nvSpPr>
+        <p:spPr/>
+        <p:txBody>
+          <a:bodyPr/>
+          <a:lstStyle/>
+          <a:p>
+            <a:fld id="{849A0A36-F84D-437B-B821-CB3EBADC1433}" type="slidenum">
+              <a:rPr lang="en-CA" smtClean="0"/>
               <a:t>30</a:t>
+            </a:fld>
+            <a:endParaRPr lang="en-CA"/>
+          </a:p>
+        </p:txBody>
+      </p:sp>
+    </p:spTree>
+    <p:extLst>
+      <p:ext uri="{BB962C8B-B14F-4D97-AF65-F5344CB8AC3E}">
+        <p14:creationId xmlns:p14="http://schemas.microsoft.com/office/powerpoint/2010/main" val="1929725768"/>
+      </p:ext>
+    </p:extLst>
+  </p:cSld>
+  <p:clrMapOvr>
+    <a:masterClrMapping/>
+  </p:clrMapOvr>
+</p:notes>
+</file>
+
+<file path=ppt/notesSlides/notesSlide23.xml><?xml version="1.0" encoding="utf-8"?>
+<p:notes xmlns:a="http://schemas.openxmlformats.org/drawingml/2006/main" xmlns:r="http://schemas.openxmlformats.org/officeDocument/2006/relationships" xmlns:p="http://schemas.openxmlformats.org/presentationml/2006/main">
+  <p:cSld>
+    <p:spTree>
+      <p:nvGrpSpPr>
+        <p:cNvPr id="1" name=""/>
+        <p:cNvGrpSpPr/>
+        <p:nvPr/>
+      </p:nvGrpSpPr>
+      <p:grpSpPr>
+        <a:xfrm>
+          <a:off x="0" y="0"/>
+          <a:ext cx="0" cy="0"/>
+          <a:chOff x="0" y="0"/>
+          <a:chExt cx="0" cy="0"/>
+        </a:xfrm>
+      </p:grpSpPr>
+      <p:sp>
+        <p:nvSpPr>
+          <p:cNvPr id="2" name="Slide Image Placeholder 1"/>
+          <p:cNvSpPr>
+            <a:spLocks noGrp="1" noRot="1" noChangeAspect="1"/>
+          </p:cNvSpPr>
+          <p:nvPr>
+            <p:ph type="sldImg"/>
+          </p:nvPr>
+        </p:nvSpPr>
+        <p:spPr/>
+      </p:sp>
+      <p:sp>
+        <p:nvSpPr>
+          <p:cNvPr id="3" name="Notes Placeholder 2"/>
+          <p:cNvSpPr>
+            <a:spLocks noGrp="1"/>
+          </p:cNvSpPr>
+          <p:nvPr>
+            <p:ph type="body" idx="1"/>
+          </p:nvPr>
+        </p:nvSpPr>
+        <p:spPr/>
+        <p:txBody>
+          <a:bodyPr/>
+          <a:lstStyle/>
+          <a:p>
+            <a:r>
+              <a:rPr lang="en-CA" dirty="0" smtClean="0"/>
+              <a:t>Comparison of output or result needs</a:t>
+            </a:r>
+            <a:r>
+              <a:rPr lang="en-CA" baseline="0" dirty="0" smtClean="0"/>
+              <a:t> to </a:t>
+            </a:r>
+            <a:r>
+              <a:rPr lang="en-CA" baseline="0" smtClean="0"/>
+              <a:t>be emphasize</a:t>
+            </a:r>
+            <a:endParaRPr lang="en-CA"/>
+          </a:p>
+        </p:txBody>
+      </p:sp>
+      <p:sp>
+        <p:nvSpPr>
+          <p:cNvPr id="4" name="Slide Number Placeholder 3"/>
+          <p:cNvSpPr>
+            <a:spLocks noGrp="1"/>
+          </p:cNvSpPr>
+          <p:nvPr>
+            <p:ph type="sldNum" sz="quarter" idx="10"/>
+          </p:nvPr>
+        </p:nvSpPr>
+        <p:spPr/>
+        <p:txBody>
+          <a:bodyPr/>
+          <a:lstStyle/>
+          <a:p>
+            <a:fld id="{849A0A36-F84D-437B-B821-CB3EBADC1433}" type="slidenum">
+              <a:rPr lang="en-CA" smtClean="0"/>
+              <a:t>31</a:t>
             </a:fld>
             <a:endParaRPr lang="en-CA"/>
           </a:p>
@@ -3006,6 +3218,98 @@
     <p:extLst>
       <p:ext uri="{BB962C8B-B14F-4D97-AF65-F5344CB8AC3E}">
         <p14:creationId xmlns:p14="http://schemas.microsoft.com/office/powerpoint/2010/main" val="4225210421"/>
+      </p:ext>
+    </p:extLst>
+  </p:cSld>
+  <p:clrMapOvr>
+    <a:masterClrMapping/>
+  </p:clrMapOvr>
+</p:notes>
+</file>
+
+<file path=ppt/notesSlides/notesSlide24.xml><?xml version="1.0" encoding="utf-8"?>
+<p:notes xmlns:a="http://schemas.openxmlformats.org/drawingml/2006/main" xmlns:r="http://schemas.openxmlformats.org/officeDocument/2006/relationships" xmlns:p="http://schemas.openxmlformats.org/presentationml/2006/main">
+  <p:cSld>
+    <p:spTree>
+      <p:nvGrpSpPr>
+        <p:cNvPr id="1" name=""/>
+        <p:cNvGrpSpPr/>
+        <p:nvPr/>
+      </p:nvGrpSpPr>
+      <p:grpSpPr>
+        <a:xfrm>
+          <a:off x="0" y="0"/>
+          <a:ext cx="0" cy="0"/>
+          <a:chOff x="0" y="0"/>
+          <a:chExt cx="0" cy="0"/>
+        </a:xfrm>
+      </p:grpSpPr>
+      <p:sp>
+        <p:nvSpPr>
+          <p:cNvPr id="2" name="Slide Image Placeholder 1"/>
+          <p:cNvSpPr>
+            <a:spLocks noGrp="1" noRot="1" noChangeAspect="1"/>
+          </p:cNvSpPr>
+          <p:nvPr>
+            <p:ph type="sldImg"/>
+          </p:nvPr>
+        </p:nvSpPr>
+        <p:spPr/>
+      </p:sp>
+      <p:sp>
+        <p:nvSpPr>
+          <p:cNvPr id="3" name="Notes Placeholder 2"/>
+          <p:cNvSpPr>
+            <a:spLocks noGrp="1"/>
+          </p:cNvSpPr>
+          <p:nvPr>
+            <p:ph type="body" idx="1"/>
+          </p:nvPr>
+        </p:nvSpPr>
+        <p:spPr/>
+        <p:txBody>
+          <a:bodyPr/>
+          <a:lstStyle/>
+          <a:p>
+            <a:r>
+              <a:rPr lang="en-CA" dirty="0" smtClean="0"/>
+              <a:t>Provides</a:t>
+            </a:r>
+            <a:r>
+              <a:rPr lang="en-CA" baseline="0" dirty="0" smtClean="0"/>
+              <a:t> annotation</a:t>
+            </a:r>
+            <a:endParaRPr lang="en-CA" dirty="0"/>
+          </a:p>
+        </p:txBody>
+      </p:sp>
+      <p:sp>
+        <p:nvSpPr>
+          <p:cNvPr id="4" name="Slide Number Placeholder 3"/>
+          <p:cNvSpPr>
+            <a:spLocks noGrp="1"/>
+          </p:cNvSpPr>
+          <p:nvPr>
+            <p:ph type="sldNum" sz="quarter" idx="10"/>
+          </p:nvPr>
+        </p:nvSpPr>
+        <p:spPr/>
+        <p:txBody>
+          <a:bodyPr/>
+          <a:lstStyle/>
+          <a:p>
+            <a:fld id="{B5B5BF96-4013-477F-9949-176AD53AFF60}" type="slidenum">
+              <a:rPr lang="en-CA" smtClean="0"/>
+              <a:t>32</a:t>
+            </a:fld>
+            <a:endParaRPr lang="en-CA"/>
+          </a:p>
+        </p:txBody>
+      </p:sp>
+    </p:spTree>
+    <p:extLst>
+      <p:ext uri="{BB962C8B-B14F-4D97-AF65-F5344CB8AC3E}">
+        <p14:creationId xmlns:p14="http://schemas.microsoft.com/office/powerpoint/2010/main" val="1507897313"/>
       </p:ext>
     </p:extLst>
   </p:cSld>
@@ -3061,7 +3365,22 @@
           <a:p>
             <a:r>
               <a:rPr lang="en-CA" dirty="0" smtClean="0"/>
-              <a:t>bug 723343 closed in </a:t>
+              <a:t>Only experts develop these</a:t>
+            </a:r>
+            <a:r>
+              <a:rPr lang="en-CA" baseline="0" dirty="0" smtClean="0"/>
+              <a:t> tools and even then, bugs still occur with grave consequences such as ….</a:t>
+            </a:r>
+            <a:endParaRPr lang="en-CA" dirty="0" smtClean="0"/>
+          </a:p>
+          <a:p>
+            <a:r>
+              <a:rPr lang="en-CA" dirty="0" smtClean="0"/>
+              <a:t>bug </a:t>
+            </a:r>
+            <a:r>
+              <a:rPr lang="en-CA" dirty="0" smtClean="0"/>
+              <a:t>723343 closed in </a:t>
             </a:r>
             <a:r>
               <a:rPr lang="en-CA" dirty="0" err="1" smtClean="0"/>
@@ -3092,7 +3411,7 @@
           <a:p>
             <a:fld id="{B5B5BF96-4013-477F-9949-176AD53AFF60}" type="slidenum">
               <a:rPr lang="en-CA" smtClean="0"/>
-              <a:t>4</a:t>
+              <a:t>3</a:t>
             </a:fld>
             <a:endParaRPr lang="en-CA"/>
           </a:p>
@@ -3155,15 +3474,63 @@
           <a:bodyPr/>
           <a:lstStyle/>
           <a:p>
+            <a:pPr marL="0" marR="0" lvl="0" indent="0" algn="l" defTabSz="914400" rtl="0" eaLnBrk="1" fontAlgn="auto" latinLnBrk="0" hangingPunct="1">
+              <a:lnSpc>
+                <a:spcPct val="100000"/>
+              </a:lnSpc>
+              <a:spcBef>
+                <a:spcPts val="0"/>
+              </a:spcBef>
+              <a:spcAft>
+                <a:spcPts val="0"/>
+              </a:spcAft>
+              <a:buClrTx/>
+              <a:buSzTx/>
+              <a:buFontTx/>
+              <a:buNone/>
+              <a:tabLst/>
+              <a:defRPr/>
+            </a:pPr>
             <a:r>
               <a:rPr lang="en-CA" dirty="0" smtClean="0"/>
-              <a:t>Intuition:</a:t>
+              <a:t>The root cause of all these problems is that these</a:t>
             </a:r>
             <a:r>
               <a:rPr lang="en-CA" baseline="0" dirty="0" smtClean="0"/>
-              <a:t> extract specification from data structure definition in existing source code </a:t>
-            </a:r>
-            <a:endParaRPr lang="en-CA" dirty="0"/>
+              <a:t> tools are hard </a:t>
+            </a:r>
+            <a:r>
+              <a:rPr lang="en-CA" baseline="0" smtClean="0"/>
+              <a:t>to write</a:t>
+            </a:r>
+            <a:endParaRPr lang="en-CA" dirty="0" smtClean="0"/>
+          </a:p>
+          <a:p>
+            <a:pPr marL="0" marR="0" lvl="0" indent="0" algn="l" defTabSz="914400" rtl="0" eaLnBrk="1" fontAlgn="auto" latinLnBrk="0" hangingPunct="1">
+              <a:lnSpc>
+                <a:spcPct val="100000"/>
+              </a:lnSpc>
+              <a:spcBef>
+                <a:spcPts val="0"/>
+              </a:spcBef>
+              <a:spcAft>
+                <a:spcPts val="0"/>
+              </a:spcAft>
+              <a:buClrTx/>
+              <a:buSzTx/>
+              <a:buFontTx/>
+              <a:buNone/>
+              <a:tabLst/>
+              <a:defRPr/>
+            </a:pPr>
+            <a:r>
+              <a:rPr lang="en-CA" dirty="0" smtClean="0"/>
+              <a:t>Applications require detailed knowledge of format</a:t>
+            </a:r>
+            <a:r>
+              <a:rPr lang="en-CA" baseline="0" dirty="0" smtClean="0"/>
+              <a:t> for processing file system metadata. In addition, they need to handle file system corruption in a robust manner.</a:t>
+            </a:r>
           </a:p>
         </p:txBody>
       </p:sp>
@@ -3184,7 +3551,7 @@
           <a:p>
             <a:fld id="{B5B5BF96-4013-477F-9949-176AD53AFF60}" type="slidenum">
               <a:rPr lang="en-CA" smtClean="0"/>
-              <a:t>6</a:t>
+              <a:t>4</a:t>
             </a:fld>
             <a:endParaRPr lang="en-CA"/>
           </a:p>
@@ -3193,7 +3560,7 @@
     </p:spTree>
     <p:extLst>
       <p:ext uri="{BB962C8B-B14F-4D97-AF65-F5344CB8AC3E}">
-        <p14:creationId xmlns:p14="http://schemas.microsoft.com/office/powerpoint/2010/main" val="1158520884"/>
+        <p14:creationId xmlns:p14="http://schemas.microsoft.com/office/powerpoint/2010/main" val="4228326885"/>
       </p:ext>
     </p:extLst>
   </p:cSld>
@@ -3247,7 +3614,27 @@
           <a:bodyPr/>
           <a:lstStyle/>
           <a:p>
-            <a:endParaRPr lang="en-CA" dirty="0"/>
+            <a:pPr marL="0" marR="0" lvl="0" indent="0" algn="l" defTabSz="914400" rtl="0" eaLnBrk="1" fontAlgn="auto" latinLnBrk="0" hangingPunct="1">
+              <a:lnSpc>
+                <a:spcPct val="100000"/>
+              </a:lnSpc>
+              <a:spcBef>
+                <a:spcPts val="0"/>
+              </a:spcBef>
+              <a:spcAft>
+                <a:spcPts val="0"/>
+              </a:spcAft>
+              <a:buClrTx/>
+              <a:buSzTx/>
+              <a:buFontTx/>
+              <a:buNone/>
+              <a:tabLst/>
+              <a:defRPr/>
+            </a:pPr>
+            <a:r>
+              <a:rPr lang="en-CA" dirty="0" smtClean="0"/>
+              <a:t>Ensure type safe access to file system structures.</a:t>
+            </a:r>
           </a:p>
         </p:txBody>
       </p:sp>
@@ -3266,9 +3653,9 @@
           <a:bodyPr/>
           <a:lstStyle/>
           <a:p>
-            <a:fld id="{849A0A36-F84D-437B-B821-CB3EBADC1433}" type="slidenum">
+            <a:fld id="{B5B5BF96-4013-477F-9949-176AD53AFF60}" type="slidenum">
               <a:rPr lang="en-CA" smtClean="0"/>
-              <a:t>7</a:t>
+              <a:t>5</a:t>
             </a:fld>
             <a:endParaRPr lang="en-CA"/>
           </a:p>
@@ -3277,7 +3664,7 @@
     </p:spTree>
     <p:extLst>
       <p:ext uri="{BB962C8B-B14F-4D97-AF65-F5344CB8AC3E}">
-        <p14:creationId xmlns:p14="http://schemas.microsoft.com/office/powerpoint/2010/main" val="1606651027"/>
+        <p14:creationId xmlns:p14="http://schemas.microsoft.com/office/powerpoint/2010/main" val="1357026355"/>
       </p:ext>
     </p:extLst>
   </p:cSld>
@@ -3331,7 +3718,7 @@
           <a:bodyPr/>
           <a:lstStyle/>
           <a:p>
-            <a:endParaRPr lang="en-CA"/>
+            <a:endParaRPr lang="en-CA" dirty="0"/>
           </a:p>
         </p:txBody>
       </p:sp>
@@ -3352,7 +3739,7 @@
           <a:p>
             <a:fld id="{849A0A36-F84D-437B-B821-CB3EBADC1433}" type="slidenum">
               <a:rPr lang="en-CA" smtClean="0"/>
-              <a:t>8</a:t>
+              <a:t>7</a:t>
             </a:fld>
             <a:endParaRPr lang="en-CA"/>
           </a:p>
@@ -3361,7 +3748,7 @@
     </p:spTree>
     <p:extLst>
       <p:ext uri="{BB962C8B-B14F-4D97-AF65-F5344CB8AC3E}">
-        <p14:creationId xmlns:p14="http://schemas.microsoft.com/office/powerpoint/2010/main" val="2193666308"/>
+        <p14:creationId xmlns:p14="http://schemas.microsoft.com/office/powerpoint/2010/main" val="1606651027"/>
       </p:ext>
     </p:extLst>
   </p:cSld>
@@ -3436,7 +3823,7 @@
           <a:p>
             <a:fld id="{849A0A36-F84D-437B-B821-CB3EBADC1433}" type="slidenum">
               <a:rPr lang="en-CA" smtClean="0"/>
-              <a:t>9</a:t>
+              <a:t>8</a:t>
             </a:fld>
             <a:endParaRPr lang="en-CA"/>
           </a:p>
@@ -3445,7 +3832,7 @@
     </p:spTree>
     <p:extLst>
       <p:ext uri="{BB962C8B-B14F-4D97-AF65-F5344CB8AC3E}">
-        <p14:creationId xmlns:p14="http://schemas.microsoft.com/office/powerpoint/2010/main" val="2060796535"/>
+        <p14:creationId xmlns:p14="http://schemas.microsoft.com/office/powerpoint/2010/main" val="2193666308"/>
       </p:ext>
     </p:extLst>
   </p:cSld>
@@ -3499,15 +3886,7 @@
           <a:bodyPr/>
           <a:lstStyle/>
           <a:p>
-            <a:r>
-              <a:rPr lang="en-CA" dirty="0" smtClean="0"/>
-              <a:t>Specify file</a:t>
-            </a:r>
-            <a:r>
-              <a:rPr lang="en-CA" baseline="0" dirty="0" smtClean="0"/>
-              <a:t> system format so that we can generate a parsing and serialization library that simplifies development of applications that work across file systems.</a:t>
-            </a:r>
-            <a:endParaRPr lang="en-CA" dirty="0"/>
+            <a:endParaRPr lang="en-CA"/>
           </a:p>
         </p:txBody>
       </p:sp>
@@ -3526,9 +3905,9 @@
           <a:bodyPr/>
           <a:lstStyle/>
           <a:p>
-            <a:fld id="{B5B5BF96-4013-477F-9949-176AD53AFF60}" type="slidenum">
+            <a:fld id="{849A0A36-F84D-437B-B821-CB3EBADC1433}" type="slidenum">
               <a:rPr lang="en-CA" smtClean="0"/>
-              <a:t>10</a:t>
+              <a:t>9</a:t>
             </a:fld>
             <a:endParaRPr lang="en-CA"/>
           </a:p>
@@ -3537,7 +3916,7 @@
     </p:spTree>
     <p:extLst>
       <p:ext uri="{BB962C8B-B14F-4D97-AF65-F5344CB8AC3E}">
-        <p14:creationId xmlns:p14="http://schemas.microsoft.com/office/powerpoint/2010/main" val="2140244372"/>
+        <p14:creationId xmlns:p14="http://schemas.microsoft.com/office/powerpoint/2010/main" val="2060796535"/>
       </p:ext>
     </p:extLst>
   </p:cSld>
@@ -3591,29 +3970,37 @@
           <a:bodyPr/>
           <a:lstStyle/>
           <a:p>
-            <a:pPr marL="0" marR="0" lvl="0" indent="0" algn="l" defTabSz="914400" rtl="0" eaLnBrk="1" fontAlgn="auto" latinLnBrk="0" hangingPunct="1">
-              <a:lnSpc>
-                <a:spcPct val="100000"/>
-              </a:lnSpc>
-              <a:spcBef>
-                <a:spcPts val="0"/>
-              </a:spcBef>
-              <a:spcAft>
-                <a:spcPts val="0"/>
-              </a:spcAft>
-              <a:buClrTx/>
-              <a:buSzTx/>
-              <a:buFontTx/>
-              <a:buNone/>
-              <a:tabLst/>
-              <a:defRPr/>
-            </a:pPr>
             <a:r>
               <a:rPr lang="en-CA" dirty="0" smtClean="0"/>
-              <a:t>Mapping function may need to reassemble blocks</a:t>
-            </a:r>
-          </a:p>
-          <a:p>
+              <a:t>8 MINUTE</a:t>
+            </a:r>
+            <a:r>
+              <a:rPr lang="en-CA" baseline="0" dirty="0" smtClean="0"/>
+              <a:t>S MAX to get here.</a:t>
+            </a:r>
+          </a:p>
+          <a:p>
+            <a:r>
+              <a:rPr lang="en-CA" baseline="0" dirty="0" smtClean="0"/>
+              <a:t>Now you know the problem, now I talk about the each piece of the solution (reword)</a:t>
+            </a:r>
+          </a:p>
+          <a:p>
+            <a:endParaRPr lang="en-CA" dirty="0" smtClean="0"/>
+          </a:p>
+          <a:p>
+            <a:r>
+              <a:rPr lang="en-CA" dirty="0" smtClean="0"/>
+              <a:t>Specify </a:t>
+            </a:r>
+            <a:r>
+              <a:rPr lang="en-CA" dirty="0" smtClean="0"/>
+              <a:t>file</a:t>
+            </a:r>
+            <a:r>
+              <a:rPr lang="en-CA" baseline="0" dirty="0" smtClean="0"/>
+              <a:t> system format so that we can generate a parsing and serialization library that simplifies development of applications that work across file systems.</a:t>
+            </a:r>
             <a:endParaRPr lang="en-CA" dirty="0"/>
           </a:p>
         </p:txBody>
@@ -3633,9 +4020,9 @@
           <a:bodyPr/>
           <a:lstStyle/>
           <a:p>
-            <a:fld id="{849A0A36-F84D-437B-B821-CB3EBADC1433}" type="slidenum">
+            <a:fld id="{B5B5BF96-4013-477F-9949-176AD53AFF60}" type="slidenum">
               <a:rPr lang="en-CA" smtClean="0"/>
-              <a:t>11</a:t>
+              <a:t>10</a:t>
             </a:fld>
             <a:endParaRPr lang="en-CA"/>
           </a:p>
@@ -3644,7 +4031,7 @@
     </p:spTree>
     <p:extLst>
       <p:ext uri="{BB962C8B-B14F-4D97-AF65-F5344CB8AC3E}">
-        <p14:creationId xmlns:p14="http://schemas.microsoft.com/office/powerpoint/2010/main" val="1679095402"/>
+        <p14:creationId xmlns:p14="http://schemas.microsoft.com/office/powerpoint/2010/main" val="2140244372"/>
       </p:ext>
     </p:extLst>
   </p:cSld>
@@ -8115,19 +8502,9 @@
   <p:cSld>
     <p:bg>
       <p:bgPr>
-        <a:gradFill rotWithShape="1">
-          <a:gsLst>
-            <a:gs pos="10000">
-              <a:schemeClr val="tx1"/>
-            </a:gs>
-            <a:gs pos="100000">
-              <a:schemeClr val="bg2">
-                <a:lumMod val="75000"/>
-              </a:schemeClr>
-            </a:gs>
-          </a:gsLst>
-          <a:lin ang="6120000" scaled="1"/>
-        </a:gradFill>
+        <a:solidFill>
+          <a:schemeClr val="tx1"/>
+        </a:solidFill>
         <a:effectLst/>
       </p:bgPr>
     </p:bg>
@@ -9244,6 +9621,13 @@
   <p:clrMapOvr>
     <a:masterClrMapping/>
   </p:clrMapOvr>
+  <p:timing>
+    <p:tnLst>
+      <p:par>
+        <p:cTn id="1" dur="indefinite" restart="never" nodeType="tmRoot"/>
+      </p:par>
+    </p:tnLst>
+  </p:timing>
 </p:sld>
 </file>
 
@@ -9342,20 +9726,6 @@
             </a:r>
           </a:p>
           <a:p>
-            <a:pPr lvl="1"/>
-            <a:r>
-              <a:rPr lang="en-US" dirty="0" smtClean="0">
-                <a:solidFill>
-                  <a:schemeClr val="bg1">
-                    <a:lumMod val="50000"/>
-                    <a:lumOff val="50000"/>
-                  </a:schemeClr>
-                </a:solidFill>
-              </a:rPr>
-              <a:t>Specify file system format, generate parsing and serialization library</a:t>
-            </a:r>
-          </a:p>
-          <a:p>
             <a:r>
               <a:rPr lang="en-US" dirty="0" smtClean="0"/>
               <a:t>Spiffy </a:t>
@@ -9364,7 +9734,12 @@
               <a:rPr lang="en-US" dirty="0" smtClean="0"/>
               <a:t>Annotations</a:t>
             </a:r>
-            <a:endParaRPr lang="en-US" dirty="0" smtClean="0"/>
+          </a:p>
+          <a:p>
+            <a:r>
+              <a:rPr lang="en-US" dirty="0" smtClean="0"/>
+              <a:t>Spiffy Library</a:t>
+            </a:r>
           </a:p>
           <a:p>
             <a:r>
@@ -9372,17 +9747,6 @@
               <a:t>Spiffy </a:t>
             </a:r>
             <a:r>
-              <a:rPr lang="en-US" dirty="0" smtClean="0"/>
-              <a:t>Library</a:t>
-            </a:r>
-            <a:endParaRPr lang="en-US" dirty="0" smtClean="0"/>
-          </a:p>
-          <a:p>
-            <a:r>
-              <a:rPr lang="en-US" dirty="0" smtClean="0"/>
-              <a:t>Spiffy </a:t>
-            </a:r>
-            <a:r>
               <a:rPr lang="en-US" dirty="0"/>
               <a:t>A</a:t>
             </a:r>
@@ -9390,20 +9754,12 @@
               <a:rPr lang="en-US" dirty="0" smtClean="0"/>
               <a:t>pplications</a:t>
             </a:r>
-            <a:endParaRPr lang="en-US" dirty="0" smtClean="0"/>
           </a:p>
           <a:p>
             <a:r>
               <a:rPr lang="en-US" dirty="0" smtClean="0"/>
               <a:t>Evaluation</a:t>
             </a:r>
-          </a:p>
-          <a:p>
-            <a:r>
-              <a:rPr lang="en-US" dirty="0" smtClean="0"/>
-              <a:t>Conclusion</a:t>
-            </a:r>
-            <a:endParaRPr lang="en-CA" dirty="0"/>
           </a:p>
         </p:txBody>
       </p:sp>
@@ -9441,6 +9797,13 @@
   <p:clrMapOvr>
     <a:masterClrMapping/>
   </p:clrMapOvr>
+  <p:timing>
+    <p:tnLst>
+      <p:par>
+        <p:cTn id="1" dur="indefinite" restart="never" nodeType="tmRoot"/>
+      </p:par>
+    </p:tnLst>
+  </p:timing>
 </p:sld>
 </file>
 
@@ -9478,7 +9841,7 @@
           <a:p>
             <a:r>
               <a:rPr lang="en-CA" dirty="0" smtClean="0"/>
-              <a:t>Annotation Requirements</a:t>
+              <a:t>Need for Annotation</a:t>
             </a:r>
             <a:endParaRPr lang="en-CA" dirty="0"/>
           </a:p>
@@ -9497,115 +9860,203 @@
         <p:spPr/>
         <p:txBody>
           <a:bodyPr>
-            <a:normAutofit/>
+            <a:normAutofit lnSpcReduction="10000"/>
           </a:bodyPr>
           <a:lstStyle/>
           <a:p>
             <a:r>
-              <a:rPr lang="en-US" dirty="0" smtClean="0"/>
-              <a:t>File System Pointers</a:t>
+              <a:rPr lang="en-CA" dirty="0" smtClean="0"/>
+              <a:t>Enable complete specification of the file system format</a:t>
             </a:r>
           </a:p>
           <a:p>
             <a:pPr lvl="1"/>
             <a:r>
-              <a:rPr lang="en-US" dirty="0" smtClean="0"/>
-              <a:t>Need to specify relationships between file system structures</a:t>
+              <a:rPr lang="en-CA" dirty="0" smtClean="0"/>
+              <a:t>Allows type-safe parsing and updates of file system structures</a:t>
+            </a:r>
+          </a:p>
+          <a:p>
+            <a:r>
+              <a:rPr lang="en-CA" dirty="0" smtClean="0"/>
+              <a:t>Challenge</a:t>
             </a:r>
           </a:p>
           <a:p>
             <a:pPr lvl="1"/>
             <a:r>
-              <a:rPr lang="en-US" dirty="0" smtClean="0"/>
-              <a:t>Use </a:t>
-            </a:r>
-            <a:r>
-              <a:rPr lang="en-US" i="1" dirty="0"/>
-              <a:t>P</a:t>
-            </a:r>
-            <a:r>
-              <a:rPr lang="en-US" i="1" dirty="0" smtClean="0"/>
-              <a:t>ointer</a:t>
-            </a:r>
-            <a:r>
-              <a:rPr lang="en-US" dirty="0" smtClean="0"/>
-              <a:t> annotation to specify this relationship</a:t>
+              <a:rPr lang="en-CA" dirty="0" smtClean="0"/>
+              <a:t>Data </a:t>
+            </a:r>
+            <a:r>
+              <a:rPr lang="en-CA" dirty="0"/>
+              <a:t>structure definitions in </a:t>
+            </a:r>
+            <a:r>
+              <a:rPr lang="en-CA" dirty="0" smtClean="0"/>
+              <a:t>source files are </a:t>
+            </a:r>
+            <a:r>
+              <a:rPr lang="en-CA" i="1" dirty="0"/>
+              <a:t>incomplete</a:t>
             </a:r>
           </a:p>
           <a:p>
             <a:pPr lvl="1"/>
             <a:r>
-              <a:rPr lang="en-US" dirty="0" smtClean="0"/>
-              <a:t>Specifies that a data structure field holds an address to a location on physical </a:t>
-            </a:r>
-            <a:r>
-              <a:rPr lang="en-US" dirty="0" smtClean="0"/>
-              <a:t>storage</a:t>
-            </a:r>
+              <a:rPr lang="en-CA" dirty="0"/>
+              <a:t>E.g., </a:t>
+            </a:r>
+            <a:r>
+              <a:rPr lang="en-CA" sz="1800" dirty="0" err="1">
+                <a:solidFill>
+                  <a:srgbClr val="002060"/>
+                </a:solidFill>
+                <a:latin typeface="Courier New" panose="02070309020205020404" pitchFamily="49" charset="0"/>
+                <a:cs typeface="Courier New" panose="02070309020205020404" pitchFamily="49" charset="0"/>
+              </a:rPr>
+              <a:t>struct</a:t>
+            </a:r>
+            <a:r>
+              <a:rPr lang="en-CA" sz="1800" dirty="0">
+                <a:latin typeface="Courier New" panose="02070309020205020404" pitchFamily="49" charset="0"/>
+                <a:cs typeface="Courier New" panose="02070309020205020404" pitchFamily="49" charset="0"/>
+              </a:rPr>
+              <a:t> foo {</a:t>
+            </a:r>
+            <a:br>
+              <a:rPr lang="en-CA" sz="1800" dirty="0">
+                <a:latin typeface="Courier New" panose="02070309020205020404" pitchFamily="49" charset="0"/>
+                <a:cs typeface="Courier New" panose="02070309020205020404" pitchFamily="49" charset="0"/>
+              </a:rPr>
+            </a:br>
+            <a:r>
+              <a:rPr lang="en-CA" sz="1800" dirty="0">
+                <a:latin typeface="Courier New" panose="02070309020205020404" pitchFamily="49" charset="0"/>
+                <a:cs typeface="Courier New" panose="02070309020205020404" pitchFamily="49" charset="0"/>
+              </a:rPr>
+              <a:t>		     __le32 </a:t>
+            </a:r>
+            <a:r>
+              <a:rPr lang="en-CA" sz="1800" dirty="0" err="1">
+                <a:latin typeface="Courier New" panose="02070309020205020404" pitchFamily="49" charset="0"/>
+                <a:cs typeface="Courier New" panose="02070309020205020404" pitchFamily="49" charset="0"/>
+              </a:rPr>
+              <a:t>bar_block_ptr</a:t>
+            </a:r>
+            <a:r>
+              <a:rPr lang="en-CA" sz="1800" dirty="0">
+                <a:latin typeface="Courier New" panose="02070309020205020404" pitchFamily="49" charset="0"/>
+                <a:cs typeface="Courier New" panose="02070309020205020404" pitchFamily="49" charset="0"/>
+              </a:rPr>
+              <a:t>;</a:t>
+            </a:r>
+            <a:br>
+              <a:rPr lang="en-CA" sz="1800" dirty="0">
+                <a:latin typeface="Courier New" panose="02070309020205020404" pitchFamily="49" charset="0"/>
+                <a:cs typeface="Courier New" panose="02070309020205020404" pitchFamily="49" charset="0"/>
+              </a:rPr>
+            </a:br>
+            <a:r>
+              <a:rPr lang="en-CA" sz="1800" dirty="0">
+                <a:latin typeface="Courier New" panose="02070309020205020404" pitchFamily="49" charset="0"/>
+                <a:cs typeface="Courier New" panose="02070309020205020404" pitchFamily="49" charset="0"/>
+              </a:rPr>
+              <a:t>    };</a:t>
+            </a:r>
+          </a:p>
+          <a:p>
+            <a:pPr lvl="2"/>
+            <a:r>
+              <a:rPr lang="en-CA" dirty="0" err="1" smtClean="0">
+                <a:cs typeface="Courier New" panose="02070309020205020404" pitchFamily="49" charset="0"/>
+              </a:rPr>
+              <a:t>bar_block_ptr</a:t>
+            </a:r>
+            <a:r>
+              <a:rPr lang="en-CA" dirty="0" smtClean="0">
+                <a:cs typeface="Courier New" panose="02070309020205020404" pitchFamily="49" charset="0"/>
+              </a:rPr>
+              <a:t> is </a:t>
+            </a:r>
+            <a:r>
+              <a:rPr lang="en-CA" dirty="0">
+                <a:cs typeface="Courier New" panose="02070309020205020404" pitchFamily="49" charset="0"/>
+              </a:rPr>
+              <a:t>“probably” a 32-bit pointer to type “</a:t>
+            </a:r>
+            <a:r>
+              <a:rPr lang="en-CA" dirty="0" err="1">
+                <a:cs typeface="Courier New" panose="02070309020205020404" pitchFamily="49" charset="0"/>
+              </a:rPr>
+              <a:t>bar_block</a:t>
+            </a:r>
+            <a:r>
+              <a:rPr lang="en-CA" dirty="0">
+                <a:cs typeface="Courier New" panose="02070309020205020404" pitchFamily="49" charset="0"/>
+              </a:rPr>
+              <a:t>”</a:t>
+            </a:r>
+          </a:p>
+          <a:p>
+            <a:pPr lvl="2"/>
+            <a:r>
+              <a:rPr lang="en-CA" dirty="0">
+                <a:cs typeface="Courier New" panose="02070309020205020404" pitchFamily="49" charset="0"/>
+              </a:rPr>
+              <a:t>However, </a:t>
+            </a:r>
+            <a:r>
+              <a:rPr lang="en-CA" dirty="0" smtClean="0">
+                <a:cs typeface="Courier New" panose="02070309020205020404" pitchFamily="49" charset="0"/>
+              </a:rPr>
+              <a:t>parser cannot </a:t>
+            </a:r>
+            <a:r>
+              <a:rPr lang="en-CA" dirty="0">
+                <a:cs typeface="Courier New" panose="02070309020205020404" pitchFamily="49" charset="0"/>
+              </a:rPr>
+              <a:t>deduce this from structure </a:t>
+            </a:r>
+            <a:r>
+              <a:rPr lang="en-CA" dirty="0" smtClean="0">
+                <a:cs typeface="Courier New" panose="02070309020205020404" pitchFamily="49" charset="0"/>
+              </a:rPr>
+              <a:t>definition</a:t>
+            </a:r>
+            <a:endParaRPr lang="en-CA" dirty="0">
+              <a:cs typeface="Courier New" panose="02070309020205020404" pitchFamily="49" charset="0"/>
+            </a:endParaRPr>
+          </a:p>
+          <a:p>
+            <a:r>
+              <a:rPr lang="en-CA" dirty="0" smtClean="0"/>
+              <a:t>Solution</a:t>
+            </a:r>
+            <a:endParaRPr lang="en-CA" dirty="0"/>
           </a:p>
           <a:p>
             <a:pPr lvl="1"/>
             <a:r>
-              <a:rPr lang="en-US" b="1" dirty="0" smtClean="0"/>
-              <a:t>Challenge:</a:t>
-            </a:r>
-            <a:r>
-              <a:rPr lang="en-CA" b="1" dirty="0" smtClean="0"/>
-              <a:t> </a:t>
+              <a:rPr lang="en-CA" dirty="0"/>
+              <a:t>Annotate existing </a:t>
             </a:r>
             <a:r>
               <a:rPr lang="en-CA" dirty="0" smtClean="0"/>
-              <a:t>Interpreting address </a:t>
+              <a:t>sources </a:t>
             </a:r>
             <a:r>
               <a:rPr lang="en-CA" dirty="0"/>
-              <a:t>may involve multiple layers of translation</a:t>
-            </a:r>
-          </a:p>
-          <a:p>
-            <a:pPr lvl="1"/>
-            <a:r>
-              <a:rPr lang="en-CA" dirty="0"/>
-              <a:t>File system structures may be laid out discontiguously</a:t>
-            </a:r>
-          </a:p>
-          <a:p>
-            <a:pPr lvl="2"/>
-            <a:r>
-              <a:rPr lang="en-CA" dirty="0"/>
-              <a:t>E.g., Ext4 journal is stored on disk as a regular file</a:t>
-            </a:r>
-          </a:p>
-          <a:p>
-            <a:pPr lvl="2"/>
-            <a:r>
-              <a:rPr lang="en-CA" dirty="0"/>
-              <a:t>Regular files can be physically discontiguous on </a:t>
-            </a:r>
-            <a:r>
-              <a:rPr lang="en-CA" dirty="0" smtClean="0"/>
-              <a:t>disk</a:t>
-            </a:r>
+              <a:t>to specify missing information</a:t>
+            </a:r>
+          </a:p>
+          <a:p>
+            <a:endParaRPr lang="en-CA" dirty="0">
+              <a:cs typeface="Courier New" panose="02070309020205020404" pitchFamily="49" charset="0"/>
+            </a:endParaRPr>
+          </a:p>
+          <a:p>
             <a:endParaRPr lang="en-CA" dirty="0"/>
-          </a:p>
-          <a:p>
-            <a:pPr lvl="1"/>
-            <a:r>
-              <a:rPr lang="en-CA" dirty="0"/>
-              <a:t>Pointers have an </a:t>
-            </a:r>
-            <a:r>
-              <a:rPr lang="en-CA" i="1" dirty="0"/>
-              <a:t>address space </a:t>
-            </a:r>
-            <a:r>
-              <a:rPr lang="en-CA" dirty="0"/>
-              <a:t>that indicates how the address should be mapped to the physical location</a:t>
-            </a:r>
-          </a:p>
-          <a:p>
-            <a:pPr lvl="1"/>
-            <a:endParaRPr lang="en-US" dirty="0" smtClean="0"/>
           </a:p>
         </p:txBody>
       </p:sp>
@@ -9636,13 +10087,20 @@
     </p:spTree>
     <p:extLst>
       <p:ext uri="{BB962C8B-B14F-4D97-AF65-F5344CB8AC3E}">
-        <p14:creationId xmlns:p14="http://schemas.microsoft.com/office/powerpoint/2010/main" val="3955000870"/>
+        <p14:creationId xmlns:p14="http://schemas.microsoft.com/office/powerpoint/2010/main" val="1215605509"/>
       </p:ext>
     </p:extLst>
   </p:cSld>
   <p:clrMapOvr>
     <a:masterClrMapping/>
   </p:clrMapOvr>
+  <p:timing>
+    <p:tnLst>
+      <p:par>
+        <p:cTn id="1" dur="indefinite" restart="never" nodeType="tmRoot"/>
+      </p:par>
+    </p:tnLst>
+  </p:timing>
 </p:sld>
 </file>
 
@@ -9704,135 +10162,106 @@
           <a:lstStyle/>
           <a:p>
             <a:r>
+              <a:rPr lang="en-US" dirty="0" smtClean="0"/>
+              <a:t>File System Pointers</a:t>
+            </a:r>
+          </a:p>
+          <a:p>
+            <a:pPr lvl="1"/>
+            <a:r>
+              <a:rPr lang="en-US" dirty="0" smtClean="0"/>
+              <a:t>Need to specify relationships between file system structures</a:t>
+            </a:r>
+          </a:p>
+          <a:p>
+            <a:pPr lvl="1"/>
+            <a:r>
+              <a:rPr lang="en-US" dirty="0" smtClean="0"/>
+              <a:t>Use </a:t>
+            </a:r>
+            <a:r>
+              <a:rPr lang="en-US" i="1" dirty="0"/>
+              <a:t>P</a:t>
+            </a:r>
+            <a:r>
+              <a:rPr lang="en-US" i="1" dirty="0" smtClean="0"/>
+              <a:t>ointer</a:t>
+            </a:r>
+            <a:r>
+              <a:rPr lang="en-US" dirty="0" smtClean="0"/>
+              <a:t> annotation to specify this relationship</a:t>
+            </a:r>
+          </a:p>
+          <a:p>
+            <a:pPr lvl="1"/>
+            <a:r>
+              <a:rPr lang="en-US" dirty="0" smtClean="0"/>
+              <a:t>Specifies that a data structure field holds an address to a location on physical storage</a:t>
+            </a:r>
+          </a:p>
+          <a:p>
+            <a:pPr lvl="1"/>
+            <a:r>
+              <a:rPr lang="en-US" b="1" dirty="0" smtClean="0"/>
+              <a:t>Challenge:</a:t>
+            </a:r>
+            <a:r>
+              <a:rPr lang="en-CA" b="1" dirty="0" smtClean="0"/>
+              <a:t> </a:t>
+            </a:r>
+            <a:r>
+              <a:rPr lang="en-CA" dirty="0" smtClean="0"/>
+              <a:t>Interpreting address </a:t>
+            </a:r>
+            <a:r>
               <a:rPr lang="en-CA" dirty="0"/>
-              <a:t>Cross-Structure Dependencies</a:t>
+              <a:t>may involve multiple layers of translation</a:t>
             </a:r>
           </a:p>
           <a:p>
             <a:pPr lvl="1"/>
             <a:r>
               <a:rPr lang="en-CA" dirty="0"/>
-              <a:t>Allows the annotation of structures to reference fields of other structures</a:t>
+              <a:t>File system structures may be laid out discontiguously</a:t>
             </a:r>
           </a:p>
           <a:p>
             <a:pPr lvl="2"/>
             <a:r>
               <a:rPr lang="en-CA" dirty="0"/>
-              <a:t>E.g., size of an Ext4 </a:t>
-            </a:r>
-            <a:r>
-              <a:rPr lang="en-CA" dirty="0" err="1"/>
-              <a:t>inode</a:t>
-            </a:r>
+              <a:t>E.g., Ext4 journal is stored on disk as a regular file</a:t>
+            </a:r>
+          </a:p>
+          <a:p>
+            <a:pPr lvl="2"/>
             <a:r>
               <a:rPr lang="en-CA" dirty="0"/>
-              <a:t> is </a:t>
+              <a:t>Regular files can be physically discontiguous on </a:t>
             </a:r>
             <a:r>
               <a:rPr lang="en-CA" dirty="0" smtClean="0"/>
-              <a:t>stored </a:t>
-            </a:r>
+              <a:t>disk</a:t>
+            </a:r>
+            <a:endParaRPr lang="en-CA" dirty="0"/>
+          </a:p>
+          <a:p>
+            <a:pPr lvl="1"/>
             <a:r>
               <a:rPr lang="en-CA" dirty="0"/>
-              <a:t>in Ext4 super block</a:t>
-            </a:r>
-          </a:p>
-          <a:p>
-            <a:r>
-              <a:rPr lang="en-CA" dirty="0" smtClean="0"/>
-              <a:t>Context-Sensitive Types</a:t>
+              <a:t>Pointers have an </a:t>
+            </a:r>
+            <a:r>
+              <a:rPr lang="en-CA" i="1" dirty="0"/>
+              <a:t>address space </a:t>
+            </a:r>
+            <a:r>
+              <a:rPr lang="en-CA" dirty="0"/>
+              <a:t>that indicates how the address should be mapped to the physical location</a:t>
             </a:r>
           </a:p>
           <a:p>
             <a:pPr lvl="1"/>
-            <a:r>
-              <a:rPr lang="en-CA" dirty="0" smtClean="0"/>
-              <a:t>E.g., pointers may point to different types of metadata</a:t>
-            </a:r>
-          </a:p>
-          <a:p>
-            <a:pPr lvl="2"/>
-            <a:r>
-              <a:rPr lang="en-CA" dirty="0"/>
-              <a:t>P</a:t>
-            </a:r>
-            <a:r>
-              <a:rPr lang="en-CA" dirty="0" smtClean="0"/>
-              <a:t>ointers in </a:t>
-            </a:r>
-            <a:r>
-              <a:rPr lang="en-CA" dirty="0" err="1" smtClean="0"/>
-              <a:t>inode</a:t>
-            </a:r>
-            <a:r>
-              <a:rPr lang="en-CA" dirty="0" smtClean="0"/>
-              <a:t> point to directory entries if </a:t>
-            </a:r>
-            <a:r>
-              <a:rPr lang="en-CA" dirty="0" err="1" smtClean="0"/>
-              <a:t>inode</a:t>
-            </a:r>
-            <a:r>
-              <a:rPr lang="en-CA" dirty="0" smtClean="0"/>
-              <a:t> is directory</a:t>
-            </a:r>
-          </a:p>
-          <a:p>
-            <a:pPr lvl="1"/>
-            <a:r>
-              <a:rPr lang="en-CA" dirty="0" smtClean="0"/>
-              <a:t>E.g., structures may have optional fields</a:t>
-            </a:r>
-          </a:p>
-          <a:p>
-            <a:pPr lvl="2"/>
-            <a:r>
-              <a:rPr lang="en-CA" dirty="0" smtClean="0"/>
-              <a:t>Ext4 </a:t>
-            </a:r>
-            <a:r>
-              <a:rPr lang="en-CA" dirty="0" err="1" smtClean="0"/>
-              <a:t>inode</a:t>
-            </a:r>
-            <a:r>
-              <a:rPr lang="en-CA" dirty="0" smtClean="0"/>
-              <a:t> can store extended attributes if size &gt; 128</a:t>
-            </a:r>
-          </a:p>
-          <a:p>
-            <a:r>
-              <a:rPr lang="en-CA" dirty="0"/>
-              <a:t>Constraint Checking</a:t>
-            </a:r>
-          </a:p>
-          <a:p>
-            <a:pPr lvl="1"/>
-            <a:r>
-              <a:rPr lang="en-CA" dirty="0"/>
-              <a:t>Helps detect corrupted metadata </a:t>
-            </a:r>
-            <a:r>
-              <a:rPr lang="en-CA" dirty="0" smtClean="0"/>
-              <a:t>structures</a:t>
-            </a:r>
-            <a:endParaRPr lang="en-CA" dirty="0" smtClean="0"/>
-          </a:p>
-          <a:p>
-            <a:pPr lvl="1"/>
-            <a:endParaRPr lang="en-CA" dirty="0" smtClean="0"/>
-          </a:p>
-          <a:p>
-            <a:pPr lvl="1"/>
-            <a:endParaRPr lang="en-CA" dirty="0"/>
-          </a:p>
-          <a:p>
-            <a:pPr lvl="2"/>
-            <a:endParaRPr lang="en-CA" dirty="0" smtClean="0"/>
-          </a:p>
-          <a:p>
-            <a:pPr lvl="1"/>
-            <a:endParaRPr lang="en-CA" dirty="0"/>
+            <a:endParaRPr lang="en-US" dirty="0" smtClean="0"/>
           </a:p>
         </p:txBody>
       </p:sp>
@@ -9863,13 +10292,20 @@
     </p:spTree>
     <p:extLst>
       <p:ext uri="{BB962C8B-B14F-4D97-AF65-F5344CB8AC3E}">
-        <p14:creationId xmlns:p14="http://schemas.microsoft.com/office/powerpoint/2010/main" val="659825864"/>
+        <p14:creationId xmlns:p14="http://schemas.microsoft.com/office/powerpoint/2010/main" val="3955000870"/>
       </p:ext>
     </p:extLst>
   </p:cSld>
   <p:clrMapOvr>
     <a:masterClrMapping/>
   </p:clrMapOvr>
+  <p:timing>
+    <p:tnLst>
+      <p:par>
+        <p:cTn id="1" dur="indefinite" restart="never" nodeType="tmRoot"/>
+      </p:par>
+    </p:tnLst>
+  </p:timing>
 </p:sld>
 </file>
 
@@ -9906,6 +10342,239 @@
           <a:lstStyle/>
           <a:p>
             <a:r>
+              <a:rPr lang="en-CA" dirty="0" smtClean="0"/>
+              <a:t>Annotation Requirements</a:t>
+            </a:r>
+            <a:endParaRPr lang="en-CA" dirty="0"/>
+          </a:p>
+        </p:txBody>
+      </p:sp>
+      <p:sp>
+        <p:nvSpPr>
+          <p:cNvPr id="3" name="Content Placeholder 2"/>
+          <p:cNvSpPr>
+            <a:spLocks noGrp="1"/>
+          </p:cNvSpPr>
+          <p:nvPr>
+            <p:ph idx="1"/>
+          </p:nvPr>
+        </p:nvSpPr>
+        <p:spPr/>
+        <p:txBody>
+          <a:bodyPr>
+            <a:normAutofit/>
+          </a:bodyPr>
+          <a:lstStyle/>
+          <a:p>
+            <a:r>
+              <a:rPr lang="en-CA" dirty="0"/>
+              <a:t>Cross-Structure Dependencies</a:t>
+            </a:r>
+          </a:p>
+          <a:p>
+            <a:pPr lvl="1"/>
+            <a:r>
+              <a:rPr lang="en-CA" dirty="0"/>
+              <a:t>Allows the annotation of structures to reference fields of other structures</a:t>
+            </a:r>
+          </a:p>
+          <a:p>
+            <a:pPr lvl="2"/>
+            <a:r>
+              <a:rPr lang="en-CA" dirty="0"/>
+              <a:t>E.g., size of an Ext4 </a:t>
+            </a:r>
+            <a:r>
+              <a:rPr lang="en-CA" dirty="0" err="1"/>
+              <a:t>inode</a:t>
+            </a:r>
+            <a:r>
+              <a:rPr lang="en-CA" dirty="0"/>
+              <a:t> is </a:t>
+            </a:r>
+            <a:r>
+              <a:rPr lang="en-CA" dirty="0" smtClean="0"/>
+              <a:t>stored </a:t>
+            </a:r>
+            <a:r>
+              <a:rPr lang="en-CA" dirty="0"/>
+              <a:t>in Ext4 super block</a:t>
+            </a:r>
+          </a:p>
+          <a:p>
+            <a:r>
+              <a:rPr lang="en-CA" dirty="0" smtClean="0"/>
+              <a:t>Context-Sensitive Types</a:t>
+            </a:r>
+          </a:p>
+          <a:p>
+            <a:pPr lvl="1"/>
+            <a:r>
+              <a:rPr lang="en-CA" dirty="0" smtClean="0"/>
+              <a:t>E.g., pointers may point to different types of metadata</a:t>
+            </a:r>
+          </a:p>
+          <a:p>
+            <a:pPr lvl="2"/>
+            <a:r>
+              <a:rPr lang="en-CA" dirty="0"/>
+              <a:t>P</a:t>
+            </a:r>
+            <a:r>
+              <a:rPr lang="en-CA" dirty="0" smtClean="0"/>
+              <a:t>ointers in </a:t>
+            </a:r>
+            <a:r>
+              <a:rPr lang="en-CA" dirty="0" err="1" smtClean="0"/>
+              <a:t>inode</a:t>
+            </a:r>
+            <a:r>
+              <a:rPr lang="en-CA" dirty="0" smtClean="0"/>
+              <a:t> point to directory entries if </a:t>
+            </a:r>
+            <a:r>
+              <a:rPr lang="en-CA" dirty="0" err="1" smtClean="0"/>
+              <a:t>inode</a:t>
+            </a:r>
+            <a:r>
+              <a:rPr lang="en-CA" dirty="0" smtClean="0"/>
+              <a:t> is directory</a:t>
+            </a:r>
+          </a:p>
+          <a:p>
+            <a:pPr lvl="1"/>
+            <a:r>
+              <a:rPr lang="en-CA" dirty="0" smtClean="0"/>
+              <a:t>E.g., structures may have optional fields</a:t>
+            </a:r>
+          </a:p>
+          <a:p>
+            <a:pPr lvl="2"/>
+            <a:r>
+              <a:rPr lang="en-CA" dirty="0" smtClean="0"/>
+              <a:t>Ext4 </a:t>
+            </a:r>
+            <a:r>
+              <a:rPr lang="en-CA" dirty="0" err="1" smtClean="0"/>
+              <a:t>inode</a:t>
+            </a:r>
+            <a:r>
+              <a:rPr lang="en-CA" dirty="0" smtClean="0"/>
+              <a:t> can store extended attributes if size &gt; 128</a:t>
+            </a:r>
+          </a:p>
+          <a:p>
+            <a:r>
+              <a:rPr lang="en-CA" dirty="0"/>
+              <a:t>Constraint Checking</a:t>
+            </a:r>
+          </a:p>
+          <a:p>
+            <a:pPr lvl="1"/>
+            <a:r>
+              <a:rPr lang="en-CA" dirty="0"/>
+              <a:t>Helps detect corrupted metadata </a:t>
+            </a:r>
+            <a:r>
+              <a:rPr lang="en-CA" dirty="0" smtClean="0"/>
+              <a:t>structures</a:t>
+            </a:r>
+          </a:p>
+          <a:p>
+            <a:pPr lvl="1"/>
+            <a:endParaRPr lang="en-CA" dirty="0" smtClean="0"/>
+          </a:p>
+          <a:p>
+            <a:pPr lvl="1"/>
+            <a:endParaRPr lang="en-CA" dirty="0"/>
+          </a:p>
+          <a:p>
+            <a:pPr lvl="2"/>
+            <a:endParaRPr lang="en-CA" dirty="0" smtClean="0"/>
+          </a:p>
+          <a:p>
+            <a:pPr lvl="1"/>
+            <a:endParaRPr lang="en-CA" dirty="0"/>
+          </a:p>
+        </p:txBody>
+      </p:sp>
+      <p:sp>
+        <p:nvSpPr>
+          <p:cNvPr id="5" name="Slide Number Placeholder 4"/>
+          <p:cNvSpPr>
+            <a:spLocks noGrp="1"/>
+          </p:cNvSpPr>
+          <p:nvPr>
+            <p:ph type="sldNum" sz="quarter" idx="12"/>
+          </p:nvPr>
+        </p:nvSpPr>
+        <p:spPr/>
+        <p:txBody>
+          <a:bodyPr/>
+          <a:lstStyle/>
+          <a:p>
+            <a:fld id="{7B2023C8-B124-43A9-8F92-0EEF5BAA9995}" type="slidenum">
+              <a:rPr lang="en-CA" smtClean="0"/>
+              <a:pPr/>
+              <a:t>13</a:t>
+            </a:fld>
+            <a:endParaRPr lang="en-CA" dirty="0"/>
+          </a:p>
+        </p:txBody>
+      </p:sp>
+    </p:spTree>
+    <p:extLst>
+      <p:ext uri="{BB962C8B-B14F-4D97-AF65-F5344CB8AC3E}">
+        <p14:creationId xmlns:p14="http://schemas.microsoft.com/office/powerpoint/2010/main" val="659825864"/>
+      </p:ext>
+    </p:extLst>
+  </p:cSld>
+  <p:clrMapOvr>
+    <a:masterClrMapping/>
+  </p:clrMapOvr>
+  <p:timing>
+    <p:tnLst>
+      <p:par>
+        <p:cTn id="1" dur="indefinite" restart="never" nodeType="tmRoot"/>
+      </p:par>
+    </p:tnLst>
+  </p:timing>
+</p:sld>
+</file>
+
+<file path=ppt/slides/slide14.xml><?xml version="1.0" encoding="utf-8"?>
+<p:sld xmlns:a="http://schemas.openxmlformats.org/drawingml/2006/main" xmlns:r="http://schemas.openxmlformats.org/officeDocument/2006/relationships" xmlns:p="http://schemas.openxmlformats.org/presentationml/2006/main">
+  <p:cSld>
+    <p:spTree>
+      <p:nvGrpSpPr>
+        <p:cNvPr id="1" name=""/>
+        <p:cNvGrpSpPr/>
+        <p:nvPr/>
+      </p:nvGrpSpPr>
+      <p:grpSpPr>
+        <a:xfrm>
+          <a:off x="0" y="0"/>
+          <a:ext cx="0" cy="0"/>
+          <a:chOff x="0" y="0"/>
+          <a:chExt cx="0" cy="0"/>
+        </a:xfrm>
+      </p:grpSpPr>
+      <p:sp>
+        <p:nvSpPr>
+          <p:cNvPr id="2" name="Title 1"/>
+          <p:cNvSpPr>
+            <a:spLocks noGrp="1"/>
+          </p:cNvSpPr>
+          <p:nvPr>
+            <p:ph type="title"/>
+          </p:nvPr>
+        </p:nvSpPr>
+        <p:spPr/>
+        <p:txBody>
+          <a:bodyPr/>
+          <a:lstStyle/>
+          <a:p>
+            <a:r>
               <a:rPr lang="en-CA" dirty="0"/>
               <a:t>Evaluation: Annotation </a:t>
             </a:r>
@@ -10029,21 +10698,21 @@
                 <a:gridCol w="2119866">
                   <a:extLst>
                     <a:ext uri="{9D8B030D-6E8A-4147-A177-3AD203B41FA5}">
-                      <a16:colId xmlns:a16="http://schemas.microsoft.com/office/drawing/2014/main" xmlns="" val="20000"/>
+                      <a16:colId xmlns="" xmlns:a16="http://schemas.microsoft.com/office/drawing/2014/main" val="20000"/>
                     </a:ext>
                   </a:extLst>
                 </a:gridCol>
                 <a:gridCol w="2119866">
                   <a:extLst>
                     <a:ext uri="{9D8B030D-6E8A-4147-A177-3AD203B41FA5}">
-                      <a16:colId xmlns:a16="http://schemas.microsoft.com/office/drawing/2014/main" xmlns="" val="20001"/>
+                      <a16:colId xmlns="" xmlns:a16="http://schemas.microsoft.com/office/drawing/2014/main" val="20001"/>
                     </a:ext>
                   </a:extLst>
                 </a:gridCol>
                 <a:gridCol w="2119866">
                   <a:extLst>
                     <a:ext uri="{9D8B030D-6E8A-4147-A177-3AD203B41FA5}">
-                      <a16:colId xmlns:a16="http://schemas.microsoft.com/office/drawing/2014/main" xmlns="" val="20002"/>
+                      <a16:colId xmlns="" xmlns:a16="http://schemas.microsoft.com/office/drawing/2014/main" val="20002"/>
                     </a:ext>
                   </a:extLst>
                 </a:gridCol>
@@ -10117,7 +10786,7 @@
                 </a:tc>
                 <a:extLst>
                   <a:ext uri="{0D108BD9-81ED-4DB2-BD59-A6C34878D82A}">
-                    <a16:rowId xmlns:a16="http://schemas.microsoft.com/office/drawing/2014/main" xmlns="" val="10000"/>
+                    <a16:rowId xmlns="" xmlns:a16="http://schemas.microsoft.com/office/drawing/2014/main" val="10000"/>
                   </a:ext>
                 </a:extLst>
               </a:tr>
@@ -10190,7 +10859,7 @@
                 </a:tc>
                 <a:extLst>
                   <a:ext uri="{0D108BD9-81ED-4DB2-BD59-A6C34878D82A}">
-                    <a16:rowId xmlns:a16="http://schemas.microsoft.com/office/drawing/2014/main" xmlns="" val="10001"/>
+                    <a16:rowId xmlns="" xmlns:a16="http://schemas.microsoft.com/office/drawing/2014/main" val="10001"/>
                   </a:ext>
                 </a:extLst>
               </a:tr>
@@ -10263,7 +10932,7 @@
                 </a:tc>
                 <a:extLst>
                   <a:ext uri="{0D108BD9-81ED-4DB2-BD59-A6C34878D82A}">
-                    <a16:rowId xmlns:a16="http://schemas.microsoft.com/office/drawing/2014/main" xmlns="" val="10002"/>
+                    <a16:rowId xmlns="" xmlns:a16="http://schemas.microsoft.com/office/drawing/2014/main" val="10002"/>
                   </a:ext>
                 </a:extLst>
               </a:tr>
@@ -10336,7 +11005,7 @@
                 </a:tc>
                 <a:extLst>
                   <a:ext uri="{0D108BD9-81ED-4DB2-BD59-A6C34878D82A}">
-                    <a16:rowId xmlns:a16="http://schemas.microsoft.com/office/drawing/2014/main" xmlns="" val="10003"/>
+                    <a16:rowId xmlns="" xmlns:a16="http://schemas.microsoft.com/office/drawing/2014/main" val="10003"/>
                   </a:ext>
                 </a:extLst>
               </a:tr>
@@ -10362,7 +11031,7 @@
             <a:fld id="{7B2023C8-B124-43A9-8F92-0EEF5BAA9995}" type="slidenum">
               <a:rPr lang="en-CA" smtClean="0"/>
               <a:pPr/>
-              <a:t>13</a:t>
+              <a:t>14</a:t>
             </a:fld>
             <a:endParaRPr lang="en-CA" dirty="0"/>
           </a:p>
@@ -10388,7 +11057,7 @@
 </p:sld>
 </file>
 
-<file path=ppt/slides/slide14.xml><?xml version="1.0" encoding="utf-8"?>
+<file path=ppt/slides/slide15.xml><?xml version="1.0" encoding="utf-8"?>
 <p:sld xmlns:a="http://schemas.openxmlformats.org/drawingml/2006/main" xmlns:r="http://schemas.openxmlformats.org/officeDocument/2006/relationships" xmlns:p="http://schemas.openxmlformats.org/presentationml/2006/main">
   <p:cSld>
     <p:spTree>
@@ -13082,7 +13751,7 @@
           <a:p>
             <a:fld id="{7B2023C8-B124-43A9-8F92-0EEF5BAA9995}" type="slidenum">
               <a:rPr lang="en-CA" smtClean="0"/>
-              <a:t>14</a:t>
+              <a:t>15</a:t>
             </a:fld>
             <a:endParaRPr lang="en-CA"/>
           </a:p>
@@ -13098,10 +13767,17 @@
   <p:clrMapOvr>
     <a:masterClrMapping/>
   </p:clrMapOvr>
+  <p:timing>
+    <p:tnLst>
+      <p:par>
+        <p:cTn id="1" dur="indefinite" restart="never" nodeType="tmRoot"/>
+      </p:par>
+    </p:tnLst>
+  </p:timing>
 </p:sld>
 </file>
 
-<file path=ppt/slides/slide15.xml><?xml version="1.0" encoding="utf-8"?>
+<file path=ppt/slides/slide16.xml><?xml version="1.0" encoding="utf-8"?>
 <p:sld xmlns:a="http://schemas.openxmlformats.org/drawingml/2006/main" xmlns:r="http://schemas.openxmlformats.org/officeDocument/2006/relationships" xmlns:p="http://schemas.openxmlformats.org/presentationml/2006/main">
   <p:cSld>
     <p:spTree>
@@ -15492,7 +16168,7 @@
               <a:buNone/>
             </a:pPr>
             <a:r>
-              <a:rPr lang="en-CA" sz="1400" dirty="0">
+              <a:rPr lang="en-CA" sz="1400" dirty="0" smtClean="0">
                 <a:solidFill>
                   <a:schemeClr val="accent6">
                     <a:lumMod val="75000"/>
@@ -15504,7 +16180,7 @@
               <a:t>  </a:t>
             </a:r>
             <a:r>
-              <a:rPr lang="en-CA" sz="1400" dirty="0">
+              <a:rPr lang="en-CA" sz="1400" dirty="0" smtClean="0">
                 <a:solidFill>
                   <a:srgbClr val="00B050"/>
                 </a:solidFill>
@@ -15528,7 +16204,7 @@
               <a:buNone/>
             </a:pPr>
             <a:r>
-              <a:rPr lang="en-CA" sz="1400" dirty="0">
+              <a:rPr lang="en-CA" sz="1400" dirty="0" smtClean="0">
                 <a:solidFill>
                   <a:schemeClr val="accent6">
                     <a:lumMod val="75000"/>
@@ -15540,7 +16216,7 @@
               <a:t>  </a:t>
             </a:r>
             <a:r>
-              <a:rPr lang="en-CA" sz="1400" b="1" dirty="0">
+              <a:rPr lang="en-CA" sz="1400" b="1" dirty="0" smtClean="0">
                 <a:solidFill>
                   <a:schemeClr val="accent6">
                     <a:lumMod val="75000"/>
@@ -15552,7 +16228,7 @@
               <a:t>CHECK</a:t>
             </a:r>
             <a:r>
-              <a:rPr lang="en-CA" sz="1400" dirty="0">
+              <a:rPr lang="en-CA" sz="1400" dirty="0" smtClean="0">
                 <a:solidFill>
                   <a:schemeClr val="accent6">
                     <a:lumMod val="75000"/>
@@ -15564,7 +16240,7 @@
               <a:t>(</a:t>
             </a:r>
             <a:r>
-              <a:rPr lang="en-CA" sz="1400" dirty="0">
+              <a:rPr lang="en-CA" sz="1400" dirty="0" smtClean="0">
                 <a:solidFill>
                   <a:schemeClr val="accent3"/>
                 </a:solidFill>
@@ -15574,7 +16250,7 @@
               <a:t>expr</a:t>
             </a:r>
             <a:r>
-              <a:rPr lang="en-CA" sz="1400" dirty="0">
+              <a:rPr lang="en-CA" sz="1400" dirty="0" smtClean="0">
                 <a:solidFill>
                   <a:schemeClr val="accent6">
                     <a:lumMod val="75000"/>
@@ -15586,7 +16262,7 @@
               <a:t>=</a:t>
             </a:r>
             <a:r>
-              <a:rPr lang="en-CA" sz="1400" dirty="0" err="1">
+              <a:rPr lang="en-CA" sz="1400" dirty="0" err="1" smtClean="0">
                 <a:solidFill>
                   <a:schemeClr val="accent6">
                     <a:lumMod val="75000"/>
@@ -15598,7 +16274,7 @@
               <a:t>self.s_log_block_size</a:t>
             </a:r>
             <a:r>
-              <a:rPr lang="en-CA" sz="1400" dirty="0">
+              <a:rPr lang="en-CA" sz="1400" dirty="0" smtClean="0">
                 <a:solidFill>
                   <a:schemeClr val="accent6">
                     <a:lumMod val="75000"/>
@@ -15610,7 +16286,7 @@
               <a:t> &lt;= </a:t>
             </a:r>
             <a:r>
-              <a:rPr lang="en-CA" sz="1400" dirty="0">
+              <a:rPr lang="en-CA" sz="1400" dirty="0" smtClean="0">
                 <a:solidFill>
                   <a:srgbClr val="0070C0"/>
                 </a:solidFill>
@@ -15620,7 +16296,7 @@
               <a:t>6</a:t>
             </a:r>
             <a:r>
-              <a:rPr lang="en-CA" sz="1400" dirty="0">
+              <a:rPr lang="en-CA" sz="1400" dirty="0" smtClean="0">
                 <a:solidFill>
                   <a:schemeClr val="accent6">
                     <a:lumMod val="75000"/>
@@ -15646,7 +16322,7 @@
               <a:buNone/>
             </a:pPr>
             <a:r>
-              <a:rPr lang="en-CA" sz="1400" dirty="0">
+              <a:rPr lang="en-CA" sz="1400" dirty="0" smtClean="0">
                 <a:solidFill>
                   <a:schemeClr val="accent6">
                     <a:lumMod val="75000"/>
@@ -16076,7 +16752,7 @@
           <a:p>
             <a:fld id="{7B2023C8-B124-43A9-8F92-0EEF5BAA9995}" type="slidenum">
               <a:rPr lang="en-CA" smtClean="0"/>
-              <a:t>15</a:t>
+              <a:t>16</a:t>
             </a:fld>
             <a:endParaRPr lang="en-CA"/>
           </a:p>
@@ -16092,10 +16768,17 @@
   <p:clrMapOvr>
     <a:masterClrMapping/>
   </p:clrMapOvr>
+  <p:timing>
+    <p:tnLst>
+      <p:par>
+        <p:cTn id="1" dur="indefinite" restart="never" nodeType="tmRoot"/>
+      </p:par>
+    </p:tnLst>
+  </p:timing>
 </p:sld>
 </file>
 
-<file path=ppt/slides/slide16.xml><?xml version="1.0" encoding="utf-8"?>
+<file path=ppt/slides/slide17.xml><?xml version="1.0" encoding="utf-8"?>
 <p:sld xmlns:a="http://schemas.openxmlformats.org/drawingml/2006/main" xmlns:r="http://schemas.openxmlformats.org/officeDocument/2006/relationships" xmlns:p="http://schemas.openxmlformats.org/presentationml/2006/main">
   <p:cSld>
     <p:spTree>
@@ -19551,7 +20234,7 @@
           <a:p>
             <a:fld id="{7B2023C8-B124-43A9-8F92-0EEF5BAA9995}" type="slidenum">
               <a:rPr lang="en-CA" smtClean="0"/>
-              <a:t>16</a:t>
+              <a:t>17</a:t>
             </a:fld>
             <a:endParaRPr lang="en-CA"/>
           </a:p>
@@ -19567,10 +20250,17 @@
   <p:clrMapOvr>
     <a:masterClrMapping/>
   </p:clrMapOvr>
+  <p:timing>
+    <p:tnLst>
+      <p:par>
+        <p:cTn id="1" dur="indefinite" restart="never" nodeType="tmRoot"/>
+      </p:par>
+    </p:tnLst>
+  </p:timing>
 </p:sld>
 </file>
 
-<file path=ppt/slides/slide17.xml><?xml version="1.0" encoding="utf-8"?>
+<file path=ppt/slides/slide18.xml><?xml version="1.0" encoding="utf-8"?>
 <p:sld xmlns:a="http://schemas.openxmlformats.org/drawingml/2006/main" xmlns:r="http://schemas.openxmlformats.org/officeDocument/2006/relationships" xmlns:p="http://schemas.openxmlformats.org/presentationml/2006/main">
   <p:cSld>
     <p:spTree>
@@ -22513,7 +23203,7 @@
           <a:p>
             <a:fld id="{7B2023C8-B124-43A9-8F92-0EEF5BAA9995}" type="slidenum">
               <a:rPr lang="en-CA" smtClean="0"/>
-              <a:t>17</a:t>
+              <a:t>18</a:t>
             </a:fld>
             <a:endParaRPr lang="en-CA"/>
           </a:p>
@@ -22529,10 +23219,17 @@
   <p:clrMapOvr>
     <a:masterClrMapping/>
   </p:clrMapOvr>
+  <p:timing>
+    <p:tnLst>
+      <p:par>
+        <p:cTn id="1" dur="indefinite" restart="never" nodeType="tmRoot"/>
+      </p:par>
+    </p:tnLst>
+  </p:timing>
 </p:sld>
 </file>
 
-<file path=ppt/slides/slide18.xml><?xml version="1.0" encoding="utf-8"?>
+<file path=ppt/slides/slide19.xml><?xml version="1.0" encoding="utf-8"?>
 <p:sld xmlns:a="http://schemas.openxmlformats.org/drawingml/2006/main" xmlns:r="http://schemas.openxmlformats.org/officeDocument/2006/relationships" xmlns:p="http://schemas.openxmlformats.org/presentationml/2006/main">
   <p:cSld>
     <p:spTree>
@@ -25483,7 +26180,7 @@
           <a:p>
             <a:fld id="{7B2023C8-B124-43A9-8F92-0EEF5BAA9995}" type="slidenum">
               <a:rPr lang="en-CA" smtClean="0"/>
-              <a:t>18</a:t>
+              <a:t>19</a:t>
             </a:fld>
             <a:endParaRPr lang="en-CA"/>
           </a:p>
@@ -25499,214 +26196,13 @@
   <p:clrMapOvr>
     <a:masterClrMapping/>
   </p:clrMapOvr>
-</p:sld>
-</file>
-
-<file path=ppt/slides/slide19.xml><?xml version="1.0" encoding="utf-8"?>
-<p:sld xmlns:a="http://schemas.openxmlformats.org/drawingml/2006/main" xmlns:r="http://schemas.openxmlformats.org/officeDocument/2006/relationships" xmlns:p="http://schemas.openxmlformats.org/presentationml/2006/main">
-  <p:cSld>
-    <p:spTree>
-      <p:nvGrpSpPr>
-        <p:cNvPr id="1" name=""/>
-        <p:cNvGrpSpPr/>
-        <p:nvPr/>
-      </p:nvGrpSpPr>
-      <p:grpSpPr>
-        <a:xfrm>
-          <a:off x="0" y="0"/>
-          <a:ext cx="0" cy="0"/>
-          <a:chOff x="0" y="0"/>
-          <a:chExt cx="0" cy="0"/>
-        </a:xfrm>
-      </p:grpSpPr>
-      <p:sp>
-        <p:nvSpPr>
-          <p:cNvPr id="2" name="Title 1"/>
-          <p:cNvSpPr>
-            <a:spLocks noGrp="1"/>
-          </p:cNvSpPr>
-          <p:nvPr>
-            <p:ph type="title"/>
-          </p:nvPr>
-        </p:nvSpPr>
-        <p:spPr/>
-        <p:txBody>
-          <a:bodyPr/>
-          <a:lstStyle/>
-          <a:p>
-            <a:r>
-              <a:rPr lang="en-CA" dirty="0" smtClean="0"/>
-              <a:t>Building Spiffy Applications</a:t>
-            </a:r>
-            <a:endParaRPr lang="en-CA" dirty="0"/>
-          </a:p>
-        </p:txBody>
-      </p:sp>
-      <p:sp>
-        <p:nvSpPr>
-          <p:cNvPr id="3" name="Content Placeholder 2"/>
-          <p:cNvSpPr>
-            <a:spLocks noGrp="1"/>
-          </p:cNvSpPr>
-          <p:nvPr>
-            <p:ph idx="1"/>
-          </p:nvPr>
-        </p:nvSpPr>
-        <p:spPr>
-          <a:xfrm>
-            <a:off x="684211" y="1515359"/>
-            <a:ext cx="10285797" cy="4593210"/>
-          </a:xfrm>
-        </p:spPr>
-        <p:txBody>
-          <a:bodyPr>
-            <a:normAutofit/>
-          </a:bodyPr>
-          <a:lstStyle/>
-          <a:p>
-            <a:r>
-              <a:rPr lang="en-CA" dirty="0" smtClean="0"/>
-              <a:t>Example: File System Free Space Tool</a:t>
-            </a:r>
-          </a:p>
-          <a:p>
-            <a:pPr lvl="1"/>
-            <a:r>
-              <a:rPr lang="en-CA" dirty="0" smtClean="0"/>
-              <a:t>plot </a:t>
-            </a:r>
-            <a:r>
-              <a:rPr lang="en-CA" dirty="0"/>
-              <a:t>histogram of </a:t>
-            </a:r>
-            <a:r>
-              <a:rPr lang="en-CA" dirty="0" smtClean="0"/>
-              <a:t>size </a:t>
-            </a:r>
-            <a:r>
-              <a:rPr lang="en-CA" dirty="0"/>
-              <a:t>of free extents</a:t>
-            </a:r>
-            <a:endParaRPr lang="en-CA" dirty="0" smtClean="0"/>
-          </a:p>
-          <a:p>
-            <a:r>
-              <a:rPr lang="en-CA" dirty="0" smtClean="0"/>
-              <a:t>Manually (ad-hoc processing)</a:t>
-            </a:r>
-            <a:endParaRPr lang="en-CA" dirty="0" smtClean="0"/>
-          </a:p>
-          <a:p>
-            <a:pPr lvl="1"/>
-            <a:r>
-              <a:rPr lang="en-CA" dirty="0" smtClean="0"/>
-              <a:t>Find documentation on format of each file system</a:t>
-            </a:r>
-          </a:p>
-          <a:p>
-            <a:pPr lvl="2"/>
-            <a:r>
-              <a:rPr lang="en-CA" dirty="0" smtClean="0"/>
-              <a:t>Learn how each file system keeps track of block allocation information</a:t>
-            </a:r>
-          </a:p>
-          <a:p>
-            <a:pPr lvl="1"/>
-            <a:r>
-              <a:rPr lang="en-CA" dirty="0" smtClean="0"/>
-              <a:t>Write code to find and process relevant metadata</a:t>
-            </a:r>
-          </a:p>
-          <a:p>
-            <a:pPr lvl="2"/>
-            <a:r>
-              <a:rPr lang="en-CA" dirty="0" smtClean="0"/>
-              <a:t>E.g., block bitmap for Ext4, extent items for </a:t>
-            </a:r>
-            <a:r>
-              <a:rPr lang="en-CA" dirty="0" err="1" smtClean="0"/>
-              <a:t>Btrfs</a:t>
-            </a:r>
-            <a:r>
-              <a:rPr lang="en-CA" dirty="0" smtClean="0"/>
-              <a:t>, </a:t>
-            </a:r>
-            <a:r>
-              <a:rPr lang="en-CA" dirty="0" smtClean="0"/>
-              <a:t>SIT </a:t>
-            </a:r>
-            <a:r>
-              <a:rPr lang="en-CA" dirty="0" smtClean="0"/>
-              <a:t>entries for </a:t>
-            </a:r>
-            <a:r>
-              <a:rPr lang="en-CA" dirty="0" smtClean="0"/>
-              <a:t>F2FS</a:t>
-            </a:r>
-          </a:p>
-          <a:p>
-            <a:r>
-              <a:rPr lang="en-CA" dirty="0" smtClean="0"/>
-              <a:t>Using Spiffy framework</a:t>
-            </a:r>
-          </a:p>
-          <a:p>
-            <a:pPr lvl="1"/>
-            <a:r>
-              <a:rPr lang="en-CA" dirty="0"/>
-              <a:t>Use Spiffy to locate metadata that stores block allocation information</a:t>
-            </a:r>
-          </a:p>
-          <a:p>
-            <a:pPr lvl="1"/>
-            <a:r>
-              <a:rPr lang="en-CA" dirty="0"/>
-              <a:t>Write file-system specific code to process metadata structures</a:t>
-            </a:r>
-          </a:p>
-          <a:p>
-            <a:endParaRPr lang="en-CA" dirty="0" smtClean="0"/>
-          </a:p>
-          <a:p>
-            <a:pPr lvl="1"/>
-            <a:endParaRPr lang="en-CA" dirty="0"/>
-          </a:p>
-        </p:txBody>
-      </p:sp>
-      <p:sp>
-        <p:nvSpPr>
-          <p:cNvPr id="6" name="Slide Number Placeholder 5"/>
-          <p:cNvSpPr>
-            <a:spLocks noGrp="1"/>
-          </p:cNvSpPr>
-          <p:nvPr>
-            <p:ph type="sldNum" sz="quarter" idx="12"/>
-          </p:nvPr>
-        </p:nvSpPr>
-        <p:spPr/>
-        <p:txBody>
-          <a:bodyPr/>
-          <a:lstStyle/>
-          <a:p>
-            <a:fld id="{7B2023C8-B124-43A9-8F92-0EEF5BAA9995}" type="slidenum">
-              <a:rPr lang="en-CA" smtClean="0"/>
-              <a:pPr/>
-              <a:t>19</a:t>
-            </a:fld>
-            <a:endParaRPr lang="en-CA" dirty="0"/>
-          </a:p>
-        </p:txBody>
-      </p:sp>
-    </p:spTree>
-    <p:extLst>
-      <p:ext uri="{BB962C8B-B14F-4D97-AF65-F5344CB8AC3E}">
-        <p14:creationId xmlns:p14="http://schemas.microsoft.com/office/powerpoint/2010/main" val="3324490692"/>
-      </p:ext>
-    </p:extLst>
-  </p:cSld>
-  <p:clrMapOvr>
-    <a:masterClrMapping/>
-  </p:clrMapOvr>
+  <p:timing>
+    <p:tnLst>
+      <p:par>
+        <p:cTn id="1" dur="indefinite" restart="never" nodeType="tmRoot"/>
+      </p:par>
+    </p:tnLst>
+  </p:timing>
 </p:sld>
 </file>
 
@@ -25768,7 +26264,7 @@
         </p:spPr>
         <p:txBody>
           <a:bodyPr>
-            <a:normAutofit lnSpcReduction="10000"/>
+            <a:normAutofit/>
           </a:bodyPr>
           <a:lstStyle/>
           <a:p>
@@ -25785,23 +26281,26 @@
             <a:pPr lvl="1"/>
             <a:r>
               <a:rPr lang="en-CA" dirty="0" smtClean="0"/>
-              <a:t>E.g. defragmentation </a:t>
+              <a:t>E.g. </a:t>
+            </a:r>
+            <a:r>
+              <a:rPr lang="en-CA" dirty="0"/>
+              <a:t>partition editor, file system checker, defragmentation </a:t>
             </a:r>
             <a:r>
               <a:rPr lang="en-CA" dirty="0" smtClean="0"/>
-              <a:t>tool, garbage </a:t>
-            </a:r>
+              <a:t>tool</a:t>
+            </a:r>
+          </a:p>
+          <a:p>
+            <a:pPr lvl="1"/>
             <a:r>
               <a:rPr lang="en-CA" dirty="0" smtClean="0"/>
-              <a:t>collector, etc.</a:t>
-            </a:r>
-            <a:endParaRPr lang="en-CA" dirty="0" smtClean="0"/>
-          </a:p>
-          <a:p>
-            <a:pPr lvl="1"/>
+              <a:t>Operate </a:t>
+            </a:r>
             <a:r>
               <a:rPr lang="en-CA" dirty="0"/>
-              <a:t>Operate directly on file system metadata structures</a:t>
+              <a:t>directly on file system metadata structures</a:t>
             </a:r>
           </a:p>
           <a:p>
@@ -25828,48 +26327,10 @@
             </a:r>
           </a:p>
           <a:p>
+            <a:pPr lvl="1"/>
             <a:r>
               <a:rPr lang="en-CA" dirty="0" smtClean="0"/>
-              <a:t>Two classes</a:t>
-            </a:r>
-          </a:p>
-          <a:p>
-            <a:pPr lvl="1"/>
-            <a:r>
-              <a:rPr lang="en-CA" dirty="0" smtClean="0"/>
-              <a:t>Offline</a:t>
-            </a:r>
-            <a:r>
-              <a:rPr lang="en-CA" dirty="0" smtClean="0"/>
-              <a:t>, have exclusive access to file system image</a:t>
-            </a:r>
-          </a:p>
-          <a:p>
-            <a:pPr lvl="2"/>
-            <a:r>
-              <a:rPr lang="en-CA" dirty="0" smtClean="0"/>
-              <a:t>Partition Editor</a:t>
-            </a:r>
-          </a:p>
-          <a:p>
-            <a:pPr lvl="2"/>
-            <a:r>
-              <a:rPr lang="en-CA" dirty="0" smtClean="0"/>
-              <a:t>File System Checker</a:t>
-            </a:r>
-          </a:p>
-          <a:p>
-            <a:pPr lvl="1"/>
-            <a:r>
-              <a:rPr lang="en-CA" dirty="0" smtClean="0"/>
-              <a:t>Online, operate while file system is in use</a:t>
-            </a:r>
-          </a:p>
-          <a:p>
-            <a:pPr lvl="2"/>
-            <a:r>
-              <a:rPr lang="en-CA" dirty="0" smtClean="0"/>
-              <a:t>Metadata-Aware Block Layer Cache</a:t>
+              <a:t>Essential for successful deployment of file system</a:t>
             </a:r>
           </a:p>
         </p:txBody>
@@ -25937,6 +26398,208 @@
       </p:grpSpPr>
       <p:sp>
         <p:nvSpPr>
+          <p:cNvPr id="2" name="Title 1"/>
+          <p:cNvSpPr>
+            <a:spLocks noGrp="1"/>
+          </p:cNvSpPr>
+          <p:nvPr>
+            <p:ph type="title"/>
+          </p:nvPr>
+        </p:nvSpPr>
+        <p:spPr/>
+        <p:txBody>
+          <a:bodyPr/>
+          <a:lstStyle/>
+          <a:p>
+            <a:r>
+              <a:rPr lang="en-CA" dirty="0" smtClean="0"/>
+              <a:t>Building Spiffy Applications</a:t>
+            </a:r>
+            <a:endParaRPr lang="en-CA" dirty="0"/>
+          </a:p>
+        </p:txBody>
+      </p:sp>
+      <p:sp>
+        <p:nvSpPr>
+          <p:cNvPr id="3" name="Content Placeholder 2"/>
+          <p:cNvSpPr>
+            <a:spLocks noGrp="1"/>
+          </p:cNvSpPr>
+          <p:nvPr>
+            <p:ph idx="1"/>
+          </p:nvPr>
+        </p:nvSpPr>
+        <p:spPr>
+          <a:xfrm>
+            <a:off x="684211" y="1515359"/>
+            <a:ext cx="10285797" cy="4593210"/>
+          </a:xfrm>
+        </p:spPr>
+        <p:txBody>
+          <a:bodyPr>
+            <a:normAutofit/>
+          </a:bodyPr>
+          <a:lstStyle/>
+          <a:p>
+            <a:r>
+              <a:rPr lang="en-CA" dirty="0" smtClean="0"/>
+              <a:t>Example: File System Free Space Tool</a:t>
+            </a:r>
+          </a:p>
+          <a:p>
+            <a:pPr lvl="1"/>
+            <a:r>
+              <a:rPr lang="en-CA" dirty="0" smtClean="0"/>
+              <a:t>plot </a:t>
+            </a:r>
+            <a:r>
+              <a:rPr lang="en-CA" dirty="0"/>
+              <a:t>histogram of </a:t>
+            </a:r>
+            <a:r>
+              <a:rPr lang="en-CA" dirty="0" smtClean="0"/>
+              <a:t>size </a:t>
+            </a:r>
+            <a:r>
+              <a:rPr lang="en-CA" dirty="0"/>
+              <a:t>of free extents</a:t>
+            </a:r>
+            <a:endParaRPr lang="en-CA" dirty="0" smtClean="0"/>
+          </a:p>
+          <a:p>
+            <a:r>
+              <a:rPr lang="en-CA" dirty="0" smtClean="0"/>
+              <a:t>Manually (ad-hoc processing)</a:t>
+            </a:r>
+          </a:p>
+          <a:p>
+            <a:pPr lvl="1"/>
+            <a:r>
+              <a:rPr lang="en-CA" dirty="0" smtClean="0"/>
+              <a:t>Find documentation on format of each file system</a:t>
+            </a:r>
+          </a:p>
+          <a:p>
+            <a:pPr lvl="2"/>
+            <a:r>
+              <a:rPr lang="en-CA" dirty="0" smtClean="0"/>
+              <a:t>Learn how each file system keeps track of block allocation information</a:t>
+            </a:r>
+          </a:p>
+          <a:p>
+            <a:pPr lvl="1"/>
+            <a:r>
+              <a:rPr lang="en-CA" dirty="0" smtClean="0"/>
+              <a:t>Write code to find and process relevant metadata</a:t>
+            </a:r>
+          </a:p>
+          <a:p>
+            <a:pPr lvl="2"/>
+            <a:r>
+              <a:rPr lang="en-CA" dirty="0" smtClean="0"/>
+              <a:t>E.g., block bitmap for Ext4, extent items for </a:t>
+            </a:r>
+            <a:r>
+              <a:rPr lang="en-CA" dirty="0" err="1" smtClean="0"/>
+              <a:t>Btrfs</a:t>
+            </a:r>
+            <a:r>
+              <a:rPr lang="en-CA" dirty="0" smtClean="0"/>
+              <a:t>, SIT entries for F2FS</a:t>
+            </a:r>
+          </a:p>
+          <a:p>
+            <a:r>
+              <a:rPr lang="en-CA" dirty="0" smtClean="0"/>
+              <a:t>Using Spiffy framework</a:t>
+            </a:r>
+          </a:p>
+          <a:p>
+            <a:pPr lvl="1"/>
+            <a:r>
+              <a:rPr lang="en-CA" dirty="0"/>
+              <a:t>Use Spiffy to locate metadata that stores block allocation information</a:t>
+            </a:r>
+          </a:p>
+          <a:p>
+            <a:pPr lvl="1"/>
+            <a:r>
+              <a:rPr lang="en-CA" dirty="0"/>
+              <a:t>Write file-system specific code to process metadata structures</a:t>
+            </a:r>
+          </a:p>
+          <a:p>
+            <a:endParaRPr lang="en-CA" dirty="0" smtClean="0"/>
+          </a:p>
+          <a:p>
+            <a:pPr lvl="1"/>
+            <a:endParaRPr lang="en-CA" dirty="0"/>
+          </a:p>
+        </p:txBody>
+      </p:sp>
+      <p:sp>
+        <p:nvSpPr>
+          <p:cNvPr id="6" name="Slide Number Placeholder 5"/>
+          <p:cNvSpPr>
+            <a:spLocks noGrp="1"/>
+          </p:cNvSpPr>
+          <p:nvPr>
+            <p:ph type="sldNum" sz="quarter" idx="12"/>
+          </p:nvPr>
+        </p:nvSpPr>
+        <p:spPr/>
+        <p:txBody>
+          <a:bodyPr/>
+          <a:lstStyle/>
+          <a:p>
+            <a:fld id="{7B2023C8-B124-43A9-8F92-0EEF5BAA9995}" type="slidenum">
+              <a:rPr lang="en-CA" smtClean="0"/>
+              <a:pPr/>
+              <a:t>20</a:t>
+            </a:fld>
+            <a:endParaRPr lang="en-CA" dirty="0"/>
+          </a:p>
+        </p:txBody>
+      </p:sp>
+    </p:spTree>
+    <p:extLst>
+      <p:ext uri="{BB962C8B-B14F-4D97-AF65-F5344CB8AC3E}">
+        <p14:creationId xmlns:p14="http://schemas.microsoft.com/office/powerpoint/2010/main" val="3324490692"/>
+      </p:ext>
+    </p:extLst>
+  </p:cSld>
+  <p:clrMapOvr>
+    <a:masterClrMapping/>
+  </p:clrMapOvr>
+  <p:timing>
+    <p:tnLst>
+      <p:par>
+        <p:cTn id="1" dur="indefinite" restart="never" nodeType="tmRoot"/>
+      </p:par>
+    </p:tnLst>
+  </p:timing>
+</p:sld>
+</file>
+
+<file path=ppt/slides/slide21.xml><?xml version="1.0" encoding="utf-8"?>
+<p:sld xmlns:a="http://schemas.openxmlformats.org/drawingml/2006/main" xmlns:r="http://schemas.openxmlformats.org/officeDocument/2006/relationships" xmlns:p="http://schemas.openxmlformats.org/presentationml/2006/main">
+  <p:cSld>
+    <p:spTree>
+      <p:nvGrpSpPr>
+        <p:cNvPr id="1" name=""/>
+        <p:cNvGrpSpPr/>
+        <p:nvPr/>
+      </p:nvGrpSpPr>
+      <p:grpSpPr>
+        <a:xfrm>
+          <a:off x="0" y="0"/>
+          <a:ext cx="0" cy="0"/>
+          <a:chOff x="0" y="0"/>
+          <a:chExt cx="0" cy="0"/>
+        </a:xfrm>
+      </p:grpSpPr>
+      <p:sp>
+        <p:nvSpPr>
           <p:cNvPr id="5" name="Title 4"/>
           <p:cNvSpPr>
             <a:spLocks noGrp="1"/>
@@ -25980,11 +26643,7 @@
           <a:p>
             <a:r>
               <a:rPr lang="en-CA" dirty="0" smtClean="0"/>
-              <a:t>Manual, Ad-hoc </a:t>
-            </a:r>
-            <a:r>
-              <a:rPr lang="en-CA" dirty="0" smtClean="0"/>
-              <a:t>processing  (written in C++)</a:t>
+              <a:t>Manual, Ad-hoc processing  (written in C++)</a:t>
             </a:r>
             <a:endParaRPr lang="en-CA" dirty="0"/>
           </a:p>
@@ -26405,14 +27064,7 @@
                 <a:latin typeface="Courier New" panose="02070309020205020404" pitchFamily="49" charset="0"/>
                 <a:cs typeface="Courier New" panose="02070309020205020404" pitchFamily="49" charset="0"/>
               </a:rPr>
-              <a:t>, SB_SIZE</a:t>
-            </a:r>
-            <a:r>
-              <a:rPr lang="en-CA" sz="1600" dirty="0" smtClean="0">
-                <a:latin typeface="Courier New" panose="02070309020205020404" pitchFamily="49" charset="0"/>
-                <a:cs typeface="Courier New" panose="02070309020205020404" pitchFamily="49" charset="0"/>
-              </a:rPr>
-              <a:t>);</a:t>
+              <a:t>, SB_SIZE);</a:t>
             </a:r>
           </a:p>
           <a:p>
@@ -26515,10 +27167,6 @@
               </a:rPr>
               <a:t>;</a:t>
             </a:r>
-            <a:endParaRPr lang="en-CA" sz="1600" dirty="0" smtClean="0">
-              <a:latin typeface="Courier New" panose="02070309020205020404" pitchFamily="49" charset="0"/>
-              <a:cs typeface="Courier New" panose="02070309020205020404" pitchFamily="49" charset="0"/>
-            </a:endParaRPr>
           </a:p>
           <a:p>
             <a:pPr marL="0" indent="0">
@@ -26568,10 +27216,6 @@
               </a:rPr>
               <a:t>);</a:t>
             </a:r>
-            <a:endParaRPr lang="en-CA" sz="1600" dirty="0" smtClean="0">
-              <a:latin typeface="Courier New" panose="02070309020205020404" pitchFamily="49" charset="0"/>
-              <a:cs typeface="Courier New" panose="02070309020205020404" pitchFamily="49" charset="0"/>
-            </a:endParaRPr>
           </a:p>
           <a:p>
             <a:pPr marL="0" indent="0">
@@ -26803,14 +27447,7 @@
                 <a:latin typeface="Courier New" panose="02070309020205020404" pitchFamily="49" charset="0"/>
                 <a:cs typeface="Courier New" panose="02070309020205020404" pitchFamily="49" charset="0"/>
               </a:rPr>
-              <a:t> </a:t>
-            </a:r>
-            <a:r>
-              <a:rPr lang="en-CA" sz="1600" dirty="0" smtClean="0">
-                <a:latin typeface="Courier New" panose="02070309020205020404" pitchFamily="49" charset="0"/>
-                <a:cs typeface="Courier New" panose="02070309020205020404" pitchFamily="49" charset="0"/>
-              </a:rPr>
-              <a:t>= ceil(</a:t>
+              <a:t> = ceil(</a:t>
             </a:r>
             <a:r>
               <a:rPr lang="en-CA" sz="1600" dirty="0" err="1" smtClean="0">
@@ -26999,10 +27636,6 @@
               </a:rPr>
               <a:t>);</a:t>
             </a:r>
-            <a:endParaRPr lang="en-CA" sz="1600" dirty="0" smtClean="0">
-              <a:latin typeface="Courier New" panose="02070309020205020404" pitchFamily="49" charset="0"/>
-              <a:cs typeface="Courier New" panose="02070309020205020404" pitchFamily="49" charset="0"/>
-            </a:endParaRPr>
           </a:p>
           <a:p>
             <a:pPr marL="0" indent="0">
@@ -27026,17 +27659,7 @@
                 <a:latin typeface="Courier New" panose="02070309020205020404" pitchFamily="49" charset="0"/>
                 <a:cs typeface="Courier New" panose="02070309020205020404" pitchFamily="49" charset="0"/>
               </a:rPr>
-              <a:t>  /* </a:t>
-            </a:r>
-            <a:r>
-              <a:rPr lang="en-CA" sz="1600" dirty="0" smtClean="0">
-                <a:solidFill>
-                  <a:srgbClr val="00B050"/>
-                </a:solidFill>
-                <a:latin typeface="Courier New" panose="02070309020205020404" pitchFamily="49" charset="0"/>
-                <a:cs typeface="Courier New" panose="02070309020205020404" pitchFamily="49" charset="0"/>
-              </a:rPr>
-              <a:t>read all of the block group descriptors into memory */</a:t>
+              <a:t>  /* read all of the block group descriptors into memory */</a:t>
             </a:r>
           </a:p>
           <a:p>
@@ -27462,19 +28085,8 @@
                 <a:latin typeface="Courier New" panose="02070309020205020404" pitchFamily="49" charset="0"/>
                 <a:cs typeface="Courier New" panose="02070309020205020404" pitchFamily="49" charset="0"/>
               </a:rPr>
-              <a:t>	</a:t>
-            </a:r>
-            <a:r>
-              <a:rPr lang="en-CA" sz="1600" dirty="0" smtClean="0">
-                <a:latin typeface="Courier New" panose="02070309020205020404" pitchFamily="49" charset="0"/>
-                <a:cs typeface="Courier New" panose="02070309020205020404" pitchFamily="49" charset="0"/>
-              </a:rPr>
-              <a:t>…</a:t>
-            </a:r>
-            <a:endParaRPr lang="en-CA" sz="1600" dirty="0" smtClean="0">
-              <a:latin typeface="Courier New" panose="02070309020205020404" pitchFamily="49" charset="0"/>
-              <a:cs typeface="Courier New" panose="02070309020205020404" pitchFamily="49" charset="0"/>
-            </a:endParaRPr>
+              <a:t>	…</a:t>
+            </a:r>
           </a:p>
           <a:p>
             <a:pPr marL="0" indent="0">
@@ -27495,14 +28107,7 @@
                 <a:latin typeface="Courier New" panose="02070309020205020404" pitchFamily="49" charset="0"/>
                 <a:cs typeface="Courier New" panose="02070309020205020404" pitchFamily="49" charset="0"/>
               </a:rPr>
-              <a:t>  </a:t>
-            </a:r>
-            <a:r>
-              <a:rPr lang="en-CA" sz="1600" dirty="0" smtClean="0">
-                <a:latin typeface="Courier New" panose="02070309020205020404" pitchFamily="49" charset="0"/>
-                <a:cs typeface="Courier New" panose="02070309020205020404" pitchFamily="49" charset="0"/>
-              </a:rPr>
-              <a:t>}</a:t>
+              <a:t>  }</a:t>
             </a:r>
           </a:p>
           <a:p>
@@ -27555,10 +28160,6 @@
               </a:rPr>
               <a:t>}</a:t>
             </a:r>
-            <a:endParaRPr lang="en-CA" sz="1600" dirty="0" smtClean="0">
-              <a:latin typeface="Courier New" panose="02070309020205020404" pitchFamily="49" charset="0"/>
-              <a:cs typeface="Courier New" panose="02070309020205020404" pitchFamily="49" charset="0"/>
-            </a:endParaRPr>
           </a:p>
         </p:txBody>
       </p:sp>
@@ -27580,7 +28181,7 @@
             <a:fld id="{7B2023C8-B124-43A9-8F92-0EEF5BAA9995}" type="slidenum">
               <a:rPr lang="en-CA" smtClean="0"/>
               <a:pPr/>
-              <a:t>20</a:t>
+              <a:t>21</a:t>
             </a:fld>
             <a:endParaRPr lang="en-CA" dirty="0"/>
           </a:p>
@@ -27596,10 +28197,17 @@
   <p:clrMapOvr>
     <a:masterClrMapping/>
   </p:clrMapOvr>
+  <p:timing>
+    <p:tnLst>
+      <p:par>
+        <p:cTn id="1" dur="indefinite" restart="never" nodeType="tmRoot"/>
+      </p:par>
+    </p:tnLst>
+  </p:timing>
 </p:sld>
 </file>
 
-<file path=ppt/slides/slide21.xml><?xml version="1.0" encoding="utf-8"?>
+<file path=ppt/slides/slide22.xml><?xml version="1.0" encoding="utf-8"?>
 <p:sld xmlns:a="http://schemas.openxmlformats.org/drawingml/2006/main" xmlns:r="http://schemas.openxmlformats.org/officeDocument/2006/relationships" xmlns:p="http://schemas.openxmlformats.org/presentationml/2006/main">
   <p:cSld>
     <p:spTree>
@@ -28031,14 +28639,7 @@
                 <a:latin typeface="Courier New" panose="02070309020205020404" pitchFamily="49" charset="0"/>
                 <a:cs typeface="Courier New" panose="02070309020205020404" pitchFamily="49" charset="0"/>
               </a:rPr>
-              <a:t>, SB_SIZE</a:t>
-            </a:r>
-            <a:r>
-              <a:rPr lang="en-CA" sz="1600" dirty="0" smtClean="0">
-                <a:latin typeface="Courier New" panose="02070309020205020404" pitchFamily="49" charset="0"/>
-                <a:cs typeface="Courier New" panose="02070309020205020404" pitchFamily="49" charset="0"/>
-              </a:rPr>
-              <a:t>);</a:t>
+              <a:t>, SB_SIZE);</a:t>
             </a:r>
           </a:p>
           <a:p>
@@ -28141,10 +28742,6 @@
               </a:rPr>
               <a:t>;</a:t>
             </a:r>
-            <a:endParaRPr lang="en-CA" sz="1600" dirty="0" smtClean="0">
-              <a:latin typeface="Courier New" panose="02070309020205020404" pitchFamily="49" charset="0"/>
-              <a:cs typeface="Courier New" panose="02070309020205020404" pitchFamily="49" charset="0"/>
-            </a:endParaRPr>
           </a:p>
           <a:p>
             <a:pPr marL="0" indent="0">
@@ -28194,10 +28791,6 @@
               </a:rPr>
               <a:t>);</a:t>
             </a:r>
-            <a:endParaRPr lang="en-CA" sz="1600" dirty="0" smtClean="0">
-              <a:latin typeface="Courier New" panose="02070309020205020404" pitchFamily="49" charset="0"/>
-              <a:cs typeface="Courier New" panose="02070309020205020404" pitchFamily="49" charset="0"/>
-            </a:endParaRPr>
           </a:p>
           <a:p>
             <a:pPr marL="0" indent="0">
@@ -28429,14 +29022,7 @@
                 <a:latin typeface="Courier New" panose="02070309020205020404" pitchFamily="49" charset="0"/>
                 <a:cs typeface="Courier New" panose="02070309020205020404" pitchFamily="49" charset="0"/>
               </a:rPr>
-              <a:t> </a:t>
-            </a:r>
-            <a:r>
-              <a:rPr lang="en-CA" sz="1600" dirty="0" smtClean="0">
-                <a:latin typeface="Courier New" panose="02070309020205020404" pitchFamily="49" charset="0"/>
-                <a:cs typeface="Courier New" panose="02070309020205020404" pitchFamily="49" charset="0"/>
-              </a:rPr>
-              <a:t>= ceil(</a:t>
+              <a:t> = ceil(</a:t>
             </a:r>
             <a:r>
               <a:rPr lang="en-CA" sz="1600" dirty="0" err="1" smtClean="0">
@@ -28625,10 +29211,6 @@
               </a:rPr>
               <a:t>);</a:t>
             </a:r>
-            <a:endParaRPr lang="en-CA" sz="1600" dirty="0" smtClean="0">
-              <a:latin typeface="Courier New" panose="02070309020205020404" pitchFamily="49" charset="0"/>
-              <a:cs typeface="Courier New" panose="02070309020205020404" pitchFamily="49" charset="0"/>
-            </a:endParaRPr>
           </a:p>
           <a:p>
             <a:pPr marL="0" indent="0">
@@ -28652,17 +29234,7 @@
                 <a:latin typeface="Courier New" panose="02070309020205020404" pitchFamily="49" charset="0"/>
                 <a:cs typeface="Courier New" panose="02070309020205020404" pitchFamily="49" charset="0"/>
               </a:rPr>
-              <a:t>  /* </a:t>
-            </a:r>
-            <a:r>
-              <a:rPr lang="en-CA" sz="1600" dirty="0" smtClean="0">
-                <a:solidFill>
-                  <a:srgbClr val="00B050"/>
-                </a:solidFill>
-                <a:latin typeface="Courier New" panose="02070309020205020404" pitchFamily="49" charset="0"/>
-                <a:cs typeface="Courier New" panose="02070309020205020404" pitchFamily="49" charset="0"/>
-              </a:rPr>
-              <a:t>read all of the block group descriptors into memory */</a:t>
+              <a:t>  /* read all of the block group descriptors into memory */</a:t>
             </a:r>
           </a:p>
           <a:p>
@@ -29088,19 +29660,8 @@
                 <a:latin typeface="Courier New" panose="02070309020205020404" pitchFamily="49" charset="0"/>
                 <a:cs typeface="Courier New" panose="02070309020205020404" pitchFamily="49" charset="0"/>
               </a:rPr>
-              <a:t>	</a:t>
-            </a:r>
-            <a:r>
-              <a:rPr lang="en-CA" sz="1600" dirty="0" smtClean="0">
-                <a:latin typeface="Courier New" panose="02070309020205020404" pitchFamily="49" charset="0"/>
-                <a:cs typeface="Courier New" panose="02070309020205020404" pitchFamily="49" charset="0"/>
-              </a:rPr>
-              <a:t>…</a:t>
-            </a:r>
-            <a:endParaRPr lang="en-CA" sz="1600" dirty="0" smtClean="0">
-              <a:latin typeface="Courier New" panose="02070309020205020404" pitchFamily="49" charset="0"/>
-              <a:cs typeface="Courier New" panose="02070309020205020404" pitchFamily="49" charset="0"/>
-            </a:endParaRPr>
+              <a:t>	…</a:t>
+            </a:r>
           </a:p>
           <a:p>
             <a:pPr marL="0" indent="0">
@@ -29121,14 +29682,7 @@
                 <a:latin typeface="Courier New" panose="02070309020205020404" pitchFamily="49" charset="0"/>
                 <a:cs typeface="Courier New" panose="02070309020205020404" pitchFamily="49" charset="0"/>
               </a:rPr>
-              <a:t>  </a:t>
-            </a:r>
-            <a:r>
-              <a:rPr lang="en-CA" sz="1600" dirty="0" smtClean="0">
-                <a:latin typeface="Courier New" panose="02070309020205020404" pitchFamily="49" charset="0"/>
-                <a:cs typeface="Courier New" panose="02070309020205020404" pitchFamily="49" charset="0"/>
-              </a:rPr>
-              <a:t>}</a:t>
+              <a:t>  }</a:t>
             </a:r>
           </a:p>
           <a:p>
@@ -29181,10 +29735,6 @@
               </a:rPr>
               <a:t>}</a:t>
             </a:r>
-            <a:endParaRPr lang="en-CA" sz="1600" dirty="0" smtClean="0">
-              <a:latin typeface="Courier New" panose="02070309020205020404" pitchFamily="49" charset="0"/>
-              <a:cs typeface="Courier New" panose="02070309020205020404" pitchFamily="49" charset="0"/>
-            </a:endParaRPr>
           </a:p>
         </p:txBody>
       </p:sp>
@@ -29634,7 +30184,7 @@
             <a:fld id="{7B2023C8-B124-43A9-8F92-0EEF5BAA9995}" type="slidenum">
               <a:rPr lang="en-CA" smtClean="0"/>
               <a:pPr/>
-              <a:t>21</a:t>
+              <a:t>22</a:t>
             </a:fld>
             <a:endParaRPr lang="en-CA" dirty="0"/>
           </a:p>
@@ -29650,10 +30200,17 @@
   <p:clrMapOvr>
     <a:masterClrMapping/>
   </p:clrMapOvr>
+  <p:timing>
+    <p:tnLst>
+      <p:par>
+        <p:cTn id="1" dur="indefinite" restart="never" nodeType="tmRoot"/>
+      </p:par>
+    </p:tnLst>
+  </p:timing>
 </p:sld>
 </file>
 
-<file path=ppt/slides/slide22.xml><?xml version="1.0" encoding="utf-8"?>
+<file path=ppt/slides/slide23.xml><?xml version="1.0" encoding="utf-8"?>
 <p:sld xmlns:a="http://schemas.openxmlformats.org/drawingml/2006/main" xmlns:r="http://schemas.openxmlformats.org/officeDocument/2006/relationships" xmlns:p="http://schemas.openxmlformats.org/presentationml/2006/main">
   <p:cSld>
     <p:spTree>
@@ -30085,14 +30642,7 @@
                 <a:latin typeface="Courier New" panose="02070309020205020404" pitchFamily="49" charset="0"/>
                 <a:cs typeface="Courier New" panose="02070309020205020404" pitchFamily="49" charset="0"/>
               </a:rPr>
-              <a:t>, SB_SIZE</a:t>
-            </a:r>
-            <a:r>
-              <a:rPr lang="en-CA" sz="1600" dirty="0" smtClean="0">
-                <a:latin typeface="Courier New" panose="02070309020205020404" pitchFamily="49" charset="0"/>
-                <a:cs typeface="Courier New" panose="02070309020205020404" pitchFamily="49" charset="0"/>
-              </a:rPr>
-              <a:t>);</a:t>
+              <a:t>, SB_SIZE);</a:t>
             </a:r>
           </a:p>
           <a:p>
@@ -30195,10 +30745,6 @@
               </a:rPr>
               <a:t>;</a:t>
             </a:r>
-            <a:endParaRPr lang="en-CA" sz="1600" dirty="0" smtClean="0">
-              <a:latin typeface="Courier New" panose="02070309020205020404" pitchFamily="49" charset="0"/>
-              <a:cs typeface="Courier New" panose="02070309020205020404" pitchFamily="49" charset="0"/>
-            </a:endParaRPr>
           </a:p>
           <a:p>
             <a:pPr marL="0" indent="0">
@@ -30248,10 +30794,6 @@
               </a:rPr>
               <a:t>);</a:t>
             </a:r>
-            <a:endParaRPr lang="en-CA" sz="1600" dirty="0" smtClean="0">
-              <a:latin typeface="Courier New" panose="02070309020205020404" pitchFamily="49" charset="0"/>
-              <a:cs typeface="Courier New" panose="02070309020205020404" pitchFamily="49" charset="0"/>
-            </a:endParaRPr>
           </a:p>
           <a:p>
             <a:pPr marL="0" indent="0">
@@ -30483,14 +31025,7 @@
                 <a:latin typeface="Courier New" panose="02070309020205020404" pitchFamily="49" charset="0"/>
                 <a:cs typeface="Courier New" panose="02070309020205020404" pitchFamily="49" charset="0"/>
               </a:rPr>
-              <a:t> </a:t>
-            </a:r>
-            <a:r>
-              <a:rPr lang="en-CA" sz="1600" dirty="0" smtClean="0">
-                <a:latin typeface="Courier New" panose="02070309020205020404" pitchFamily="49" charset="0"/>
-                <a:cs typeface="Courier New" panose="02070309020205020404" pitchFamily="49" charset="0"/>
-              </a:rPr>
-              <a:t>= ceil(</a:t>
+              <a:t> = ceil(</a:t>
             </a:r>
             <a:r>
               <a:rPr lang="en-CA" sz="1600" dirty="0" err="1" smtClean="0">
@@ -30679,10 +31214,6 @@
               </a:rPr>
               <a:t>);</a:t>
             </a:r>
-            <a:endParaRPr lang="en-CA" sz="1600" dirty="0" smtClean="0">
-              <a:latin typeface="Courier New" panose="02070309020205020404" pitchFamily="49" charset="0"/>
-              <a:cs typeface="Courier New" panose="02070309020205020404" pitchFamily="49" charset="0"/>
-            </a:endParaRPr>
           </a:p>
           <a:p>
             <a:pPr marL="0" indent="0">
@@ -30706,17 +31237,7 @@
                 <a:latin typeface="Courier New" panose="02070309020205020404" pitchFamily="49" charset="0"/>
                 <a:cs typeface="Courier New" panose="02070309020205020404" pitchFamily="49" charset="0"/>
               </a:rPr>
-              <a:t>  /* </a:t>
-            </a:r>
-            <a:r>
-              <a:rPr lang="en-CA" sz="1600" dirty="0" smtClean="0">
-                <a:solidFill>
-                  <a:srgbClr val="00B050"/>
-                </a:solidFill>
-                <a:latin typeface="Courier New" panose="02070309020205020404" pitchFamily="49" charset="0"/>
-                <a:cs typeface="Courier New" panose="02070309020205020404" pitchFamily="49" charset="0"/>
-              </a:rPr>
-              <a:t>read all of the block group descriptors into memory */</a:t>
+              <a:t>  /* read all of the block group descriptors into memory */</a:t>
             </a:r>
           </a:p>
           <a:p>
@@ -31142,19 +31663,8 @@
                 <a:latin typeface="Courier New" panose="02070309020205020404" pitchFamily="49" charset="0"/>
                 <a:cs typeface="Courier New" panose="02070309020205020404" pitchFamily="49" charset="0"/>
               </a:rPr>
-              <a:t>	</a:t>
-            </a:r>
-            <a:r>
-              <a:rPr lang="en-CA" sz="1600" dirty="0" smtClean="0">
-                <a:latin typeface="Courier New" panose="02070309020205020404" pitchFamily="49" charset="0"/>
-                <a:cs typeface="Courier New" panose="02070309020205020404" pitchFamily="49" charset="0"/>
-              </a:rPr>
-              <a:t>…</a:t>
-            </a:r>
-            <a:endParaRPr lang="en-CA" sz="1600" dirty="0" smtClean="0">
-              <a:latin typeface="Courier New" panose="02070309020205020404" pitchFamily="49" charset="0"/>
-              <a:cs typeface="Courier New" panose="02070309020205020404" pitchFamily="49" charset="0"/>
-            </a:endParaRPr>
+              <a:t>	…</a:t>
+            </a:r>
           </a:p>
           <a:p>
             <a:pPr marL="0" indent="0">
@@ -31175,14 +31685,7 @@
                 <a:latin typeface="Courier New" panose="02070309020205020404" pitchFamily="49" charset="0"/>
                 <a:cs typeface="Courier New" panose="02070309020205020404" pitchFamily="49" charset="0"/>
               </a:rPr>
-              <a:t>  </a:t>
-            </a:r>
-            <a:r>
-              <a:rPr lang="en-CA" sz="1600" dirty="0" smtClean="0">
-                <a:latin typeface="Courier New" panose="02070309020205020404" pitchFamily="49" charset="0"/>
-                <a:cs typeface="Courier New" panose="02070309020205020404" pitchFamily="49" charset="0"/>
-              </a:rPr>
-              <a:t>}</a:t>
+              <a:t>  }</a:t>
             </a:r>
           </a:p>
           <a:p>
@@ -31235,10 +31738,6 @@
               </a:rPr>
               <a:t>}</a:t>
             </a:r>
-            <a:endParaRPr lang="en-CA" sz="1600" dirty="0" smtClean="0">
-              <a:latin typeface="Courier New" panose="02070309020205020404" pitchFamily="49" charset="0"/>
-              <a:cs typeface="Courier New" panose="02070309020205020404" pitchFamily="49" charset="0"/>
-            </a:endParaRPr>
           </a:p>
         </p:txBody>
       </p:sp>
@@ -31671,7 +32170,7 @@
             <a:fld id="{7B2023C8-B124-43A9-8F92-0EEF5BAA9995}" type="slidenum">
               <a:rPr lang="en-CA" smtClean="0"/>
               <a:pPr/>
-              <a:t>22</a:t>
+              <a:t>23</a:t>
             </a:fld>
             <a:endParaRPr lang="en-CA" dirty="0"/>
           </a:p>
@@ -31687,10 +32186,17 @@
   <p:clrMapOvr>
     <a:masterClrMapping/>
   </p:clrMapOvr>
+  <p:timing>
+    <p:tnLst>
+      <p:par>
+        <p:cTn id="1" dur="indefinite" restart="never" nodeType="tmRoot"/>
+      </p:par>
+    </p:tnLst>
+  </p:timing>
 </p:sld>
 </file>
 
-<file path=ppt/slides/slide23.xml><?xml version="1.0" encoding="utf-8"?>
+<file path=ppt/slides/slide24.xml><?xml version="1.0" encoding="utf-8"?>
 <p:sld xmlns:a="http://schemas.openxmlformats.org/drawingml/2006/main" xmlns:r="http://schemas.openxmlformats.org/officeDocument/2006/relationships" xmlns:p="http://schemas.openxmlformats.org/presentationml/2006/main">
   <p:cSld>
     <p:spTree>
@@ -32122,14 +32628,7 @@
                 <a:latin typeface="Courier New" panose="02070309020205020404" pitchFamily="49" charset="0"/>
                 <a:cs typeface="Courier New" panose="02070309020205020404" pitchFamily="49" charset="0"/>
               </a:rPr>
-              <a:t>, SB_SIZE</a:t>
-            </a:r>
-            <a:r>
-              <a:rPr lang="en-CA" sz="1600" dirty="0" smtClean="0">
-                <a:latin typeface="Courier New" panose="02070309020205020404" pitchFamily="49" charset="0"/>
-                <a:cs typeface="Courier New" panose="02070309020205020404" pitchFamily="49" charset="0"/>
-              </a:rPr>
-              <a:t>);</a:t>
+              <a:t>, SB_SIZE);</a:t>
             </a:r>
           </a:p>
           <a:p>
@@ -32232,10 +32731,6 @@
               </a:rPr>
               <a:t>;</a:t>
             </a:r>
-            <a:endParaRPr lang="en-CA" sz="1600" dirty="0" smtClean="0">
-              <a:latin typeface="Courier New" panose="02070309020205020404" pitchFamily="49" charset="0"/>
-              <a:cs typeface="Courier New" panose="02070309020205020404" pitchFamily="49" charset="0"/>
-            </a:endParaRPr>
           </a:p>
           <a:p>
             <a:pPr marL="0" indent="0">
@@ -32285,10 +32780,6 @@
               </a:rPr>
               <a:t>);</a:t>
             </a:r>
-            <a:endParaRPr lang="en-CA" sz="1600" dirty="0" smtClean="0">
-              <a:latin typeface="Courier New" panose="02070309020205020404" pitchFamily="49" charset="0"/>
-              <a:cs typeface="Courier New" panose="02070309020205020404" pitchFamily="49" charset="0"/>
-            </a:endParaRPr>
           </a:p>
           <a:p>
             <a:pPr marL="0" indent="0">
@@ -32520,14 +33011,7 @@
                 <a:latin typeface="Courier New" panose="02070309020205020404" pitchFamily="49" charset="0"/>
                 <a:cs typeface="Courier New" panose="02070309020205020404" pitchFamily="49" charset="0"/>
               </a:rPr>
-              <a:t> </a:t>
-            </a:r>
-            <a:r>
-              <a:rPr lang="en-CA" sz="1600" dirty="0" smtClean="0">
-                <a:latin typeface="Courier New" panose="02070309020205020404" pitchFamily="49" charset="0"/>
-                <a:cs typeface="Courier New" panose="02070309020205020404" pitchFamily="49" charset="0"/>
-              </a:rPr>
-              <a:t>= ceil(</a:t>
+              <a:t> = ceil(</a:t>
             </a:r>
             <a:r>
               <a:rPr lang="en-CA" sz="1600" dirty="0" err="1" smtClean="0">
@@ -32716,10 +33200,6 @@
               </a:rPr>
               <a:t>);</a:t>
             </a:r>
-            <a:endParaRPr lang="en-CA" sz="1600" dirty="0" smtClean="0">
-              <a:latin typeface="Courier New" panose="02070309020205020404" pitchFamily="49" charset="0"/>
-              <a:cs typeface="Courier New" panose="02070309020205020404" pitchFamily="49" charset="0"/>
-            </a:endParaRPr>
           </a:p>
           <a:p>
             <a:pPr marL="0" indent="0">
@@ -32743,17 +33223,7 @@
                 <a:latin typeface="Courier New" panose="02070309020205020404" pitchFamily="49" charset="0"/>
                 <a:cs typeface="Courier New" panose="02070309020205020404" pitchFamily="49" charset="0"/>
               </a:rPr>
-              <a:t>  /* </a:t>
-            </a:r>
-            <a:r>
-              <a:rPr lang="en-CA" sz="1600" dirty="0" smtClean="0">
-                <a:solidFill>
-                  <a:srgbClr val="00B050"/>
-                </a:solidFill>
-                <a:latin typeface="Courier New" panose="02070309020205020404" pitchFamily="49" charset="0"/>
-                <a:cs typeface="Courier New" panose="02070309020205020404" pitchFamily="49" charset="0"/>
-              </a:rPr>
-              <a:t>read all of the block group descriptors into memory */</a:t>
+              <a:t>  /* read all of the block group descriptors into memory */</a:t>
             </a:r>
           </a:p>
           <a:p>
@@ -33179,19 +33649,8 @@
                 <a:latin typeface="Courier New" panose="02070309020205020404" pitchFamily="49" charset="0"/>
                 <a:cs typeface="Courier New" panose="02070309020205020404" pitchFamily="49" charset="0"/>
               </a:rPr>
-              <a:t>	</a:t>
-            </a:r>
-            <a:r>
-              <a:rPr lang="en-CA" sz="1600" dirty="0" smtClean="0">
-                <a:latin typeface="Courier New" panose="02070309020205020404" pitchFamily="49" charset="0"/>
-                <a:cs typeface="Courier New" panose="02070309020205020404" pitchFamily="49" charset="0"/>
-              </a:rPr>
-              <a:t>…</a:t>
-            </a:r>
-            <a:endParaRPr lang="en-CA" sz="1600" dirty="0" smtClean="0">
-              <a:latin typeface="Courier New" panose="02070309020205020404" pitchFamily="49" charset="0"/>
-              <a:cs typeface="Courier New" panose="02070309020205020404" pitchFamily="49" charset="0"/>
-            </a:endParaRPr>
+              <a:t>	…</a:t>
+            </a:r>
           </a:p>
           <a:p>
             <a:pPr marL="0" indent="0">
@@ -33212,14 +33671,7 @@
                 <a:latin typeface="Courier New" panose="02070309020205020404" pitchFamily="49" charset="0"/>
                 <a:cs typeface="Courier New" panose="02070309020205020404" pitchFamily="49" charset="0"/>
               </a:rPr>
-              <a:t>  </a:t>
-            </a:r>
-            <a:r>
-              <a:rPr lang="en-CA" sz="1600" dirty="0" smtClean="0">
-                <a:latin typeface="Courier New" panose="02070309020205020404" pitchFamily="49" charset="0"/>
-                <a:cs typeface="Courier New" panose="02070309020205020404" pitchFamily="49" charset="0"/>
-              </a:rPr>
-              <a:t>}</a:t>
+              <a:t>  }</a:t>
             </a:r>
           </a:p>
           <a:p>
@@ -33272,10 +33724,6 @@
               </a:rPr>
               <a:t>}</a:t>
             </a:r>
-            <a:endParaRPr lang="en-CA" sz="1600" dirty="0" smtClean="0">
-              <a:latin typeface="Courier New" panose="02070309020205020404" pitchFamily="49" charset="0"/>
-              <a:cs typeface="Courier New" panose="02070309020205020404" pitchFamily="49" charset="0"/>
-            </a:endParaRPr>
           </a:p>
         </p:txBody>
       </p:sp>
@@ -33718,7 +34166,7 @@
             <a:fld id="{7B2023C8-B124-43A9-8F92-0EEF5BAA9995}" type="slidenum">
               <a:rPr lang="en-CA" smtClean="0"/>
               <a:pPr/>
-              <a:t>23</a:t>
+              <a:t>24</a:t>
             </a:fld>
             <a:endParaRPr lang="en-CA" dirty="0"/>
           </a:p>
@@ -33734,10 +34182,17 @@
   <p:clrMapOvr>
     <a:masterClrMapping/>
   </p:clrMapOvr>
+  <p:timing>
+    <p:tnLst>
+      <p:par>
+        <p:cTn id="1" dur="indefinite" restart="never" nodeType="tmRoot"/>
+      </p:par>
+    </p:tnLst>
+  </p:timing>
 </p:sld>
 </file>
 
-<file path=ppt/slides/slide24.xml><?xml version="1.0" encoding="utf-8"?>
+<file path=ppt/slides/slide25.xml><?xml version="1.0" encoding="utf-8"?>
 <p:sld xmlns:a="http://schemas.openxmlformats.org/drawingml/2006/main" xmlns:r="http://schemas.openxmlformats.org/officeDocument/2006/relationships" xmlns:p="http://schemas.openxmlformats.org/presentationml/2006/main">
   <p:cSld>
     <p:spTree>
@@ -34169,14 +34624,7 @@
                 <a:latin typeface="Courier New" panose="02070309020205020404" pitchFamily="49" charset="0"/>
                 <a:cs typeface="Courier New" panose="02070309020205020404" pitchFamily="49" charset="0"/>
               </a:rPr>
-              <a:t>, SB_SIZE</a:t>
-            </a:r>
-            <a:r>
-              <a:rPr lang="en-CA" sz="1600" dirty="0" smtClean="0">
-                <a:latin typeface="Courier New" panose="02070309020205020404" pitchFamily="49" charset="0"/>
-                <a:cs typeface="Courier New" panose="02070309020205020404" pitchFamily="49" charset="0"/>
-              </a:rPr>
-              <a:t>);</a:t>
+              <a:t>, SB_SIZE);</a:t>
             </a:r>
           </a:p>
           <a:p>
@@ -34279,10 +34727,6 @@
               </a:rPr>
               <a:t>;</a:t>
             </a:r>
-            <a:endParaRPr lang="en-CA" sz="1600" dirty="0" smtClean="0">
-              <a:latin typeface="Courier New" panose="02070309020205020404" pitchFamily="49" charset="0"/>
-              <a:cs typeface="Courier New" panose="02070309020205020404" pitchFamily="49" charset="0"/>
-            </a:endParaRPr>
           </a:p>
           <a:p>
             <a:pPr marL="0" indent="0">
@@ -34332,10 +34776,6 @@
               </a:rPr>
               <a:t>);</a:t>
             </a:r>
-            <a:endParaRPr lang="en-CA" sz="1600" dirty="0" smtClean="0">
-              <a:latin typeface="Courier New" panose="02070309020205020404" pitchFamily="49" charset="0"/>
-              <a:cs typeface="Courier New" panose="02070309020205020404" pitchFamily="49" charset="0"/>
-            </a:endParaRPr>
           </a:p>
           <a:p>
             <a:pPr marL="0" indent="0">
@@ -34567,14 +35007,7 @@
                 <a:latin typeface="Courier New" panose="02070309020205020404" pitchFamily="49" charset="0"/>
                 <a:cs typeface="Courier New" panose="02070309020205020404" pitchFamily="49" charset="0"/>
               </a:rPr>
-              <a:t> </a:t>
-            </a:r>
-            <a:r>
-              <a:rPr lang="en-CA" sz="1600" dirty="0" smtClean="0">
-                <a:latin typeface="Courier New" panose="02070309020205020404" pitchFamily="49" charset="0"/>
-                <a:cs typeface="Courier New" panose="02070309020205020404" pitchFamily="49" charset="0"/>
-              </a:rPr>
-              <a:t>= ceil(</a:t>
+              <a:t> = ceil(</a:t>
             </a:r>
             <a:r>
               <a:rPr lang="en-CA" sz="1600" dirty="0" err="1" smtClean="0">
@@ -34763,10 +35196,6 @@
               </a:rPr>
               <a:t>);</a:t>
             </a:r>
-            <a:endParaRPr lang="en-CA" sz="1600" dirty="0" smtClean="0">
-              <a:latin typeface="Courier New" panose="02070309020205020404" pitchFamily="49" charset="0"/>
-              <a:cs typeface="Courier New" panose="02070309020205020404" pitchFamily="49" charset="0"/>
-            </a:endParaRPr>
           </a:p>
           <a:p>
             <a:pPr marL="0" indent="0">
@@ -34790,17 +35219,7 @@
                 <a:latin typeface="Courier New" panose="02070309020205020404" pitchFamily="49" charset="0"/>
                 <a:cs typeface="Courier New" panose="02070309020205020404" pitchFamily="49" charset="0"/>
               </a:rPr>
-              <a:t>  /* </a:t>
-            </a:r>
-            <a:r>
-              <a:rPr lang="en-CA" sz="1600" dirty="0" smtClean="0">
-                <a:solidFill>
-                  <a:srgbClr val="00B050"/>
-                </a:solidFill>
-                <a:latin typeface="Courier New" panose="02070309020205020404" pitchFamily="49" charset="0"/>
-                <a:cs typeface="Courier New" panose="02070309020205020404" pitchFamily="49" charset="0"/>
-              </a:rPr>
-              <a:t>read all of the block group descriptors into memory */</a:t>
+              <a:t>  /* read all of the block group descriptors into memory */</a:t>
             </a:r>
           </a:p>
           <a:p>
@@ -35226,19 +35645,8 @@
                 <a:latin typeface="Courier New" panose="02070309020205020404" pitchFamily="49" charset="0"/>
                 <a:cs typeface="Courier New" panose="02070309020205020404" pitchFamily="49" charset="0"/>
               </a:rPr>
-              <a:t>	</a:t>
-            </a:r>
-            <a:r>
-              <a:rPr lang="en-CA" sz="1600" dirty="0" smtClean="0">
-                <a:latin typeface="Courier New" panose="02070309020205020404" pitchFamily="49" charset="0"/>
-                <a:cs typeface="Courier New" panose="02070309020205020404" pitchFamily="49" charset="0"/>
-              </a:rPr>
-              <a:t>…</a:t>
-            </a:r>
-            <a:endParaRPr lang="en-CA" sz="1600" dirty="0" smtClean="0">
-              <a:latin typeface="Courier New" panose="02070309020205020404" pitchFamily="49" charset="0"/>
-              <a:cs typeface="Courier New" panose="02070309020205020404" pitchFamily="49" charset="0"/>
-            </a:endParaRPr>
+              <a:t>	…</a:t>
+            </a:r>
           </a:p>
           <a:p>
             <a:pPr marL="0" indent="0">
@@ -35259,14 +35667,7 @@
                 <a:latin typeface="Courier New" panose="02070309020205020404" pitchFamily="49" charset="0"/>
                 <a:cs typeface="Courier New" panose="02070309020205020404" pitchFamily="49" charset="0"/>
               </a:rPr>
-              <a:t>  </a:t>
-            </a:r>
-            <a:r>
-              <a:rPr lang="en-CA" sz="1600" dirty="0" smtClean="0">
-                <a:latin typeface="Courier New" panose="02070309020205020404" pitchFamily="49" charset="0"/>
-                <a:cs typeface="Courier New" panose="02070309020205020404" pitchFamily="49" charset="0"/>
-              </a:rPr>
-              <a:t>}</a:t>
+              <a:t>  }</a:t>
             </a:r>
           </a:p>
           <a:p>
@@ -35319,10 +35720,6 @@
               </a:rPr>
               <a:t>}</a:t>
             </a:r>
-            <a:endParaRPr lang="en-CA" sz="1600" dirty="0" smtClean="0">
-              <a:latin typeface="Courier New" panose="02070309020205020404" pitchFamily="49" charset="0"/>
-              <a:cs typeface="Courier New" panose="02070309020205020404" pitchFamily="49" charset="0"/>
-            </a:endParaRPr>
           </a:p>
         </p:txBody>
       </p:sp>
@@ -35819,7 +36216,7 @@
             <a:fld id="{7B2023C8-B124-43A9-8F92-0EEF5BAA9995}" type="slidenum">
               <a:rPr lang="en-CA" smtClean="0"/>
               <a:pPr/>
-              <a:t>24</a:t>
+              <a:t>25</a:t>
             </a:fld>
             <a:endParaRPr lang="en-CA" dirty="0"/>
           </a:p>
@@ -35845,7 +36242,7 @@
 </p:sld>
 </file>
 
-<file path=ppt/slides/slide25.xml><?xml version="1.0" encoding="utf-8"?>
+<file path=ppt/slides/slide26.xml><?xml version="1.0" encoding="utf-8"?>
 <p:sld xmlns:a="http://schemas.openxmlformats.org/drawingml/2006/main" xmlns:r="http://schemas.openxmlformats.org/officeDocument/2006/relationships" xmlns:p="http://schemas.openxmlformats.org/presentationml/2006/main">
   <p:cSld>
     <p:spTree>
@@ -36202,19 +36599,7 @@
                 <a:latin typeface="Courier New" panose="02070309020205020404" pitchFamily="49" charset="0"/>
                 <a:cs typeface="Courier New" panose="02070309020205020404" pitchFamily="49" charset="0"/>
               </a:rPr>
-              <a:t> </a:t>
-            </a:r>
-            <a:r>
-              <a:rPr lang="en-CA" sz="1600" dirty="0" smtClean="0">
-                <a:solidFill>
-                  <a:schemeClr val="accent6">
-                    <a:lumMod val="75000"/>
-                  </a:schemeClr>
-                </a:solidFill>
-                <a:latin typeface="Courier New" panose="02070309020205020404" pitchFamily="49" charset="0"/>
-                <a:cs typeface="Courier New" panose="02070309020205020404" pitchFamily="49" charset="0"/>
-              </a:rPr>
-              <a:t> </a:t>
+              <a:t>  </a:t>
             </a:r>
             <a:r>
               <a:rPr lang="en-CA" sz="1600" dirty="0" err="1" smtClean="0">
@@ -36293,58 +36678,25 @@
             </a:r>
             <a:r>
               <a:rPr lang="en-CA" sz="1600" dirty="0" smtClean="0">
-                <a:solidFill>
-                  <a:srgbClr val="00B050"/>
-                </a:solidFill>
-                <a:latin typeface="Courier New" panose="02070309020205020404" pitchFamily="49" charset="0"/>
-                <a:cs typeface="Courier New" panose="02070309020205020404" pitchFamily="49" charset="0"/>
-              </a:rPr>
-              <a:t>/* </a:t>
-            </a:r>
-            <a:r>
-              <a:rPr lang="en-CA" sz="1600" dirty="0" err="1">
-                <a:solidFill>
-                  <a:srgbClr val="00B050"/>
-                </a:solidFill>
-                <a:latin typeface="Courier New" panose="02070309020205020404" pitchFamily="49" charset="0"/>
-                <a:cs typeface="Courier New" panose="02070309020205020404" pitchFamily="49" charset="0"/>
-              </a:rPr>
-              <a:t>functor</a:t>
+                <a:latin typeface="Courier New" panose="02070309020205020404" pitchFamily="49" charset="0"/>
+                <a:cs typeface="Courier New" panose="02070309020205020404" pitchFamily="49" charset="0"/>
+              </a:rPr>
+              <a:t>Ext4 </a:t>
             </a:r>
             <a:r>
               <a:rPr lang="en-CA" sz="1600" dirty="0">
-                <a:solidFill>
-                  <a:srgbClr val="00B050"/>
-                </a:solidFill>
-                <a:latin typeface="Courier New" panose="02070309020205020404" pitchFamily="49" charset="0"/>
-                <a:cs typeface="Courier New" panose="02070309020205020404" pitchFamily="49" charset="0"/>
-              </a:rPr>
-              <a:t> that does same thing as </a:t>
-            </a:r>
-            <a:r>
-              <a:rPr lang="en-CA" sz="1600" dirty="0" err="1">
-                <a:solidFill>
-                  <a:srgbClr val="00B050"/>
-                </a:solidFill>
-                <a:latin typeface="Courier New" panose="02070309020205020404" pitchFamily="49" charset="0"/>
-                <a:cs typeface="Courier New" panose="02070309020205020404" pitchFamily="49" charset="0"/>
-              </a:rPr>
-              <a:t>process_block_bitmap</a:t>
-            </a:r>
-            <a:r>
-              <a:rPr lang="en-CA" sz="1600" dirty="0">
-                <a:solidFill>
-                  <a:srgbClr val="00B050"/>
-                </a:solidFill>
-                <a:latin typeface="Courier New" panose="02070309020205020404" pitchFamily="49" charset="0"/>
-                <a:cs typeface="Courier New" panose="02070309020205020404" pitchFamily="49" charset="0"/>
-              </a:rPr>
-              <a:t> */</a:t>
-            </a:r>
-            <a:endParaRPr lang="en-CA" sz="1600" dirty="0" smtClean="0">
-              <a:latin typeface="Courier New" panose="02070309020205020404" pitchFamily="49" charset="0"/>
-              <a:cs typeface="Courier New" panose="02070309020205020404" pitchFamily="49" charset="0"/>
-            </a:endParaRPr>
+                <a:latin typeface="Courier New" panose="02070309020205020404" pitchFamily="49" charset="0"/>
+                <a:cs typeface="Courier New" panose="02070309020205020404" pitchFamily="49" charset="0"/>
+              </a:rPr>
+              <a:t>ext4(dev</a:t>
+            </a:r>
+            <a:r>
+              <a:rPr lang="en-CA" sz="1600" dirty="0" smtClean="0">
+                <a:latin typeface="Courier New" panose="02070309020205020404" pitchFamily="49" charset="0"/>
+                <a:cs typeface="Courier New" panose="02070309020205020404" pitchFamily="49" charset="0"/>
+              </a:rPr>
+              <a:t>);</a:t>
+            </a:r>
           </a:p>
           <a:p>
             <a:pPr marL="0" indent="0">
@@ -36365,111 +36717,6 @@
                 <a:cs typeface="Courier New" panose="02070309020205020404" pitchFamily="49" charset="0"/>
               </a:rPr>
               <a:t>2</a:t>
-            </a:r>
-            <a:r>
-              <a:rPr lang="en-CA" sz="1600" dirty="0" smtClean="0">
-                <a:latin typeface="Courier New" panose="02070309020205020404" pitchFamily="49" charset="0"/>
-                <a:cs typeface="Courier New" panose="02070309020205020404" pitchFamily="49" charset="0"/>
-              </a:rPr>
-              <a:t>:  </a:t>
-            </a:r>
-            <a:r>
-              <a:rPr lang="en-CA" sz="1600" dirty="0" err="1">
-                <a:latin typeface="Courier New" panose="02070309020205020404" pitchFamily="49" charset="0"/>
-                <a:cs typeface="Courier New" panose="02070309020205020404" pitchFamily="49" charset="0"/>
-              </a:rPr>
-              <a:t>BitmapProcessor</a:t>
-            </a:r>
-            <a:r>
-              <a:rPr lang="en-CA" sz="1600" dirty="0">
-                <a:latin typeface="Courier New" panose="02070309020205020404" pitchFamily="49" charset="0"/>
-                <a:cs typeface="Courier New" panose="02070309020205020404" pitchFamily="49" charset="0"/>
-              </a:rPr>
-              <a:t> processor(</a:t>
-            </a:r>
-            <a:r>
-              <a:rPr lang="en-CA" sz="1600" dirty="0" err="1">
-                <a:latin typeface="Courier New" panose="02070309020205020404" pitchFamily="49" charset="0"/>
-                <a:cs typeface="Courier New" panose="02070309020205020404" pitchFamily="49" charset="0"/>
-              </a:rPr>
-              <a:t>vec</a:t>
-            </a:r>
-            <a:r>
-              <a:rPr lang="en-CA" sz="1600" dirty="0" smtClean="0">
-                <a:latin typeface="Courier New" panose="02070309020205020404" pitchFamily="49" charset="0"/>
-                <a:cs typeface="Courier New" panose="02070309020205020404" pitchFamily="49" charset="0"/>
-              </a:rPr>
-              <a:t>);</a:t>
-            </a:r>
-          </a:p>
-          <a:p>
-            <a:pPr marL="0" indent="0">
-              <a:lnSpc>
-                <a:spcPts val="2000"/>
-              </a:lnSpc>
-              <a:spcBef>
-                <a:spcPts val="0"/>
-              </a:spcBef>
-              <a:spcAft>
-                <a:spcPts val="0"/>
-              </a:spcAft>
-              <a:buNone/>
-            </a:pPr>
-            <a:r>
-              <a:rPr lang="en-CA" sz="1600" dirty="0">
-                <a:latin typeface="Courier New" panose="02070309020205020404" pitchFamily="49" charset="0"/>
-                <a:cs typeface="Courier New" panose="02070309020205020404" pitchFamily="49" charset="0"/>
-              </a:rPr>
-              <a:t>3</a:t>
-            </a:r>
-            <a:r>
-              <a:rPr lang="en-CA" sz="1600" dirty="0" smtClean="0">
-                <a:latin typeface="Courier New" panose="02070309020205020404" pitchFamily="49" charset="0"/>
-                <a:cs typeface="Courier New" panose="02070309020205020404" pitchFamily="49" charset="0"/>
-              </a:rPr>
-              <a:t>:  </a:t>
-            </a:r>
-            <a:r>
-              <a:rPr lang="en-CA" sz="1600" dirty="0" smtClean="0">
-                <a:latin typeface="Courier New" panose="02070309020205020404" pitchFamily="49" charset="0"/>
-                <a:cs typeface="Courier New" panose="02070309020205020404" pitchFamily="49" charset="0"/>
-              </a:rPr>
-              <a:t>Ext4 </a:t>
-            </a:r>
-            <a:r>
-              <a:rPr lang="en-CA" sz="1600" dirty="0">
-                <a:latin typeface="Courier New" panose="02070309020205020404" pitchFamily="49" charset="0"/>
-                <a:cs typeface="Courier New" panose="02070309020205020404" pitchFamily="49" charset="0"/>
-              </a:rPr>
-              <a:t>ext4(dev</a:t>
-            </a:r>
-            <a:r>
-              <a:rPr lang="en-CA" sz="1600" dirty="0" smtClean="0">
-                <a:latin typeface="Courier New" panose="02070309020205020404" pitchFamily="49" charset="0"/>
-                <a:cs typeface="Courier New" panose="02070309020205020404" pitchFamily="49" charset="0"/>
-              </a:rPr>
-              <a:t>);</a:t>
-            </a:r>
-          </a:p>
-          <a:p>
-            <a:pPr marL="0" indent="0">
-              <a:lnSpc>
-                <a:spcPts val="2000"/>
-              </a:lnSpc>
-              <a:spcBef>
-                <a:spcPts val="0"/>
-              </a:spcBef>
-              <a:spcAft>
-                <a:spcPts val="0"/>
-              </a:spcAft>
-              <a:buNone/>
-            </a:pPr>
-            <a:r>
-              <a:rPr lang="en-CA" sz="1600" dirty="0">
-                <a:latin typeface="Courier New" panose="02070309020205020404" pitchFamily="49" charset="0"/>
-                <a:cs typeface="Courier New" panose="02070309020205020404" pitchFamily="49" charset="0"/>
-              </a:rPr>
-              <a:t>4</a:t>
             </a:r>
             <a:r>
               <a:rPr lang="en-CA" sz="1600" dirty="0" smtClean="0">
@@ -36514,7 +36761,7 @@
                 <a:latin typeface="Courier New" panose="02070309020205020404" pitchFamily="49" charset="0"/>
                 <a:cs typeface="Courier New" panose="02070309020205020404" pitchFamily="49" charset="0"/>
               </a:rPr>
-              <a:t>5</a:t>
+              <a:t>3</a:t>
             </a:r>
             <a:r>
               <a:rPr lang="en-CA" sz="1600" dirty="0" smtClean="0">
@@ -36584,7 +36831,7 @@
                 <a:latin typeface="Courier New" panose="02070309020205020404" pitchFamily="49" charset="0"/>
                 <a:cs typeface="Courier New" panose="02070309020205020404" pitchFamily="49" charset="0"/>
               </a:rPr>
-              <a:t>6</a:t>
+              <a:t>4</a:t>
             </a:r>
             <a:r>
               <a:rPr lang="en-CA" sz="1600" dirty="0" smtClean="0">
@@ -36678,18 +36925,11 @@
               <a:buNone/>
             </a:pPr>
             <a:r>
-              <a:rPr lang="en-CA" sz="1600" dirty="0">
-                <a:latin typeface="Courier New" panose="02070309020205020404" pitchFamily="49" charset="0"/>
-                <a:cs typeface="Courier New" panose="02070309020205020404" pitchFamily="49" charset="0"/>
-              </a:rPr>
-              <a:t>7</a:t>
-            </a:r>
-            <a:r>
               <a:rPr lang="en-CA" sz="1600" dirty="0" smtClean="0">
                 <a:latin typeface="Courier New" panose="02070309020205020404" pitchFamily="49" charset="0"/>
                 <a:cs typeface="Courier New" panose="02070309020205020404" pitchFamily="49" charset="0"/>
               </a:rPr>
-              <a:t>:  </a:t>
+              <a:t>7:  </a:t>
             </a:r>
             <a:r>
               <a:rPr lang="en-CA" sz="1600" dirty="0" err="1" smtClean="0">
@@ -36723,21 +36963,21 @@
               <a:t> &lt;&lt; </a:t>
             </a:r>
             <a:r>
-              <a:rPr lang="en-CA" sz="1600" dirty="0" err="1">
+              <a:rPr lang="en-CA" sz="1600" dirty="0" err="1" smtClean="0">
                 <a:latin typeface="Courier New" panose="02070309020205020404" pitchFamily="49" charset="0"/>
                 <a:cs typeface="Courier New" panose="02070309020205020404" pitchFamily="49" charset="0"/>
               </a:rPr>
               <a:t>sb</a:t>
             </a:r>
             <a:r>
-              <a:rPr lang="en-CA" sz="1600" dirty="0">
+              <a:rPr lang="en-CA" sz="1600" dirty="0" smtClean="0">
                 <a:latin typeface="Courier New" panose="02070309020205020404" pitchFamily="49" charset="0"/>
                 <a:cs typeface="Courier New" panose="02070309020205020404" pitchFamily="49" charset="0"/>
               </a:rPr>
               <a:t>-&gt;</a:t>
             </a:r>
             <a:r>
-              <a:rPr lang="en-CA" sz="1600" dirty="0" err="1">
+              <a:rPr lang="en-CA" sz="1600" dirty="0" err="1" smtClean="0">
                 <a:latin typeface="Courier New" panose="02070309020205020404" pitchFamily="49" charset="0"/>
                 <a:cs typeface="Courier New" panose="02070309020205020404" pitchFamily="49" charset="0"/>
               </a:rPr>
@@ -36765,18 +37005,11 @@
               <a:buNone/>
             </a:pPr>
             <a:r>
-              <a:rPr lang="en-CA" sz="1600" dirty="0">
-                <a:latin typeface="Courier New" panose="02070309020205020404" pitchFamily="49" charset="0"/>
-                <a:cs typeface="Courier New" panose="02070309020205020404" pitchFamily="49" charset="0"/>
-              </a:rPr>
-              <a:t>8</a:t>
-            </a:r>
-            <a:r>
               <a:rPr lang="en-CA" sz="1600" dirty="0" smtClean="0">
                 <a:latin typeface="Courier New" panose="02070309020205020404" pitchFamily="49" charset="0"/>
                 <a:cs typeface="Courier New" panose="02070309020205020404" pitchFamily="49" charset="0"/>
               </a:rPr>
-              <a:t>:  </a:t>
+              <a:t>8:  </a:t>
             </a:r>
             <a:r>
               <a:rPr lang="en-CA" sz="1600" dirty="0" smtClean="0">
@@ -36788,13 +37021,6 @@
               </a:rPr>
               <a:t>/* traverses file system and finds/processes all block bitmap */</a:t>
             </a:r>
-            <a:endParaRPr lang="en-CA" sz="1600" dirty="0">
-              <a:solidFill>
-                <a:srgbClr val="00B050"/>
-              </a:solidFill>
-              <a:latin typeface="Courier New" panose="02070309020205020404" pitchFamily="49" charset="0"/>
-              <a:cs typeface="Courier New" panose="02070309020205020404" pitchFamily="49" charset="0"/>
-            </a:endParaRPr>
           </a:p>
           <a:p>
             <a:pPr marL="0" indent="0">
@@ -36814,14 +37040,14 @@
                 <a:latin typeface="Courier New" panose="02070309020205020404" pitchFamily="49" charset="0"/>
                 <a:cs typeface="Courier New" panose="02070309020205020404" pitchFamily="49" charset="0"/>
               </a:rPr>
-              <a:t>9:  </a:t>
+              <a:t>9</a:t>
             </a:r>
             <a:r>
               <a:rPr lang="en-CA" sz="1600" dirty="0" smtClean="0">
                 <a:latin typeface="Courier New" panose="02070309020205020404" pitchFamily="49" charset="0"/>
                 <a:cs typeface="Courier New" panose="02070309020205020404" pitchFamily="49" charset="0"/>
               </a:rPr>
-              <a:t>return </a:t>
+              <a:t>:  return </a:t>
             </a:r>
             <a:r>
               <a:rPr lang="en-CA" sz="1600" dirty="0" err="1">
@@ -36849,7 +37075,14 @@
                 <a:latin typeface="Courier New" panose="02070309020205020404" pitchFamily="49" charset="0"/>
                 <a:cs typeface="Courier New" panose="02070309020205020404" pitchFamily="49" charset="0"/>
               </a:rPr>
-              <a:t>(BLOCK_BITMAP_TYPE_ID, processor</a:t>
+              <a:t>(BLOCK_BITMAP_TYPE_ID, </a:t>
+            </a:r>
+            <a:r>
+              <a:rPr lang="en-CA" sz="1600" dirty="0" err="1" smtClean="0">
+                <a:latin typeface="Courier New" panose="02070309020205020404" pitchFamily="49" charset="0"/>
+                <a:cs typeface="Courier New" panose="02070309020205020404" pitchFamily="49" charset="0"/>
+              </a:rPr>
+              <a:t>process_block_bitmap</a:t>
             </a:r>
             <a:r>
               <a:rPr lang="en-CA" sz="1600" dirty="0" smtClean="0">
@@ -36858,6 +37091,10 @@
               </a:rPr>
               <a:t>);</a:t>
             </a:r>
+            <a:endParaRPr lang="en-CA" sz="1600" dirty="0" smtClean="0">
+              <a:latin typeface="Courier New" panose="02070309020205020404" pitchFamily="49" charset="0"/>
+              <a:cs typeface="Courier New" panose="02070309020205020404" pitchFamily="49" charset="0"/>
+            </a:endParaRPr>
           </a:p>
           <a:p>
             <a:pPr marL="0" indent="0">
@@ -37376,7 +37613,7 @@
             <a:fld id="{7B2023C8-B124-43A9-8F92-0EEF5BAA9995}" type="slidenum">
               <a:rPr lang="en-CA" smtClean="0"/>
               <a:pPr/>
-              <a:t>25</a:t>
+              <a:t>26</a:t>
             </a:fld>
             <a:endParaRPr lang="en-CA" dirty="0"/>
           </a:p>
@@ -37392,199 +37629,13 @@
   <p:clrMapOvr>
     <a:masterClrMapping/>
   </p:clrMapOvr>
-</p:sld>
-</file>
-
-<file path=ppt/slides/slide26.xml><?xml version="1.0" encoding="utf-8"?>
-<p:sld xmlns:a="http://schemas.openxmlformats.org/drawingml/2006/main" xmlns:r="http://schemas.openxmlformats.org/officeDocument/2006/relationships" xmlns:p="http://schemas.openxmlformats.org/presentationml/2006/main">
-  <p:cSld>
-    <p:spTree>
-      <p:nvGrpSpPr>
-        <p:cNvPr id="1" name=""/>
-        <p:cNvGrpSpPr/>
-        <p:nvPr/>
-      </p:nvGrpSpPr>
-      <p:grpSpPr>
-        <a:xfrm>
-          <a:off x="0" y="0"/>
-          <a:ext cx="0" cy="0"/>
-          <a:chOff x="0" y="0"/>
-          <a:chExt cx="0" cy="0"/>
-        </a:xfrm>
-      </p:grpSpPr>
-      <p:sp>
-        <p:nvSpPr>
-          <p:cNvPr id="2" name="Title 1"/>
-          <p:cNvSpPr>
-            <a:spLocks noGrp="1"/>
-          </p:cNvSpPr>
-          <p:nvPr>
-            <p:ph type="title"/>
-          </p:nvPr>
-        </p:nvSpPr>
-        <p:spPr/>
-        <p:txBody>
-          <a:bodyPr/>
-          <a:lstStyle/>
-          <a:p>
-            <a:r>
-              <a:rPr lang="en-CA" dirty="0" smtClean="0"/>
-              <a:t>Offline Spiffy Applications</a:t>
-            </a:r>
-            <a:endParaRPr lang="en-CA" dirty="0"/>
-          </a:p>
-        </p:txBody>
-      </p:sp>
-      <p:sp>
-        <p:nvSpPr>
-          <p:cNvPr id="3" name="Content Placeholder 2"/>
-          <p:cNvSpPr>
-            <a:spLocks noGrp="1"/>
-          </p:cNvSpPr>
-          <p:nvPr>
-            <p:ph idx="1"/>
-          </p:nvPr>
-        </p:nvSpPr>
-        <p:spPr/>
-        <p:txBody>
-          <a:bodyPr>
-            <a:noAutofit/>
-          </a:bodyPr>
-          <a:lstStyle/>
-          <a:p>
-            <a:r>
-              <a:rPr lang="en-CA" dirty="0" smtClean="0"/>
-              <a:t>Offline applications</a:t>
-            </a:r>
-          </a:p>
-          <a:p>
-            <a:pPr lvl="1"/>
-            <a:r>
-              <a:rPr lang="en-CA" dirty="0" smtClean="0"/>
-              <a:t>Full traversal, customizable, filter-based policies</a:t>
-            </a:r>
-          </a:p>
-          <a:p>
-            <a:pPr lvl="1"/>
-            <a:r>
-              <a:rPr lang="en-CA" dirty="0" smtClean="0"/>
-              <a:t>File System Dump Tool</a:t>
-            </a:r>
-          </a:p>
-          <a:p>
-            <a:pPr lvl="2"/>
-            <a:r>
-              <a:rPr lang="en-CA" dirty="0" smtClean="0"/>
-              <a:t>Prints out all metadata in a file system</a:t>
-            </a:r>
-          </a:p>
-          <a:p>
-            <a:pPr lvl="1"/>
-            <a:r>
-              <a:rPr lang="en-CA" dirty="0" smtClean="0"/>
-              <a:t>Type-Specific File System Corruptor</a:t>
-            </a:r>
-          </a:p>
-          <a:p>
-            <a:pPr lvl="2"/>
-            <a:r>
-              <a:rPr lang="en-CA" dirty="0" smtClean="0"/>
-              <a:t>Finds and corrupts a field in a specified structure</a:t>
-            </a:r>
-          </a:p>
-          <a:p>
-            <a:pPr lvl="1"/>
-            <a:r>
-              <a:rPr lang="en-CA" dirty="0" smtClean="0"/>
-              <a:t>Free Space </a:t>
-            </a:r>
-            <a:r>
-              <a:rPr lang="en-CA" dirty="0" smtClean="0"/>
-              <a:t>Display </a:t>
-            </a:r>
-            <a:r>
-              <a:rPr lang="en-CA" dirty="0" smtClean="0"/>
-              <a:t>Tool</a:t>
-            </a:r>
-          </a:p>
-          <a:p>
-            <a:pPr lvl="1"/>
-            <a:r>
-              <a:rPr lang="en-CA" dirty="0" smtClean="0"/>
-              <a:t>File System Conversion Tool</a:t>
-            </a:r>
-          </a:p>
-          <a:p>
-            <a:pPr lvl="2"/>
-            <a:r>
-              <a:rPr lang="en-CA" dirty="0" smtClean="0"/>
-              <a:t>Converts from one file system to another while minimizes moving of data blocks</a:t>
-            </a:r>
-          </a:p>
-          <a:p>
-            <a:pPr lvl="2"/>
-            <a:r>
-              <a:rPr lang="en-CA" dirty="0" smtClean="0"/>
-              <a:t>Faster than copying to a difference device, reformat, and copy back</a:t>
-            </a:r>
-            <a:br>
-              <a:rPr lang="en-CA" dirty="0" smtClean="0"/>
-            </a:br>
-            <a:r>
-              <a:rPr lang="en-CA" dirty="0" smtClean="0"/>
-              <a:t>	</a:t>
-            </a:r>
-          </a:p>
-          <a:p>
-            <a:pPr marL="914400" lvl="2" indent="0">
-              <a:buNone/>
-            </a:pPr>
-            <a:r>
-              <a:rPr lang="en-CA" dirty="0"/>
-              <a:t>	</a:t>
-            </a:r>
-            <a:endParaRPr lang="en-CA" dirty="0" smtClean="0"/>
-          </a:p>
-          <a:p>
-            <a:pPr lvl="1"/>
-            <a:endParaRPr lang="en-CA" dirty="0"/>
-          </a:p>
-        </p:txBody>
-      </p:sp>
-      <p:sp>
-        <p:nvSpPr>
-          <p:cNvPr id="5" name="Slide Number Placeholder 4"/>
-          <p:cNvSpPr>
-            <a:spLocks noGrp="1"/>
-          </p:cNvSpPr>
-          <p:nvPr>
-            <p:ph type="sldNum" sz="quarter" idx="12"/>
-          </p:nvPr>
-        </p:nvSpPr>
-        <p:spPr/>
-        <p:txBody>
-          <a:bodyPr/>
-          <a:lstStyle/>
-          <a:p>
-            <a:fld id="{7B2023C8-B124-43A9-8F92-0EEF5BAA9995}" type="slidenum">
-              <a:rPr lang="en-CA" smtClean="0"/>
-              <a:pPr/>
-              <a:t>26</a:t>
-            </a:fld>
-            <a:endParaRPr lang="en-CA" dirty="0"/>
-          </a:p>
-        </p:txBody>
-      </p:sp>
-    </p:spTree>
-    <p:extLst>
-      <p:ext uri="{BB962C8B-B14F-4D97-AF65-F5344CB8AC3E}">
-        <p14:creationId xmlns:p14="http://schemas.microsoft.com/office/powerpoint/2010/main" val="1364355086"/>
-      </p:ext>
-    </p:extLst>
-  </p:cSld>
-  <p:clrMapOvr>
-    <a:masterClrMapping/>
-  </p:clrMapOvr>
+  <p:timing>
+    <p:tnLst>
+      <p:par>
+        <p:cTn id="1" dur="indefinite" restart="never" nodeType="tmRoot"/>
+      </p:par>
+    </p:tnLst>
+  </p:timing>
 </p:sld>
 </file>
 
@@ -37621,8 +37672,8 @@
           <a:lstStyle/>
           <a:p>
             <a:r>
-              <a:rPr lang="en-CA" smtClean="0"/>
-              <a:t>Online Spiffy Applications</a:t>
+              <a:rPr lang="en-CA" dirty="0" smtClean="0"/>
+              <a:t>Offline Spiffy Applications</a:t>
             </a:r>
             <a:endParaRPr lang="en-CA" dirty="0"/>
           </a:p>
@@ -37647,94 +37698,77 @@
           <a:p>
             <a:r>
               <a:rPr lang="en-CA" dirty="0" smtClean="0"/>
-              <a:t>Online applications</a:t>
+              <a:t>Offline applications</a:t>
             </a:r>
           </a:p>
           <a:p>
             <a:pPr lvl="1"/>
             <a:r>
               <a:rPr lang="en-CA" dirty="0" smtClean="0"/>
-              <a:t>Pointer-based, partial traversal</a:t>
+              <a:t>Full traversal, customizable, filter-based policies</a:t>
             </a:r>
           </a:p>
           <a:p>
             <a:pPr lvl="1"/>
             <a:r>
               <a:rPr lang="en-CA" dirty="0" smtClean="0"/>
-              <a:t>Differentiated Block Layer Cache</a:t>
+              <a:t>File System Dump Tool</a:t>
             </a:r>
           </a:p>
           <a:p>
             <a:pPr lvl="2"/>
             <a:r>
-              <a:rPr lang="en-CA" dirty="0"/>
-              <a:t>Typically difficult to </a:t>
-            </a:r>
-            <a:r>
               <a:rPr lang="en-CA" dirty="0" smtClean="0"/>
-              <a:t>implement</a:t>
+              <a:t>Prints out all metadata in a file system</a:t>
+            </a:r>
+          </a:p>
+          <a:p>
+            <a:pPr lvl="1"/>
+            <a:r>
+              <a:rPr lang="en-CA" dirty="0" smtClean="0"/>
+              <a:t>Type-Specific File System Corruptor</a:t>
             </a:r>
           </a:p>
           <a:p>
             <a:pPr lvl="2"/>
             <a:r>
               <a:rPr lang="en-CA" dirty="0" smtClean="0"/>
-              <a:t> requires file system to provide hints to block layer</a:t>
+              <a:t>Finds and corrupts a field in a specified structure</a:t>
             </a:r>
           </a:p>
           <a:p>
             <a:pPr lvl="1"/>
             <a:r>
-              <a:rPr lang="en-CA" dirty="0"/>
-              <a:t>Runtime Interpretation</a:t>
+              <a:rPr lang="en-CA" dirty="0" smtClean="0"/>
+              <a:t>Free Space Display Tool</a:t>
+            </a:r>
+          </a:p>
+          <a:p>
+            <a:pPr lvl="1"/>
+            <a:r>
+              <a:rPr lang="en-CA" dirty="0" smtClean="0"/>
+              <a:t>File System Conversion Tool</a:t>
             </a:r>
           </a:p>
           <a:p>
             <a:pPr lvl="2"/>
             <a:r>
-              <a:rPr lang="en-CA" dirty="0"/>
-              <a:t>Classifies file system IO at the block layer</a:t>
+              <a:rPr lang="en-CA" dirty="0" smtClean="0"/>
+              <a:t>Converts from one file system to another while minimizes moving of data blocks</a:t>
             </a:r>
           </a:p>
           <a:p>
             <a:pPr lvl="2"/>
             <a:r>
-              <a:rPr lang="en-CA"/>
-              <a:t>Requires </a:t>
-            </a:r>
-            <a:r>
-              <a:rPr lang="en-CA" i="1"/>
-              <a:t>no</a:t>
-            </a:r>
-            <a:r>
-              <a:rPr lang="en-CA"/>
-              <a:t> modification to file </a:t>
-            </a:r>
-            <a:r>
-              <a:rPr lang="en-CA" smtClean="0"/>
-              <a:t>system</a:t>
-            </a:r>
-            <a:endParaRPr lang="en-CA" dirty="0"/>
-          </a:p>
-          <a:p>
-            <a:pPr lvl="1"/>
-            <a:r>
               <a:rPr lang="en-CA" dirty="0" smtClean="0"/>
-              <a:t>Spiffy Block Layer Cache</a:t>
-            </a:r>
-          </a:p>
-          <a:p>
-            <a:pPr lvl="2"/>
-            <a:r>
+              <a:t>Faster than copying to a difference device, reformat, and copy back</a:t>
+            </a:r>
+            <a:br>
               <a:rPr lang="en-CA" dirty="0" smtClean="0"/>
-              <a:t>Utilizes runtime interpretation module</a:t>
-            </a:r>
-          </a:p>
-          <a:p>
-            <a:pPr lvl="2"/>
+            </a:br>
             <a:r>
               <a:rPr lang="en-CA" dirty="0" smtClean="0"/>
-              <a:t>Preferentially caches files belonging to specified user(s)</a:t>
+              <a:t>	</a:t>
             </a:r>
           </a:p>
           <a:p>
@@ -37780,13 +37814,20 @@
     </p:spTree>
     <p:extLst>
       <p:ext uri="{BB962C8B-B14F-4D97-AF65-F5344CB8AC3E}">
-        <p14:creationId xmlns:p14="http://schemas.microsoft.com/office/powerpoint/2010/main" val="2815511303"/>
+        <p14:creationId xmlns:p14="http://schemas.microsoft.com/office/powerpoint/2010/main" val="1364355086"/>
       </p:ext>
     </p:extLst>
   </p:cSld>
   <p:clrMapOvr>
     <a:masterClrMapping/>
   </p:clrMapOvr>
+  <p:timing>
+    <p:tnLst>
+      <p:par>
+        <p:cTn id="1" dur="indefinite" restart="never" nodeType="tmRoot"/>
+      </p:par>
+    </p:tnLst>
+  </p:timing>
 </p:sld>
 </file>
 
@@ -37823,6 +37864,213 @@
           <a:lstStyle/>
           <a:p>
             <a:r>
+              <a:rPr lang="en-CA" smtClean="0"/>
+              <a:t>Online Spiffy Applications</a:t>
+            </a:r>
+            <a:endParaRPr lang="en-CA" dirty="0"/>
+          </a:p>
+        </p:txBody>
+      </p:sp>
+      <p:sp>
+        <p:nvSpPr>
+          <p:cNvPr id="3" name="Content Placeholder 2"/>
+          <p:cNvSpPr>
+            <a:spLocks noGrp="1"/>
+          </p:cNvSpPr>
+          <p:nvPr>
+            <p:ph idx="1"/>
+          </p:nvPr>
+        </p:nvSpPr>
+        <p:spPr/>
+        <p:txBody>
+          <a:bodyPr>
+            <a:noAutofit/>
+          </a:bodyPr>
+          <a:lstStyle/>
+          <a:p>
+            <a:r>
+              <a:rPr lang="en-CA" dirty="0" smtClean="0"/>
+              <a:t>Online </a:t>
+            </a:r>
+            <a:r>
+              <a:rPr lang="en-CA" dirty="0" smtClean="0"/>
+              <a:t>applications</a:t>
+            </a:r>
+            <a:endParaRPr lang="en-CA" dirty="0" smtClean="0"/>
+          </a:p>
+          <a:p>
+            <a:pPr lvl="1"/>
+            <a:r>
+              <a:rPr lang="en-CA" dirty="0" smtClean="0"/>
+              <a:t>Differentiated Block Layer Cache</a:t>
+            </a:r>
+          </a:p>
+          <a:p>
+            <a:pPr lvl="2"/>
+            <a:r>
+              <a:rPr lang="en-CA" dirty="0"/>
+              <a:t>Typically difficult to </a:t>
+            </a:r>
+            <a:r>
+              <a:rPr lang="en-CA" dirty="0" smtClean="0"/>
+              <a:t>implement</a:t>
+            </a:r>
+          </a:p>
+          <a:p>
+            <a:pPr lvl="2"/>
+            <a:r>
+              <a:rPr lang="en-CA" dirty="0" smtClean="0"/>
+              <a:t> requires file system to provide hints to block layer</a:t>
+            </a:r>
+          </a:p>
+          <a:p>
+            <a:pPr lvl="1"/>
+            <a:r>
+              <a:rPr lang="en-CA" dirty="0"/>
+              <a:t>Runtime Interpretation</a:t>
+            </a:r>
+          </a:p>
+          <a:p>
+            <a:pPr lvl="2"/>
+            <a:r>
+              <a:rPr lang="en-CA" dirty="0"/>
+              <a:t>Classifies file system IO at the block layer</a:t>
+            </a:r>
+          </a:p>
+          <a:p>
+            <a:pPr lvl="2"/>
+            <a:r>
+              <a:rPr lang="en-CA" dirty="0"/>
+              <a:t>Requires </a:t>
+            </a:r>
+            <a:r>
+              <a:rPr lang="en-CA" i="1" dirty="0"/>
+              <a:t>no</a:t>
+            </a:r>
+            <a:r>
+              <a:rPr lang="en-CA" dirty="0"/>
+              <a:t> modification to file </a:t>
+            </a:r>
+            <a:r>
+              <a:rPr lang="en-CA" dirty="0" smtClean="0"/>
+              <a:t>system</a:t>
+            </a:r>
+            <a:endParaRPr lang="en-CA" dirty="0"/>
+          </a:p>
+          <a:p>
+            <a:pPr lvl="1"/>
+            <a:r>
+              <a:rPr lang="en-CA" dirty="0" smtClean="0"/>
+              <a:t>Spiffy Block Layer Cache</a:t>
+            </a:r>
+          </a:p>
+          <a:p>
+            <a:pPr lvl="2"/>
+            <a:r>
+              <a:rPr lang="en-CA" dirty="0" smtClean="0"/>
+              <a:t>Utilizes runtime interpretation module</a:t>
+            </a:r>
+          </a:p>
+          <a:p>
+            <a:pPr lvl="2"/>
+            <a:r>
+              <a:rPr lang="en-CA" dirty="0" smtClean="0"/>
+              <a:t>Preferentially caches files belonging to specified user(s)</a:t>
+            </a:r>
+          </a:p>
+          <a:p>
+            <a:pPr marL="914400" lvl="2" indent="0">
+              <a:buNone/>
+            </a:pPr>
+            <a:r>
+              <a:rPr lang="en-CA" dirty="0"/>
+              <a:t>	</a:t>
+            </a:r>
+            <a:endParaRPr lang="en-CA" dirty="0" smtClean="0"/>
+          </a:p>
+          <a:p>
+            <a:pPr lvl="1"/>
+            <a:endParaRPr lang="en-CA" dirty="0"/>
+          </a:p>
+        </p:txBody>
+      </p:sp>
+      <p:sp>
+        <p:nvSpPr>
+          <p:cNvPr id="5" name="Slide Number Placeholder 4"/>
+          <p:cNvSpPr>
+            <a:spLocks noGrp="1"/>
+          </p:cNvSpPr>
+          <p:nvPr>
+            <p:ph type="sldNum" sz="quarter" idx="12"/>
+          </p:nvPr>
+        </p:nvSpPr>
+        <p:spPr/>
+        <p:txBody>
+          <a:bodyPr/>
+          <a:lstStyle/>
+          <a:p>
+            <a:fld id="{7B2023C8-B124-43A9-8F92-0EEF5BAA9995}" type="slidenum">
+              <a:rPr lang="en-CA" smtClean="0"/>
+              <a:pPr/>
+              <a:t>28</a:t>
+            </a:fld>
+            <a:endParaRPr lang="en-CA" dirty="0"/>
+          </a:p>
+        </p:txBody>
+      </p:sp>
+    </p:spTree>
+    <p:extLst>
+      <p:ext uri="{BB962C8B-B14F-4D97-AF65-F5344CB8AC3E}">
+        <p14:creationId xmlns:p14="http://schemas.microsoft.com/office/powerpoint/2010/main" val="2815511303"/>
+      </p:ext>
+    </p:extLst>
+  </p:cSld>
+  <p:clrMapOvr>
+    <a:masterClrMapping/>
+  </p:clrMapOvr>
+  <p:timing>
+    <p:tnLst>
+      <p:par>
+        <p:cTn id="1" dur="indefinite" restart="never" nodeType="tmRoot"/>
+      </p:par>
+    </p:tnLst>
+  </p:timing>
+</p:sld>
+</file>
+
+<file path=ppt/slides/slide29.xml><?xml version="1.0" encoding="utf-8"?>
+<p:sld xmlns:a="http://schemas.openxmlformats.org/drawingml/2006/main" xmlns:r="http://schemas.openxmlformats.org/officeDocument/2006/relationships" xmlns:p="http://schemas.openxmlformats.org/presentationml/2006/main">
+  <p:cSld>
+    <p:spTree>
+      <p:nvGrpSpPr>
+        <p:cNvPr id="1" name=""/>
+        <p:cNvGrpSpPr/>
+        <p:nvPr/>
+      </p:nvGrpSpPr>
+      <p:grpSpPr>
+        <a:xfrm>
+          <a:off x="0" y="0"/>
+          <a:ext cx="0" cy="0"/>
+          <a:chOff x="0" y="0"/>
+          <a:chExt cx="0" cy="0"/>
+        </a:xfrm>
+      </p:grpSpPr>
+      <p:sp>
+        <p:nvSpPr>
+          <p:cNvPr id="2" name="Title 1"/>
+          <p:cNvSpPr>
+            <a:spLocks noGrp="1"/>
+          </p:cNvSpPr>
+          <p:nvPr>
+            <p:ph type="title"/>
+          </p:nvPr>
+        </p:nvSpPr>
+        <p:spPr/>
+        <p:txBody>
+          <a:bodyPr/>
+          <a:lstStyle/>
+          <a:p>
+            <a:r>
               <a:rPr lang="en-CA" dirty="0" smtClean="0"/>
               <a:t>Evaluation: Programming </a:t>
             </a:r>
@@ -37919,21 +38167,21 @@
                 <a:gridCol w="3593986">
                   <a:extLst>
                     <a:ext uri="{9D8B030D-6E8A-4147-A177-3AD203B41FA5}">
-                      <a16:colId xmlns:a16="http://schemas.microsoft.com/office/drawing/2014/main" xmlns="" val="20000"/>
+                      <a16:colId xmlns="" xmlns:a16="http://schemas.microsoft.com/office/drawing/2014/main" val="20000"/>
                     </a:ext>
                   </a:extLst>
                 </a:gridCol>
                 <a:gridCol w="2017336">
                   <a:extLst>
                     <a:ext uri="{9D8B030D-6E8A-4147-A177-3AD203B41FA5}">
-                      <a16:colId xmlns:a16="http://schemas.microsoft.com/office/drawing/2014/main" xmlns="" val="20001"/>
+                      <a16:colId xmlns="" xmlns:a16="http://schemas.microsoft.com/office/drawing/2014/main" val="20001"/>
                     </a:ext>
                   </a:extLst>
                 </a:gridCol>
                 <a:gridCol w="3289955">
                   <a:extLst>
                     <a:ext uri="{9D8B030D-6E8A-4147-A177-3AD203B41FA5}">
-                      <a16:colId xmlns:a16="http://schemas.microsoft.com/office/drawing/2014/main" xmlns="" val="20002"/>
+                      <a16:colId xmlns="" xmlns:a16="http://schemas.microsoft.com/office/drawing/2014/main" val="20002"/>
                     </a:ext>
                   </a:extLst>
                 </a:gridCol>
@@ -38023,7 +38271,7 @@
                 </a:tc>
                 <a:extLst>
                   <a:ext uri="{0D108BD9-81ED-4DB2-BD59-A6C34878D82A}">
-                    <a16:rowId xmlns:a16="http://schemas.microsoft.com/office/drawing/2014/main" xmlns="" val="10000"/>
+                    <a16:rowId xmlns="" xmlns:a16="http://schemas.microsoft.com/office/drawing/2014/main" val="10000"/>
                   </a:ext>
                 </a:extLst>
               </a:tr>
@@ -38096,7 +38344,7 @@
                 </a:tc>
                 <a:extLst>
                   <a:ext uri="{0D108BD9-81ED-4DB2-BD59-A6C34878D82A}">
-                    <a16:rowId xmlns:a16="http://schemas.microsoft.com/office/drawing/2014/main" xmlns="" val="10001"/>
+                    <a16:rowId xmlns="" xmlns:a16="http://schemas.microsoft.com/office/drawing/2014/main" val="10001"/>
                   </a:ext>
                 </a:extLst>
               </a:tr>
@@ -38177,7 +38425,7 @@
                 </a:tc>
                 <a:extLst>
                   <a:ext uri="{0D108BD9-81ED-4DB2-BD59-A6C34878D82A}">
-                    <a16:rowId xmlns:a16="http://schemas.microsoft.com/office/drawing/2014/main" xmlns="" val="10002"/>
+                    <a16:rowId xmlns="" xmlns:a16="http://schemas.microsoft.com/office/drawing/2014/main" val="10002"/>
                   </a:ext>
                 </a:extLst>
               </a:tr>
@@ -38258,7 +38506,7 @@
                 </a:tc>
                 <a:extLst>
                   <a:ext uri="{0D108BD9-81ED-4DB2-BD59-A6C34878D82A}">
-                    <a16:rowId xmlns:a16="http://schemas.microsoft.com/office/drawing/2014/main" xmlns="" val="10003"/>
+                    <a16:rowId xmlns="" xmlns:a16="http://schemas.microsoft.com/office/drawing/2014/main" val="10003"/>
                   </a:ext>
                 </a:extLst>
               </a:tr>
@@ -38355,7 +38603,7 @@
                 </a:tc>
                 <a:extLst>
                   <a:ext uri="{0D108BD9-81ED-4DB2-BD59-A6C34878D82A}">
-                    <a16:rowId xmlns:a16="http://schemas.microsoft.com/office/drawing/2014/main" xmlns="" val="10004"/>
+                    <a16:rowId xmlns="" xmlns:a16="http://schemas.microsoft.com/office/drawing/2014/main" val="10004"/>
                   </a:ext>
                 </a:extLst>
               </a:tr>
@@ -38460,7 +38708,7 @@
                 </a:tc>
                 <a:extLst>
                   <a:ext uri="{0D108BD9-81ED-4DB2-BD59-A6C34878D82A}">
-                    <a16:rowId xmlns:a16="http://schemas.microsoft.com/office/drawing/2014/main" xmlns="" val="10005"/>
+                    <a16:rowId xmlns="" xmlns:a16="http://schemas.microsoft.com/office/drawing/2014/main" val="10005"/>
                   </a:ext>
                 </a:extLst>
               </a:tr>
@@ -38525,7 +38773,7 @@
                 </a:tc>
                 <a:extLst>
                   <a:ext uri="{0D108BD9-81ED-4DB2-BD59-A6C34878D82A}">
-                    <a16:rowId xmlns:a16="http://schemas.microsoft.com/office/drawing/2014/main" xmlns="" val="10006"/>
+                    <a16:rowId xmlns="" xmlns:a16="http://schemas.microsoft.com/office/drawing/2014/main" val="10006"/>
                   </a:ext>
                 </a:extLst>
               </a:tr>
@@ -38610,7 +38858,7 @@
                 </a:tc>
                 <a:extLst>
                   <a:ext uri="{0D108BD9-81ED-4DB2-BD59-A6C34878D82A}">
-                    <a16:rowId xmlns:a16="http://schemas.microsoft.com/office/drawing/2014/main" xmlns="" val="10007"/>
+                    <a16:rowId xmlns="" xmlns:a16="http://schemas.microsoft.com/office/drawing/2014/main" val="10007"/>
                   </a:ext>
                 </a:extLst>
               </a:tr>
@@ -38708,7 +38956,7 @@
                 </a:tc>
                 <a:extLst>
                   <a:ext uri="{0D108BD9-81ED-4DB2-BD59-A6C34878D82A}">
-                    <a16:rowId xmlns:a16="http://schemas.microsoft.com/office/drawing/2014/main" xmlns="" val="10008"/>
+                    <a16:rowId xmlns="" xmlns:a16="http://schemas.microsoft.com/office/drawing/2014/main" val="10008"/>
                   </a:ext>
                 </a:extLst>
               </a:tr>
@@ -38734,7 +38982,7 @@
             <a:fld id="{7B2023C8-B124-43A9-8F92-0EEF5BAA9995}" type="slidenum">
               <a:rPr lang="en-CA" smtClean="0"/>
               <a:pPr/>
-              <a:t>28</a:t>
+              <a:t>29</a:t>
             </a:fld>
             <a:endParaRPr lang="en-CA" dirty="0"/>
           </a:p>
@@ -38760,7 +39008,7 @@
 </p:sld>
 </file>
 
-<file path=ppt/slides/slide29.xml><?xml version="1.0" encoding="utf-8"?>
+<file path=ppt/slides/slide3.xml><?xml version="1.0" encoding="utf-8"?>
 <p:sld xmlns:a="http://schemas.openxmlformats.org/drawingml/2006/main" xmlns:r="http://schemas.openxmlformats.org/officeDocument/2006/relationships" xmlns:p="http://schemas.openxmlformats.org/presentationml/2006/main">
   <p:cSld>
     <p:spTree>
@@ -38794,6 +39042,273 @@
           <a:p>
             <a:r>
               <a:rPr lang="en-CA" dirty="0" smtClean="0"/>
+              <a:t>Problem</a:t>
+            </a:r>
+            <a:endParaRPr lang="en-CA" dirty="0"/>
+          </a:p>
+        </p:txBody>
+      </p:sp>
+      <p:sp>
+        <p:nvSpPr>
+          <p:cNvPr id="3" name="Content Placeholder 2"/>
+          <p:cNvSpPr>
+            <a:spLocks noGrp="1"/>
+          </p:cNvSpPr>
+          <p:nvPr>
+            <p:ph idx="1"/>
+          </p:nvPr>
+        </p:nvSpPr>
+        <p:spPr>
+          <a:xfrm>
+            <a:off x="684211" y="1515358"/>
+            <a:ext cx="10285797" cy="4866587"/>
+          </a:xfrm>
+        </p:spPr>
+        <p:txBody>
+          <a:bodyPr>
+            <a:normAutofit/>
+          </a:bodyPr>
+          <a:lstStyle/>
+          <a:p>
+            <a:r>
+              <a:rPr lang="en-CA" dirty="0" smtClean="0"/>
+              <a:t>Each </a:t>
+            </a:r>
+            <a:r>
+              <a:rPr lang="en-CA" dirty="0"/>
+              <a:t>file system has to develop its own set of tools from scratch</a:t>
+            </a:r>
+          </a:p>
+          <a:p>
+            <a:r>
+              <a:rPr lang="en-CA" dirty="0"/>
+              <a:t>Only file-system experts develop such </a:t>
+            </a:r>
+            <a:r>
+              <a:rPr lang="en-CA" dirty="0" smtClean="0"/>
+              <a:t>tools</a:t>
+            </a:r>
+          </a:p>
+          <a:p>
+            <a:r>
+              <a:rPr lang="en-CA" dirty="0"/>
+              <a:t>Bugs lead to system crash, data corruption, security vulnerability</a:t>
+            </a:r>
+          </a:p>
+          <a:p>
+            <a:endParaRPr lang="en-CA" dirty="0" smtClean="0"/>
+          </a:p>
+          <a:p>
+            <a:r>
+              <a:rPr lang="en-CA" dirty="0" smtClean="0"/>
+              <a:t>Example</a:t>
+            </a:r>
+            <a:r>
+              <a:rPr lang="en-CA" dirty="0"/>
+              <a:t>: bug 723343 in </a:t>
+            </a:r>
+            <a:r>
+              <a:rPr lang="en-CA" dirty="0" err="1"/>
+              <a:t>ntfsprogs</a:t>
+            </a:r>
+            <a:endParaRPr lang="en-CA" dirty="0"/>
+          </a:p>
+          <a:p>
+            <a:pPr lvl="1"/>
+            <a:r>
+              <a:rPr lang="en-CA" dirty="0"/>
+              <a:t>NTFS stores the size of </a:t>
+            </a:r>
+            <a:r>
+              <a:rPr lang="en-CA" dirty="0" smtClean="0"/>
+              <a:t>MFT </a:t>
+            </a:r>
+            <a:r>
+              <a:rPr lang="en-CA" dirty="0"/>
+              <a:t>record as either</a:t>
+            </a:r>
+            <a:r>
+              <a:rPr lang="en-CA" dirty="0" smtClean="0"/>
+              <a:t>:</a:t>
+            </a:r>
+          </a:p>
+          <a:p>
+            <a:pPr lvl="2"/>
+            <a:r>
+              <a:rPr lang="en-CA" dirty="0"/>
+              <a:t>if </a:t>
+            </a:r>
+            <a:r>
+              <a:rPr lang="en-CA" i="1" dirty="0"/>
+              <a:t>value</a:t>
+            </a:r>
+            <a:r>
+              <a:rPr lang="en-CA" dirty="0"/>
+              <a:t> &gt; </a:t>
+            </a:r>
+            <a:r>
+              <a:rPr lang="en-CA" dirty="0" smtClean="0"/>
+              <a:t>0, size = #</a:t>
+            </a:r>
+            <a:r>
+              <a:rPr lang="en-CA" dirty="0" smtClean="0"/>
+              <a:t> </a:t>
+            </a:r>
+            <a:r>
+              <a:rPr lang="en-CA" dirty="0"/>
+              <a:t>of clusters per </a:t>
+            </a:r>
+            <a:r>
+              <a:rPr lang="en-CA" dirty="0" smtClean="0"/>
+              <a:t>record</a:t>
+            </a:r>
+          </a:p>
+          <a:p>
+            <a:pPr lvl="2"/>
+            <a:r>
+              <a:rPr lang="en-CA" dirty="0"/>
+              <a:t>if </a:t>
+            </a:r>
+            <a:r>
+              <a:rPr lang="en-CA" i="1" dirty="0"/>
+              <a:t>value</a:t>
+            </a:r>
+            <a:r>
+              <a:rPr lang="en-CA" dirty="0"/>
+              <a:t> &lt; </a:t>
+            </a:r>
+            <a:r>
+              <a:rPr lang="en-CA" dirty="0" smtClean="0"/>
+              <a:t>0, size = </a:t>
+            </a:r>
+            <a:r>
+              <a:rPr lang="en-CA" dirty="0" smtClean="0"/>
+              <a:t> 2</a:t>
+            </a:r>
+            <a:r>
+              <a:rPr lang="en-CA" baseline="30000" dirty="0" smtClean="0"/>
+              <a:t>|</a:t>
+            </a:r>
+            <a:r>
+              <a:rPr lang="en-CA" i="1" baseline="30000" dirty="0" smtClean="0"/>
+              <a:t>value</a:t>
+            </a:r>
+            <a:r>
+              <a:rPr lang="en-CA" baseline="30000" dirty="0" smtClean="0"/>
+              <a:t>|</a:t>
+            </a:r>
+            <a:endParaRPr lang="en-CA" dirty="0"/>
+          </a:p>
+          <a:p>
+            <a:pPr lvl="1"/>
+            <a:r>
+              <a:rPr lang="en-CA" dirty="0" err="1" smtClean="0"/>
+              <a:t>ntfsprogs</a:t>
+            </a:r>
+            <a:r>
+              <a:rPr lang="en-CA" dirty="0" smtClean="0"/>
+              <a:t> </a:t>
+            </a:r>
+            <a:r>
+              <a:rPr lang="en-CA" dirty="0" smtClean="0"/>
+              <a:t>misinterprets this </a:t>
+            </a:r>
+            <a:r>
+              <a:rPr lang="en-CA" dirty="0" smtClean="0"/>
+              <a:t>field</a:t>
+            </a:r>
+            <a:r>
+              <a:rPr lang="en-CA" dirty="0" smtClean="0"/>
+              <a:t>, corrupting </a:t>
+            </a:r>
+            <a:r>
+              <a:rPr lang="en-CA" dirty="0"/>
+              <a:t>NTFS during partition resizing</a:t>
+            </a:r>
+          </a:p>
+          <a:p>
+            <a:endParaRPr lang="en-CA" dirty="0"/>
+          </a:p>
+        </p:txBody>
+      </p:sp>
+      <p:sp>
+        <p:nvSpPr>
+          <p:cNvPr id="6" name="Slide Number Placeholder 5"/>
+          <p:cNvSpPr>
+            <a:spLocks noGrp="1"/>
+          </p:cNvSpPr>
+          <p:nvPr>
+            <p:ph type="sldNum" sz="quarter" idx="12"/>
+          </p:nvPr>
+        </p:nvSpPr>
+        <p:spPr/>
+        <p:txBody>
+          <a:bodyPr/>
+          <a:lstStyle/>
+          <a:p>
+            <a:fld id="{7B2023C8-B124-43A9-8F92-0EEF5BAA9995}" type="slidenum">
+              <a:rPr lang="en-CA" smtClean="0"/>
+              <a:pPr/>
+              <a:t>3</a:t>
+            </a:fld>
+            <a:endParaRPr lang="en-CA" dirty="0"/>
+          </a:p>
+        </p:txBody>
+      </p:sp>
+    </p:spTree>
+    <p:extLst>
+      <p:ext uri="{BB962C8B-B14F-4D97-AF65-F5344CB8AC3E}">
+        <p14:creationId xmlns:p14="http://schemas.microsoft.com/office/powerpoint/2010/main" val="368325232"/>
+      </p:ext>
+    </p:extLst>
+  </p:cSld>
+  <p:clrMapOvr>
+    <a:masterClrMapping/>
+  </p:clrMapOvr>
+  <p:timing>
+    <p:tnLst>
+      <p:par>
+        <p:cTn id="1" dur="indefinite" restart="never" nodeType="tmRoot"/>
+      </p:par>
+    </p:tnLst>
+  </p:timing>
+</p:sld>
+</file>
+
+<file path=ppt/slides/slide30.xml><?xml version="1.0" encoding="utf-8"?>
+<p:sld xmlns:a="http://schemas.openxmlformats.org/drawingml/2006/main" xmlns:r="http://schemas.openxmlformats.org/officeDocument/2006/relationships" xmlns:p="http://schemas.openxmlformats.org/presentationml/2006/main">
+  <p:cSld>
+    <p:spTree>
+      <p:nvGrpSpPr>
+        <p:cNvPr id="1" name=""/>
+        <p:cNvGrpSpPr/>
+        <p:nvPr/>
+      </p:nvGrpSpPr>
+      <p:grpSpPr>
+        <a:xfrm>
+          <a:off x="0" y="0"/>
+          <a:ext cx="0" cy="0"/>
+          <a:chOff x="0" y="0"/>
+          <a:chExt cx="0" cy="0"/>
+        </a:xfrm>
+      </p:grpSpPr>
+      <p:sp>
+        <p:nvSpPr>
+          <p:cNvPr id="2" name="Title 1"/>
+          <p:cNvSpPr>
+            <a:spLocks noGrp="1"/>
+          </p:cNvSpPr>
+          <p:nvPr>
+            <p:ph type="title"/>
+          </p:nvPr>
+        </p:nvSpPr>
+        <p:spPr/>
+        <p:txBody>
+          <a:bodyPr/>
+          <a:lstStyle/>
+          <a:p>
+            <a:r>
+              <a:rPr lang="en-CA" dirty="0" smtClean="0"/>
               <a:t>Evaluation: Ext4 to F2FS Converter</a:t>
             </a:r>
             <a:endParaRPr lang="en-CA" dirty="0"/>
@@ -38900,28 +39415,28 @@
                 <a:gridCol w="1125734">
                   <a:extLst>
                     <a:ext uri="{9D8B030D-6E8A-4147-A177-3AD203B41FA5}">
-                      <a16:colId xmlns:a16="http://schemas.microsoft.com/office/drawing/2014/main" xmlns="" val="20000"/>
+                      <a16:colId xmlns="" xmlns:a16="http://schemas.microsoft.com/office/drawing/2014/main" val="20000"/>
                     </a:ext>
                   </a:extLst>
                 </a:gridCol>
                 <a:gridCol w="2224725">
                   <a:extLst>
                     <a:ext uri="{9D8B030D-6E8A-4147-A177-3AD203B41FA5}">
-                      <a16:colId xmlns:a16="http://schemas.microsoft.com/office/drawing/2014/main" xmlns="" val="20001"/>
+                      <a16:colId xmlns="" xmlns:a16="http://schemas.microsoft.com/office/drawing/2014/main" val="20001"/>
                     </a:ext>
                   </a:extLst>
                 </a:gridCol>
                 <a:gridCol w="2224725">
                   <a:extLst>
                     <a:ext uri="{9D8B030D-6E8A-4147-A177-3AD203B41FA5}">
-                      <a16:colId xmlns:a16="http://schemas.microsoft.com/office/drawing/2014/main" xmlns="" val="20002"/>
+                      <a16:colId xmlns="" xmlns:a16="http://schemas.microsoft.com/office/drawing/2014/main" val="20002"/>
                     </a:ext>
                   </a:extLst>
                 </a:gridCol>
                 <a:gridCol w="2224725">
                   <a:extLst>
                     <a:ext uri="{9D8B030D-6E8A-4147-A177-3AD203B41FA5}">
-                      <a16:colId xmlns:a16="http://schemas.microsoft.com/office/drawing/2014/main" xmlns="" val="20003"/>
+                      <a16:colId xmlns="" xmlns:a16="http://schemas.microsoft.com/office/drawing/2014/main" val="20003"/>
                     </a:ext>
                   </a:extLst>
                 </a:gridCol>
@@ -39025,7 +39540,7 @@
                 </a:tc>
                 <a:extLst>
                   <a:ext uri="{0D108BD9-81ED-4DB2-BD59-A6C34878D82A}">
-                    <a16:rowId xmlns:a16="http://schemas.microsoft.com/office/drawing/2014/main" xmlns="" val="10000"/>
+                    <a16:rowId xmlns="" xmlns:a16="http://schemas.microsoft.com/office/drawing/2014/main" val="10000"/>
                   </a:ext>
                 </a:extLst>
               </a:tr>
@@ -39146,7 +39661,7 @@
                 </a:tc>
                 <a:extLst>
                   <a:ext uri="{0D108BD9-81ED-4DB2-BD59-A6C34878D82A}">
-                    <a16:rowId xmlns:a16="http://schemas.microsoft.com/office/drawing/2014/main" xmlns="" val="10001"/>
+                    <a16:rowId xmlns="" xmlns:a16="http://schemas.microsoft.com/office/drawing/2014/main" val="10001"/>
                   </a:ext>
                 </a:extLst>
               </a:tr>
@@ -39250,7 +39765,7 @@
                 </a:tc>
                 <a:extLst>
                   <a:ext uri="{0D108BD9-81ED-4DB2-BD59-A6C34878D82A}">
-                    <a16:rowId xmlns:a16="http://schemas.microsoft.com/office/drawing/2014/main" xmlns="" val="10002"/>
+                    <a16:rowId xmlns="" xmlns:a16="http://schemas.microsoft.com/office/drawing/2014/main" val="10002"/>
                   </a:ext>
                 </a:extLst>
               </a:tr>
@@ -39354,7 +39869,7 @@
                 </a:tc>
                 <a:extLst>
                   <a:ext uri="{0D108BD9-81ED-4DB2-BD59-A6C34878D82A}">
-                    <a16:rowId xmlns:a16="http://schemas.microsoft.com/office/drawing/2014/main" xmlns="" val="10003"/>
+                    <a16:rowId xmlns="" xmlns:a16="http://schemas.microsoft.com/office/drawing/2014/main" val="10003"/>
                   </a:ext>
                 </a:extLst>
               </a:tr>
@@ -39499,7 +40014,7 @@
                 </a:tc>
                 <a:extLst>
                   <a:ext uri="{0D108BD9-81ED-4DB2-BD59-A6C34878D82A}">
-                    <a16:rowId xmlns:a16="http://schemas.microsoft.com/office/drawing/2014/main" xmlns="" val="10004"/>
+                    <a16:rowId xmlns="" xmlns:a16="http://schemas.microsoft.com/office/drawing/2014/main" val="10004"/>
                   </a:ext>
                 </a:extLst>
               </a:tr>
@@ -39525,7 +40040,7 @@
             <a:fld id="{7B2023C8-B124-43A9-8F92-0EEF5BAA9995}" type="slidenum">
               <a:rPr lang="en-CA" smtClean="0"/>
               <a:pPr/>
-              <a:t>29</a:t>
+              <a:t>30</a:t>
             </a:fld>
             <a:endParaRPr lang="en-CA" dirty="0"/>
           </a:p>
@@ -39551,7 +40066,7 @@
 </p:sld>
 </file>
 
-<file path=ppt/slides/slide3.xml><?xml version="1.0" encoding="utf-8"?>
+<file path=ppt/slides/slide31.xml><?xml version="1.0" encoding="utf-8"?>
 <p:sld xmlns:a="http://schemas.openxmlformats.org/drawingml/2006/main" xmlns:r="http://schemas.openxmlformats.org/officeDocument/2006/relationships" xmlns:p="http://schemas.openxmlformats.org/presentationml/2006/main">
   <p:cSld>
     <p:spTree>
@@ -39585,201 +40100,6 @@
           <a:p>
             <a:r>
               <a:rPr lang="en-CA" dirty="0" smtClean="0"/>
-              <a:t>Problem</a:t>
-            </a:r>
-            <a:endParaRPr lang="en-CA" dirty="0"/>
-          </a:p>
-        </p:txBody>
-      </p:sp>
-      <p:sp>
-        <p:nvSpPr>
-          <p:cNvPr id="3" name="Content Placeholder 2"/>
-          <p:cNvSpPr>
-            <a:spLocks noGrp="1"/>
-          </p:cNvSpPr>
-          <p:nvPr>
-            <p:ph idx="1"/>
-          </p:nvPr>
-        </p:nvSpPr>
-        <p:spPr/>
-        <p:txBody>
-          <a:bodyPr>
-            <a:normAutofit lnSpcReduction="10000"/>
-          </a:bodyPr>
-          <a:lstStyle/>
-          <a:p>
-            <a:r>
-              <a:rPr lang="en-CA" dirty="0" smtClean="0"/>
-              <a:t>File-system applications are difficult to write</a:t>
-            </a:r>
-          </a:p>
-          <a:p>
-            <a:pPr lvl="1"/>
-            <a:r>
-              <a:rPr lang="en-CA" dirty="0" smtClean="0"/>
-              <a:t>Requires detailed knowledge of the file system format</a:t>
-            </a:r>
-          </a:p>
-          <a:p>
-            <a:pPr lvl="1"/>
-            <a:r>
-              <a:rPr lang="en-CA" dirty="0" smtClean="0"/>
-              <a:t>File system format is complex and poorly documented</a:t>
-            </a:r>
-          </a:p>
-          <a:p>
-            <a:pPr lvl="1"/>
-            <a:r>
-              <a:rPr lang="en-CA" dirty="0" smtClean="0"/>
-              <a:t>Easy to make mistakes while processing file system metadata</a:t>
-            </a:r>
-          </a:p>
-          <a:p>
-            <a:pPr lvl="1"/>
-            <a:r>
-              <a:rPr lang="en-CA" dirty="0" smtClean="0"/>
-              <a:t>Need to handle file system corruption</a:t>
-            </a:r>
-          </a:p>
-          <a:p>
-            <a:r>
-              <a:rPr lang="en-CA" dirty="0" smtClean="0"/>
-              <a:t>Implications</a:t>
-            </a:r>
-          </a:p>
-          <a:p>
-            <a:pPr lvl="1"/>
-            <a:r>
-              <a:rPr lang="en-CA" dirty="0" smtClean="0"/>
-              <a:t>Each </a:t>
-            </a:r>
-            <a:r>
-              <a:rPr lang="en-CA" dirty="0"/>
-              <a:t>file system has to develop its own set of tools from </a:t>
-            </a:r>
-            <a:r>
-              <a:rPr lang="en-CA" dirty="0" smtClean="0"/>
-              <a:t>scratch</a:t>
-            </a:r>
-          </a:p>
-          <a:p>
-            <a:pPr lvl="1"/>
-            <a:r>
-              <a:rPr lang="en-CA" dirty="0" smtClean="0"/>
-              <a:t>Only </a:t>
-            </a:r>
-            <a:r>
-              <a:rPr lang="en-CA" dirty="0"/>
-              <a:t>file-system experts develop such </a:t>
-            </a:r>
-            <a:r>
-              <a:rPr lang="en-CA" dirty="0" smtClean="0"/>
-              <a:t>tools</a:t>
-            </a:r>
-          </a:p>
-          <a:p>
-            <a:pPr lvl="1"/>
-            <a:r>
-              <a:rPr lang="en-CA" dirty="0"/>
-              <a:t>Many of these tools are </a:t>
-            </a:r>
-            <a:r>
-              <a:rPr lang="en-CA" dirty="0" smtClean="0"/>
-              <a:t>buggy</a:t>
-            </a:r>
-          </a:p>
-          <a:p>
-            <a:pPr lvl="1"/>
-            <a:r>
-              <a:rPr lang="en-CA" dirty="0"/>
-              <a:t>Bugs can lead to further corruption of file </a:t>
-            </a:r>
-            <a:r>
-              <a:rPr lang="en-CA" dirty="0" smtClean="0"/>
-              <a:t>systems</a:t>
-            </a:r>
-          </a:p>
-          <a:p>
-            <a:pPr lvl="1"/>
-            <a:r>
-              <a:rPr lang="en-CA" dirty="0" smtClean="0"/>
-              <a:t>Makes it hard to deploy new file systems</a:t>
-            </a:r>
-            <a:endParaRPr lang="en-CA" dirty="0"/>
-          </a:p>
-        </p:txBody>
-      </p:sp>
-      <p:sp>
-        <p:nvSpPr>
-          <p:cNvPr id="5" name="Slide Number Placeholder 4"/>
-          <p:cNvSpPr>
-            <a:spLocks noGrp="1"/>
-          </p:cNvSpPr>
-          <p:nvPr>
-            <p:ph type="sldNum" sz="quarter" idx="12"/>
-          </p:nvPr>
-        </p:nvSpPr>
-        <p:spPr/>
-        <p:txBody>
-          <a:bodyPr/>
-          <a:lstStyle/>
-          <a:p>
-            <a:fld id="{7B2023C8-B124-43A9-8F92-0EEF5BAA9995}" type="slidenum">
-              <a:rPr lang="en-CA" smtClean="0"/>
-              <a:pPr/>
-              <a:t>3</a:t>
-            </a:fld>
-            <a:endParaRPr lang="en-CA" dirty="0"/>
-          </a:p>
-        </p:txBody>
-      </p:sp>
-    </p:spTree>
-    <p:extLst>
-      <p:ext uri="{BB962C8B-B14F-4D97-AF65-F5344CB8AC3E}">
-        <p14:creationId xmlns:p14="http://schemas.microsoft.com/office/powerpoint/2010/main" val="905410288"/>
-      </p:ext>
-    </p:extLst>
-  </p:cSld>
-  <p:clrMapOvr>
-    <a:masterClrMapping/>
-  </p:clrMapOvr>
-</p:sld>
-</file>
-
-<file path=ppt/slides/slide30.xml><?xml version="1.0" encoding="utf-8"?>
-<p:sld xmlns:a="http://schemas.openxmlformats.org/drawingml/2006/main" xmlns:r="http://schemas.openxmlformats.org/officeDocument/2006/relationships" xmlns:p="http://schemas.openxmlformats.org/presentationml/2006/main">
-  <p:cSld>
-    <p:spTree>
-      <p:nvGrpSpPr>
-        <p:cNvPr id="1" name=""/>
-        <p:cNvGrpSpPr/>
-        <p:nvPr/>
-      </p:nvGrpSpPr>
-      <p:grpSpPr>
-        <a:xfrm>
-          <a:off x="0" y="0"/>
-          <a:ext cx="0" cy="0"/>
-          <a:chOff x="0" y="0"/>
-          <a:chExt cx="0" cy="0"/>
-        </a:xfrm>
-      </p:grpSpPr>
-      <p:sp>
-        <p:nvSpPr>
-          <p:cNvPr id="2" name="Title 1"/>
-          <p:cNvSpPr>
-            <a:spLocks noGrp="1"/>
-          </p:cNvSpPr>
-          <p:nvPr>
-            <p:ph type="title"/>
-          </p:nvPr>
-        </p:nvSpPr>
-        <p:spPr/>
-        <p:txBody>
-          <a:bodyPr/>
-          <a:lstStyle/>
-          <a:p>
-            <a:r>
-              <a:rPr lang="en-CA" dirty="0" smtClean="0"/>
               <a:t>Evaluation: Corruption Experiment</a:t>
             </a:r>
             <a:endParaRPr lang="en-CA" dirty="0"/>
@@ -39872,28 +40192,28 @@
                 <a:gridCol w="1173256">
                   <a:extLst>
                     <a:ext uri="{9D8B030D-6E8A-4147-A177-3AD203B41FA5}">
-                      <a16:colId xmlns:a16="http://schemas.microsoft.com/office/drawing/2014/main" xmlns="" val="20000"/>
+                      <a16:colId xmlns="" xmlns:a16="http://schemas.microsoft.com/office/drawing/2014/main" val="20000"/>
                     </a:ext>
                   </a:extLst>
                 </a:gridCol>
                 <a:gridCol w="1357460">
                   <a:extLst>
                     <a:ext uri="{9D8B030D-6E8A-4147-A177-3AD203B41FA5}">
-                      <a16:colId xmlns:a16="http://schemas.microsoft.com/office/drawing/2014/main" xmlns="" val="20001"/>
+                      <a16:colId xmlns="" xmlns:a16="http://schemas.microsoft.com/office/drawing/2014/main" val="20001"/>
                     </a:ext>
                   </a:extLst>
                 </a:gridCol>
                 <a:gridCol w="2375554">
                   <a:extLst>
                     <a:ext uri="{9D8B030D-6E8A-4147-A177-3AD203B41FA5}">
-                      <a16:colId xmlns:a16="http://schemas.microsoft.com/office/drawing/2014/main" xmlns="" val="20002"/>
+                      <a16:colId xmlns="" xmlns:a16="http://schemas.microsoft.com/office/drawing/2014/main" val="20002"/>
                     </a:ext>
                   </a:extLst>
                 </a:gridCol>
                 <a:gridCol w="5165889">
                   <a:extLst>
                     <a:ext uri="{9D8B030D-6E8A-4147-A177-3AD203B41FA5}">
-                      <a16:colId xmlns:a16="http://schemas.microsoft.com/office/drawing/2014/main" xmlns="" val="20003"/>
+                      <a16:colId xmlns="" xmlns:a16="http://schemas.microsoft.com/office/drawing/2014/main" val="20003"/>
                     </a:ext>
                   </a:extLst>
                 </a:gridCol>
@@ -39989,7 +40309,7 @@
                 </a:tc>
                 <a:extLst>
                   <a:ext uri="{0D108BD9-81ED-4DB2-BD59-A6C34878D82A}">
-                    <a16:rowId xmlns:a16="http://schemas.microsoft.com/office/drawing/2014/main" xmlns="" val="10000"/>
+                    <a16:rowId xmlns="" xmlns:a16="http://schemas.microsoft.com/office/drawing/2014/main" val="10000"/>
                   </a:ext>
                 </a:extLst>
               </a:tr>
@@ -40090,7 +40410,7 @@
                 </a:tc>
                 <a:extLst>
                   <a:ext uri="{0D108BD9-81ED-4DB2-BD59-A6C34878D82A}">
-                    <a16:rowId xmlns:a16="http://schemas.microsoft.com/office/drawing/2014/main" xmlns="" val="10001"/>
+                    <a16:rowId xmlns="" xmlns:a16="http://schemas.microsoft.com/office/drawing/2014/main" val="10001"/>
                   </a:ext>
                 </a:extLst>
               </a:tr>
@@ -40224,7 +40544,7 @@
                 </a:tc>
                 <a:extLst>
                   <a:ext uri="{0D108BD9-81ED-4DB2-BD59-A6C34878D82A}">
-                    <a16:rowId xmlns:a16="http://schemas.microsoft.com/office/drawing/2014/main" xmlns="" val="10002"/>
+                    <a16:rowId xmlns="" xmlns:a16="http://schemas.microsoft.com/office/drawing/2014/main" val="10002"/>
                   </a:ext>
                 </a:extLst>
               </a:tr>
@@ -40366,7 +40686,7 @@
                 </a:tc>
                 <a:extLst>
                   <a:ext uri="{0D108BD9-81ED-4DB2-BD59-A6C34878D82A}">
-                    <a16:rowId xmlns:a16="http://schemas.microsoft.com/office/drawing/2014/main" xmlns="" val="10003"/>
+                    <a16:rowId xmlns="" xmlns:a16="http://schemas.microsoft.com/office/drawing/2014/main" val="10003"/>
                   </a:ext>
                 </a:extLst>
               </a:tr>
@@ -40479,7 +40799,7 @@
                 </a:tc>
                 <a:extLst>
                   <a:ext uri="{0D108BD9-81ED-4DB2-BD59-A6C34878D82A}">
-                    <a16:rowId xmlns:a16="http://schemas.microsoft.com/office/drawing/2014/main" xmlns="" val="10004"/>
+                    <a16:rowId xmlns="" xmlns:a16="http://schemas.microsoft.com/office/drawing/2014/main" val="10004"/>
                   </a:ext>
                 </a:extLst>
               </a:tr>
@@ -40605,7 +40925,7 @@
                 </a:tc>
                 <a:extLst>
                   <a:ext uri="{0D108BD9-81ED-4DB2-BD59-A6C34878D82A}">
-                    <a16:rowId xmlns:a16="http://schemas.microsoft.com/office/drawing/2014/main" xmlns="" val="10005"/>
+                    <a16:rowId xmlns="" xmlns:a16="http://schemas.microsoft.com/office/drawing/2014/main" val="10005"/>
                   </a:ext>
                 </a:extLst>
               </a:tr>
@@ -40763,7 +41083,7 @@
                 </a:tc>
                 <a:extLst>
                   <a:ext uri="{0D108BD9-81ED-4DB2-BD59-A6C34878D82A}">
-                    <a16:rowId xmlns:a16="http://schemas.microsoft.com/office/drawing/2014/main" xmlns="" val="10006"/>
+                    <a16:rowId xmlns="" xmlns:a16="http://schemas.microsoft.com/office/drawing/2014/main" val="10006"/>
                   </a:ext>
                 </a:extLst>
               </a:tr>
@@ -40789,7 +41109,7 @@
             <a:fld id="{7B2023C8-B124-43A9-8F92-0EEF5BAA9995}" type="slidenum">
               <a:rPr lang="en-CA" smtClean="0"/>
               <a:pPr/>
-              <a:t>30</a:t>
+              <a:t>31</a:t>
             </a:fld>
             <a:endParaRPr lang="en-CA" dirty="0"/>
           </a:p>
@@ -40815,7 +41135,7 @@
 </p:sld>
 </file>
 
-<file path=ppt/slides/slide31.xml><?xml version="1.0" encoding="utf-8"?>
+<file path=ppt/slides/slide32.xml><?xml version="1.0" encoding="utf-8"?>
 <p:sld xmlns:a="http://schemas.openxmlformats.org/drawingml/2006/main" xmlns:r="http://schemas.openxmlformats.org/officeDocument/2006/relationships" xmlns:p="http://schemas.openxmlformats.org/presentationml/2006/main">
   <p:cSld>
     <p:spTree>
@@ -40954,7 +41274,7 @@
             <a:fld id="{7B2023C8-B124-43A9-8F92-0EEF5BAA9995}" type="slidenum">
               <a:rPr lang="en-CA" smtClean="0"/>
               <a:pPr/>
-              <a:t>31</a:t>
+              <a:t>32</a:t>
             </a:fld>
             <a:endParaRPr lang="en-CA" dirty="0"/>
           </a:p>
@@ -40980,7 +41300,7 @@
 </p:sld>
 </file>
 
-<file path=ppt/slides/slide32.xml><?xml version="1.0" encoding="utf-8"?>
+<file path=ppt/slides/slide33.xml><?xml version="1.0" encoding="utf-8"?>
 <p:sld xmlns:a="http://schemas.openxmlformats.org/drawingml/2006/main" xmlns:r="http://schemas.openxmlformats.org/officeDocument/2006/relationships" xmlns:p="http://schemas.openxmlformats.org/presentationml/2006/main">
   <p:cSld>
     <p:spTree>
@@ -41420,7 +41740,7 @@
             <a:fld id="{7B2023C8-B124-43A9-8F92-0EEF5BAA9995}" type="slidenum">
               <a:rPr lang="en-CA" smtClean="0"/>
               <a:pPr/>
-              <a:t>32</a:t>
+              <a:t>33</a:t>
             </a:fld>
             <a:endParaRPr lang="en-CA" dirty="0"/>
           </a:p>
@@ -41436,10 +41756,17 @@
   <p:clrMapOvr>
     <a:masterClrMapping/>
   </p:clrMapOvr>
+  <p:timing>
+    <p:tnLst>
+      <p:par>
+        <p:cTn id="1" dur="indefinite" restart="never" nodeType="tmRoot"/>
+      </p:par>
+    </p:tnLst>
+  </p:timing>
 </p:sld>
 </file>
 
-<file path=ppt/slides/slide33.xml><?xml version="1.0" encoding="utf-8"?>
+<file path=ppt/slides/slide34.xml><?xml version="1.0" encoding="utf-8"?>
 <p:sld xmlns:a="http://schemas.openxmlformats.org/drawingml/2006/main" xmlns:r="http://schemas.openxmlformats.org/officeDocument/2006/relationships" xmlns:p="http://schemas.openxmlformats.org/presentationml/2006/main">
   <p:cSld>
     <p:spTree>
@@ -41589,7 +41916,7 @@
             <a:fld id="{7B2023C8-B124-43A9-8F92-0EEF5BAA9995}" type="slidenum">
               <a:rPr lang="en-CA" smtClean="0"/>
               <a:pPr/>
-              <a:t>33</a:t>
+              <a:t>34</a:t>
             </a:fld>
             <a:endParaRPr lang="en-CA" dirty="0"/>
           </a:p>
@@ -41605,6 +41932,13 @@
   <p:clrMapOvr>
     <a:masterClrMapping/>
   </p:clrMapOvr>
+  <p:timing>
+    <p:tnLst>
+      <p:par>
+        <p:cTn id="1" dur="indefinite" restart="never" nodeType="tmRoot"/>
+      </p:par>
+    </p:tnLst>
+  </p:timing>
 </p:sld>
 </file>
 
@@ -41642,15 +41976,7 @@
           <a:p>
             <a:r>
               <a:rPr lang="en-CA" dirty="0" smtClean="0"/>
-              <a:t>Problem: </a:t>
-            </a:r>
-            <a:r>
-              <a:rPr lang="en-CA" dirty="0"/>
-              <a:t>Ad-hoc P</a:t>
-            </a:r>
-            <a:r>
-              <a:rPr lang="en-CA" dirty="0" smtClean="0"/>
-              <a:t>rocessing</a:t>
+              <a:t>Root Cause</a:t>
             </a:r>
             <a:endParaRPr lang="en-CA" dirty="0"/>
           </a:p>
@@ -41666,12 +41992,7 @@
             <p:ph idx="1"/>
           </p:nvPr>
         </p:nvSpPr>
-        <p:spPr>
-          <a:xfrm>
-            <a:off x="684211" y="1515358"/>
-            <a:ext cx="10285797" cy="4866587"/>
-          </a:xfrm>
-        </p:spPr>
+        <p:spPr/>
         <p:txBody>
           <a:bodyPr>
             <a:normAutofit/>
@@ -41680,132 +42001,43 @@
           <a:p>
             <a:r>
               <a:rPr lang="en-CA" dirty="0" smtClean="0"/>
-              <a:t>File system applications operate on a complex format</a:t>
-            </a:r>
-          </a:p>
-          <a:p>
+              <a:t>File-system applications are difficult to write</a:t>
+            </a:r>
+          </a:p>
+          <a:p>
+            <a:pPr lvl="1"/>
             <a:r>
               <a:rPr lang="en-CA" dirty="0" smtClean="0"/>
-              <a:t>Often accessed using unsafe </a:t>
-            </a:r>
-            <a:r>
-              <a:rPr lang="en-CA" dirty="0"/>
-              <a:t>programming languages (e.g., C)</a:t>
-            </a:r>
-          </a:p>
-          <a:p>
+              <a:t>File system format comple</a:t>
+            </a:r>
             <a:r>
               <a:rPr lang="en-CA" dirty="0" smtClean="0"/>
-              <a:t>Bugs lead to system </a:t>
-            </a:r>
-            <a:r>
-              <a:rPr lang="en-CA" dirty="0"/>
-              <a:t>crash, data corruption, security vulnerability</a:t>
-            </a:r>
-          </a:p>
-          <a:p>
-            <a:endParaRPr lang="en-CA" dirty="0" smtClean="0"/>
-          </a:p>
-          <a:p>
+              <a:t>x and </a:t>
+            </a:r>
             <a:r>
               <a:rPr lang="en-CA" dirty="0" smtClean="0"/>
-              <a:t>Example</a:t>
-            </a:r>
-            <a:r>
-              <a:rPr lang="en-CA" dirty="0"/>
-              <a:t>: bug 723343 in </a:t>
-            </a:r>
-            <a:r>
-              <a:rPr lang="en-CA" dirty="0" err="1"/>
-              <a:t>ntfsprogs</a:t>
-            </a:r>
-            <a:endParaRPr lang="en-CA" dirty="0"/>
+              <a:t>often poorly documented</a:t>
+            </a:r>
           </a:p>
           <a:p>
             <a:pPr lvl="1"/>
             <a:r>
-              <a:rPr lang="en-CA" dirty="0"/>
-              <a:t>NTFS stores the size of </a:t>
-            </a:r>
-            <a:r>
               <a:rPr lang="en-CA" dirty="0" smtClean="0"/>
-              <a:t>MFT </a:t>
-            </a:r>
-            <a:r>
-              <a:rPr lang="en-CA" dirty="0"/>
-              <a:t>record as either:</a:t>
-            </a:r>
-          </a:p>
-          <a:p>
-            <a:pPr lvl="2"/>
-            <a:r>
-              <a:rPr lang="en-CA" dirty="0"/>
-              <a:t>Number of clusters per record, if </a:t>
-            </a:r>
-            <a:r>
-              <a:rPr lang="en-CA" i="1" dirty="0"/>
-              <a:t>value</a:t>
-            </a:r>
-            <a:r>
-              <a:rPr lang="en-CA" dirty="0"/>
-              <a:t> &gt; 0</a:t>
-            </a:r>
-          </a:p>
-          <a:p>
-            <a:pPr lvl="2"/>
-            <a:r>
-              <a:rPr lang="en-CA" dirty="0"/>
-              <a:t>2</a:t>
-            </a:r>
-            <a:r>
-              <a:rPr lang="en-CA" baseline="30000" dirty="0"/>
-              <a:t>|</a:t>
-            </a:r>
-            <a:r>
-              <a:rPr lang="en-CA" i="1" baseline="30000" dirty="0"/>
-              <a:t>value</a:t>
-            </a:r>
-            <a:r>
-              <a:rPr lang="en-CA" baseline="30000" dirty="0"/>
-              <a:t>|</a:t>
-            </a:r>
-            <a:r>
-              <a:rPr lang="en-CA" dirty="0"/>
-              <a:t>, if </a:t>
-            </a:r>
-            <a:r>
-              <a:rPr lang="en-CA" i="1" dirty="0"/>
-              <a:t>value</a:t>
-            </a:r>
-            <a:r>
-              <a:rPr lang="en-CA" dirty="0"/>
-              <a:t> &lt; 0</a:t>
-            </a:r>
-            <a:endParaRPr lang="en-CA" baseline="30000" dirty="0"/>
+              <a:t>Applications require detailed knowledge of format</a:t>
+            </a:r>
           </a:p>
           <a:p>
             <a:pPr lvl="1"/>
             <a:r>
-              <a:rPr lang="en-CA" dirty="0" err="1" smtClean="0"/>
-              <a:t>ntfsprogs</a:t>
-            </a:r>
-            <a:r>
               <a:rPr lang="en-CA" dirty="0" smtClean="0"/>
-              <a:t> misinterprets this size field, corrupting </a:t>
-            </a:r>
-            <a:r>
-              <a:rPr lang="en-CA" dirty="0"/>
-              <a:t>NTFS during partition resizing</a:t>
-            </a:r>
-          </a:p>
-          <a:p>
-            <a:endParaRPr lang="en-CA" dirty="0"/>
+              <a:t>Need to handle file system corruption</a:t>
+            </a:r>
           </a:p>
         </p:txBody>
       </p:sp>
       <p:sp>
         <p:nvSpPr>
-          <p:cNvPr id="6" name="Slide Number Placeholder 5"/>
+          <p:cNvPr id="5" name="Slide Number Placeholder 4"/>
           <p:cNvSpPr>
             <a:spLocks noGrp="1"/>
           </p:cNvSpPr>
@@ -41830,13 +42062,20 @@
     </p:spTree>
     <p:extLst>
       <p:ext uri="{BB962C8B-B14F-4D97-AF65-F5344CB8AC3E}">
-        <p14:creationId xmlns:p14="http://schemas.microsoft.com/office/powerpoint/2010/main" val="368325232"/>
+        <p14:creationId xmlns:p14="http://schemas.microsoft.com/office/powerpoint/2010/main" val="905410288"/>
       </p:ext>
     </p:extLst>
   </p:cSld>
   <p:clrMapOvr>
     <a:masterClrMapping/>
   </p:clrMapOvr>
+  <p:timing>
+    <p:tnLst>
+      <p:par>
+        <p:cTn id="1" dur="indefinite" restart="never" nodeType="tmRoot"/>
+      </p:par>
+    </p:tnLst>
+  </p:timing>
 </p:sld>
 </file>
 
@@ -41892,8 +42131,33 @@
         </p:nvSpPr>
         <p:spPr/>
         <p:txBody>
-          <a:bodyPr/>
+          <a:bodyPr>
+            <a:normAutofit/>
+          </a:bodyPr>
           <a:lstStyle/>
+          <a:p>
+            <a:r>
+              <a:rPr lang="en-CA" dirty="0"/>
+              <a:t>Simplify development of file-system aware applications</a:t>
+            </a:r>
+          </a:p>
+          <a:p>
+            <a:pPr lvl="1"/>
+            <a:r>
+              <a:rPr lang="en-CA" dirty="0"/>
+              <a:t>Reduce file-system specific code</a:t>
+            </a:r>
+          </a:p>
+          <a:p>
+            <a:pPr lvl="1"/>
+            <a:r>
+              <a:rPr lang="en-CA" dirty="0"/>
+              <a:t>Enable code reuse across file systems</a:t>
+            </a:r>
+          </a:p>
+          <a:p>
+            <a:endParaRPr lang="en-CA" dirty="0" smtClean="0"/>
+          </a:p>
           <a:p>
             <a:r>
               <a:rPr lang="en-CA" dirty="0" smtClean="0"/>
@@ -41905,35 +42169,52 @@
             </a:r>
             <a:r>
               <a:rPr lang="en-CA" dirty="0" smtClean="0"/>
-              <a:t>these applications</a:t>
+              <a:t>these </a:t>
+            </a:r>
+            <a:r>
+              <a:rPr lang="en-CA" dirty="0" smtClean="0"/>
+              <a:t>applications</a:t>
             </a:r>
           </a:p>
           <a:p>
             <a:pPr lvl="1"/>
             <a:r>
               <a:rPr lang="en-CA" dirty="0" smtClean="0"/>
-              <a:t>Traverse and update file system structures correctly</a:t>
-            </a:r>
+              <a:t>Enable correct traversal of file system metadata</a:t>
+            </a:r>
+            <a:endParaRPr lang="en-CA" dirty="0" smtClean="0"/>
           </a:p>
           <a:p>
             <a:pPr lvl="1"/>
             <a:r>
               <a:rPr lang="en-CA" dirty="0" smtClean="0"/>
-              <a:t>Ensure type safe access and updates of file system structures</a:t>
+              <a:t>Ensure type safe access to file system structures</a:t>
             </a:r>
           </a:p>
           <a:p>
             <a:pPr lvl="2"/>
             <a:r>
               <a:rPr lang="en-CA" dirty="0" smtClean="0"/>
-              <a:t>Helps detect corruption in file system structures</a:t>
+              <a:t>Helps </a:t>
+            </a:r>
+            <a:r>
+              <a:rPr lang="en-CA" dirty="0" smtClean="0"/>
+              <a:t>detect corruption </a:t>
+            </a:r>
+            <a:r>
+              <a:rPr lang="en-CA" dirty="0" smtClean="0"/>
+              <a:t>for both read and write</a:t>
             </a:r>
           </a:p>
           <a:p>
             <a:pPr lvl="2"/>
             <a:r>
+              <a:rPr lang="en-CA" dirty="0" smtClean="0"/>
+              <a:t>Helps </a:t>
+            </a:r>
+            <a:r>
               <a:rPr lang="en-CA" dirty="0"/>
-              <a:t>Helps reduce error propagation, and further </a:t>
+              <a:t>reduce error propagation, and further </a:t>
             </a:r>
             <a:r>
               <a:rPr lang="en-CA" dirty="0" smtClean="0"/>
@@ -41943,30 +42224,6 @@
           <a:p>
             <a:pPr lvl="2"/>
             <a:endParaRPr lang="en-CA" dirty="0" smtClean="0"/>
-          </a:p>
-          <a:p>
-            <a:r>
-              <a:rPr lang="en-CA" dirty="0" smtClean="0"/>
-              <a:t>Simplify </a:t>
-            </a:r>
-            <a:r>
-              <a:rPr lang="en-CA" dirty="0"/>
-              <a:t>development of file-system aware applications</a:t>
-            </a:r>
-          </a:p>
-          <a:p>
-            <a:pPr lvl="1"/>
-            <a:r>
-              <a:rPr lang="en-CA" dirty="0"/>
-              <a:t>Reduce file-system specific code</a:t>
-            </a:r>
-          </a:p>
-          <a:p>
-            <a:pPr lvl="1"/>
-            <a:r>
-              <a:rPr lang="en-CA" dirty="0"/>
-              <a:t>Enable code reuse across file systems</a:t>
-            </a:r>
           </a:p>
           <a:p>
             <a:endParaRPr lang="en-CA" dirty="0" smtClean="0"/>
@@ -42007,6 +42264,13 @@
   <p:clrMapOvr>
     <a:masterClrMapping/>
   </p:clrMapOvr>
+  <p:timing>
+    <p:tnLst>
+      <p:par>
+        <p:cTn id="1" dur="indefinite" restart="never" nodeType="tmRoot"/>
+      </p:par>
+    </p:tnLst>
+  </p:timing>
 </p:sld>
 </file>
 
@@ -42044,7 +42308,15 @@
           <a:p>
             <a:r>
               <a:rPr lang="en-CA" dirty="0" smtClean="0"/>
-              <a:t>Approach</a:t>
+              <a:t>Approach: </a:t>
+            </a:r>
+            <a:r>
+              <a:rPr lang="en-CA" dirty="0"/>
+              <a:t>Spiffy </a:t>
+            </a:r>
+            <a:r>
+              <a:rPr lang="en-CA" dirty="0" smtClean="0"/>
+              <a:t>Framework</a:t>
             </a:r>
             <a:endParaRPr lang="en-CA" dirty="0"/>
           </a:p>
@@ -42062,201 +42334,60 @@
         </p:nvSpPr>
         <p:spPr/>
         <p:txBody>
-          <a:bodyPr>
-            <a:normAutofit lnSpcReduction="10000"/>
-          </a:bodyPr>
+          <a:bodyPr/>
           <a:lstStyle/>
           <a:p>
+            <a:pPr marL="457200" indent="-457200">
+              <a:buFont typeface="+mj-lt"/>
+              <a:buAutoNum type="arabicPeriod"/>
+            </a:pPr>
             <a:r>
               <a:rPr lang="en-CA" dirty="0" smtClean="0"/>
-              <a:t>Enable complete specification of the file system format</a:t>
-            </a:r>
-          </a:p>
-          <a:p>
-            <a:pPr lvl="1"/>
+              <a:t>File </a:t>
+            </a:r>
+            <a:r>
+              <a:rPr lang="en-CA" dirty="0"/>
+              <a:t>system developers specify the format of their file </a:t>
+            </a:r>
             <a:r>
               <a:rPr lang="en-CA" dirty="0" smtClean="0"/>
-              <a:t>Allows type-safe parsing and updates of file system structures</a:t>
-            </a:r>
-          </a:p>
-          <a:p>
+              <a:t>system</a:t>
+            </a:r>
+          </a:p>
+          <a:p>
+            <a:pPr marL="457200" indent="-457200">
+              <a:buFont typeface="+mj-lt"/>
+              <a:buAutoNum type="arabicPeriod"/>
+            </a:pPr>
             <a:r>
               <a:rPr lang="en-CA" dirty="0" smtClean="0"/>
-              <a:t>Challenge</a:t>
-            </a:r>
-          </a:p>
-          <a:p>
-            <a:pPr lvl="1"/>
+              <a:t>Spiffy uses specification to generate parsing and serialization library </a:t>
+            </a:r>
+          </a:p>
+          <a:p>
+            <a:pPr marL="457200" indent="-457200">
+              <a:buFont typeface="+mj-lt"/>
+              <a:buAutoNum type="arabicPeriod"/>
+            </a:pPr>
             <a:r>
               <a:rPr lang="en-CA" dirty="0" smtClean="0"/>
-              <a:t>Data </a:t>
-            </a:r>
-            <a:r>
-              <a:rPr lang="en-CA" dirty="0"/>
-              <a:t>structure definitions in </a:t>
-            </a:r>
-            <a:r>
-              <a:rPr lang="en-CA" dirty="0" smtClean="0"/>
-              <a:t>source files are </a:t>
-            </a:r>
-            <a:r>
-              <a:rPr lang="en-CA" i="1" dirty="0"/>
-              <a:t>incomplete</a:t>
-            </a:r>
-          </a:p>
-          <a:p>
-            <a:pPr lvl="1"/>
-            <a:r>
-              <a:rPr lang="en-CA" dirty="0"/>
-              <a:t>E.g., </a:t>
-            </a:r>
-            <a:r>
-              <a:rPr lang="en-CA" sz="1800" dirty="0" err="1">
-                <a:solidFill>
-                  <a:srgbClr val="002060"/>
-                </a:solidFill>
-                <a:latin typeface="Courier New" panose="02070309020205020404" pitchFamily="49" charset="0"/>
-                <a:cs typeface="Courier New" panose="02070309020205020404" pitchFamily="49" charset="0"/>
-              </a:rPr>
-              <a:t>struct</a:t>
-            </a:r>
-            <a:r>
-              <a:rPr lang="en-CA" sz="1800" dirty="0">
-                <a:latin typeface="Courier New" panose="02070309020205020404" pitchFamily="49" charset="0"/>
-                <a:cs typeface="Courier New" panose="02070309020205020404" pitchFamily="49" charset="0"/>
-              </a:rPr>
-              <a:t> foo {</a:t>
-            </a:r>
-            <a:br>
-              <a:rPr lang="en-CA" sz="1800" dirty="0">
-                <a:latin typeface="Courier New" panose="02070309020205020404" pitchFamily="49" charset="0"/>
-                <a:cs typeface="Courier New" panose="02070309020205020404" pitchFamily="49" charset="0"/>
-              </a:rPr>
-            </a:br>
-            <a:r>
-              <a:rPr lang="en-CA" sz="1800" dirty="0">
-                <a:latin typeface="Courier New" panose="02070309020205020404" pitchFamily="49" charset="0"/>
-                <a:cs typeface="Courier New" panose="02070309020205020404" pitchFamily="49" charset="0"/>
-              </a:rPr>
-              <a:t>		     __le32 </a:t>
-            </a:r>
-            <a:r>
-              <a:rPr lang="en-CA" sz="1800" dirty="0" err="1">
-                <a:latin typeface="Courier New" panose="02070309020205020404" pitchFamily="49" charset="0"/>
-                <a:cs typeface="Courier New" panose="02070309020205020404" pitchFamily="49" charset="0"/>
-              </a:rPr>
-              <a:t>bar_block_ptr</a:t>
-            </a:r>
-            <a:r>
-              <a:rPr lang="en-CA" sz="1800" dirty="0">
-                <a:latin typeface="Courier New" panose="02070309020205020404" pitchFamily="49" charset="0"/>
-                <a:cs typeface="Courier New" panose="02070309020205020404" pitchFamily="49" charset="0"/>
-              </a:rPr>
-              <a:t>;</a:t>
-            </a:r>
-            <a:br>
-              <a:rPr lang="en-CA" sz="1800" dirty="0">
-                <a:latin typeface="Courier New" panose="02070309020205020404" pitchFamily="49" charset="0"/>
-                <a:cs typeface="Courier New" panose="02070309020205020404" pitchFamily="49" charset="0"/>
-              </a:rPr>
-            </a:br>
-            <a:r>
-              <a:rPr lang="en-CA" sz="1800" dirty="0">
-                <a:latin typeface="Courier New" panose="02070309020205020404" pitchFamily="49" charset="0"/>
-                <a:cs typeface="Courier New" panose="02070309020205020404" pitchFamily="49" charset="0"/>
-              </a:rPr>
-              <a:t>    };</a:t>
-            </a:r>
-          </a:p>
-          <a:p>
-            <a:pPr lvl="2"/>
-            <a:r>
-              <a:rPr lang="en-CA" dirty="0" err="1" smtClean="0">
-                <a:cs typeface="Courier New" panose="02070309020205020404" pitchFamily="49" charset="0"/>
-              </a:rPr>
-              <a:t>bar_block_ptr</a:t>
-            </a:r>
-            <a:r>
-              <a:rPr lang="en-CA" dirty="0" smtClean="0">
-                <a:cs typeface="Courier New" panose="02070309020205020404" pitchFamily="49" charset="0"/>
-              </a:rPr>
-              <a:t> is </a:t>
-            </a:r>
-            <a:r>
-              <a:rPr lang="en-CA" dirty="0">
-                <a:cs typeface="Courier New" panose="02070309020205020404" pitchFamily="49" charset="0"/>
-              </a:rPr>
-              <a:t>“probably” a 32-bit pointer to type “</a:t>
-            </a:r>
-            <a:r>
-              <a:rPr lang="en-CA" dirty="0" err="1">
-                <a:cs typeface="Courier New" panose="02070309020205020404" pitchFamily="49" charset="0"/>
-              </a:rPr>
-              <a:t>bar_block</a:t>
-            </a:r>
-            <a:r>
-              <a:rPr lang="en-CA" dirty="0">
-                <a:cs typeface="Courier New" panose="02070309020205020404" pitchFamily="49" charset="0"/>
-              </a:rPr>
-              <a:t>”</a:t>
-            </a:r>
-          </a:p>
-          <a:p>
-            <a:pPr lvl="2"/>
-            <a:r>
-              <a:rPr lang="en-CA" dirty="0">
-                <a:cs typeface="Courier New" panose="02070309020205020404" pitchFamily="49" charset="0"/>
-              </a:rPr>
-              <a:t>However, </a:t>
-            </a:r>
-            <a:r>
-              <a:rPr lang="en-CA" dirty="0" smtClean="0">
-                <a:cs typeface="Courier New" panose="02070309020205020404" pitchFamily="49" charset="0"/>
-              </a:rPr>
-              <a:t>parser cannot </a:t>
-            </a:r>
-            <a:r>
-              <a:rPr lang="en-CA" dirty="0">
-                <a:cs typeface="Courier New" panose="02070309020205020404" pitchFamily="49" charset="0"/>
-              </a:rPr>
-              <a:t>deduce this from structure </a:t>
-            </a:r>
-            <a:r>
-              <a:rPr lang="en-CA" dirty="0" smtClean="0">
-                <a:cs typeface="Courier New" panose="02070309020205020404" pitchFamily="49" charset="0"/>
-              </a:rPr>
-              <a:t>definition</a:t>
-            </a:r>
-            <a:endParaRPr lang="en-CA" dirty="0">
-              <a:cs typeface="Courier New" panose="02070309020205020404" pitchFamily="49" charset="0"/>
-            </a:endParaRPr>
-          </a:p>
-          <a:p>
-            <a:r>
-              <a:rPr lang="en-CA" dirty="0" smtClean="0"/>
-              <a:t>Solution</a:t>
+              <a:t>Developers use library to build robust file-system aware applications</a:t>
             </a:r>
             <a:endParaRPr lang="en-CA" dirty="0"/>
           </a:p>
           <a:p>
-            <a:pPr lvl="1"/>
-            <a:r>
-              <a:rPr lang="en-CA" dirty="0"/>
-              <a:t>Annotate existing </a:t>
-            </a:r>
-            <a:r>
-              <a:rPr lang="en-CA" dirty="0" smtClean="0"/>
-              <a:t>sources </a:t>
-            </a:r>
-            <a:r>
-              <a:rPr lang="en-CA" dirty="0"/>
-              <a:t>to specify missing information</a:t>
-            </a:r>
-          </a:p>
-          <a:p>
-            <a:endParaRPr lang="en-CA" dirty="0">
-              <a:cs typeface="Courier New" panose="02070309020205020404" pitchFamily="49" charset="0"/>
-            </a:endParaRPr>
+            <a:pPr marL="457200" indent="-457200">
+              <a:buFont typeface="+mj-lt"/>
+              <a:buAutoNum type="arabicPeriod"/>
+            </a:pPr>
+            <a:endParaRPr lang="en-CA" dirty="0"/>
+          </a:p>
+          <a:p>
+            <a:pPr marL="457200" indent="-457200">
+              <a:buFont typeface="+mj-lt"/>
+              <a:buAutoNum type="arabicPeriod"/>
+            </a:pPr>
+            <a:endParaRPr lang="en-CA" dirty="0"/>
           </a:p>
           <a:p>
             <a:endParaRPr lang="en-CA" dirty="0"/>
@@ -42265,7 +42396,7 @@
       </p:sp>
       <p:sp>
         <p:nvSpPr>
-          <p:cNvPr id="5" name="Slide Number Placeholder 4"/>
+          <p:cNvPr id="4" name="Slide Number Placeholder 3"/>
           <p:cNvSpPr>
             <a:spLocks noGrp="1"/>
           </p:cNvSpPr>
@@ -42290,7 +42421,7 @@
     </p:spTree>
     <p:extLst>
       <p:ext uri="{BB962C8B-B14F-4D97-AF65-F5344CB8AC3E}">
-        <p14:creationId xmlns:p14="http://schemas.microsoft.com/office/powerpoint/2010/main" val="67937032"/>
+        <p14:creationId xmlns:p14="http://schemas.microsoft.com/office/powerpoint/2010/main" val="1853963608"/>
       </p:ext>
     </p:extLst>
   </p:cSld>
@@ -42334,7 +42465,11 @@
           <a:p>
             <a:r>
               <a:rPr lang="en-CA" dirty="0" smtClean="0"/>
-              <a:t>Spiffy Annotations</a:t>
+              <a:t>Specifyin</a:t>
+            </a:r>
+            <a:r>
+              <a:rPr lang="en-CA" dirty="0" smtClean="0"/>
+              <a:t>g Format</a:t>
             </a:r>
             <a:endParaRPr lang="en-CA" dirty="0"/>
           </a:p>
@@ -42361,19 +42496,36 @@
             </a:pPr>
             <a:r>
               <a:rPr lang="en-CA" dirty="0" smtClean="0"/>
-              <a:t>File system developers specify the format of their file system</a:t>
-            </a:r>
-          </a:p>
-          <a:p>
-            <a:pPr marL="914400" lvl="1" indent="-514350"/>
+              <a:t>File system developers annotate </a:t>
+            </a:r>
             <a:r>
               <a:rPr lang="en-CA" dirty="0" smtClean="0"/>
-              <a:t>Annotate metadata structures in header files of existing source code</a:t>
-            </a:r>
-            <a:endParaRPr lang="en-CA" dirty="0"/>
-          </a:p>
-          <a:p>
-            <a:pPr marL="914400" lvl="1" indent="-514350"/>
+              <a:t>metadata structures in </a:t>
+            </a:r>
+            <a:r>
+              <a:rPr lang="en-CA" dirty="0" smtClean="0"/>
+              <a:t/>
+            </a:r>
+            <a:br>
+              <a:rPr lang="en-CA" dirty="0" smtClean="0"/>
+            </a:br>
+            <a:r>
+              <a:rPr lang="en-CA" dirty="0" smtClean="0"/>
+              <a:t>header </a:t>
+            </a:r>
+            <a:r>
+              <a:rPr lang="en-CA" dirty="0" smtClean="0"/>
+              <a:t>files of existing source </a:t>
+            </a:r>
+            <a:r>
+              <a:rPr lang="en-CA" dirty="0" smtClean="0"/>
+              <a:t>code</a:t>
+            </a:r>
+          </a:p>
+          <a:p>
+            <a:pPr marL="400050" lvl="1" indent="0">
+              <a:buNone/>
+            </a:pPr>
             <a:endParaRPr lang="en-CA" dirty="0"/>
           </a:p>
         </p:txBody>
@@ -44014,7 +44166,11 @@
           <a:p>
             <a:r>
               <a:rPr lang="en-CA" dirty="0" smtClean="0"/>
-              <a:t>Spiffy Library</a:t>
+              <a:t>Generating </a:t>
+            </a:r>
+            <a:r>
+              <a:rPr lang="en-CA" dirty="0" smtClean="0"/>
+              <a:t>Library</a:t>
             </a:r>
             <a:endParaRPr lang="en-CA" dirty="0"/>
           </a:p>
@@ -44041,14 +44197,22 @@
             </a:pPr>
             <a:r>
               <a:rPr lang="en-CA" dirty="0" smtClean="0"/>
-              <a:t>Spiffy compiler processes annotated metadata structures</a:t>
-            </a:r>
-          </a:p>
-          <a:p>
-            <a:pPr marL="914400" lvl="1" indent="-514350"/>
+              <a:t>Spiffy compiler processes annotated metadata </a:t>
+            </a:r>
             <a:r>
               <a:rPr lang="en-CA" dirty="0" smtClean="0"/>
-              <a:t>Generates Spiffy library for type-safe parsing</a:t>
+              <a:t>structures</a:t>
+            </a:r>
+            <a:br>
+              <a:rPr lang="en-CA" dirty="0" smtClean="0"/>
+            </a:br>
+            <a:r>
+              <a:rPr lang="en-CA" dirty="0" smtClean="0"/>
+              <a:t>to generate library </a:t>
+            </a:r>
+            <a:r>
+              <a:rPr lang="en-CA" dirty="0" smtClean="0"/>
+              <a:t>for type-safe parsing</a:t>
             </a:r>
             <a:r>
               <a:rPr lang="en-CA" dirty="0"/>
@@ -45698,8 +45862,16 @@
           <a:lstStyle/>
           <a:p>
             <a:r>
+              <a:rPr lang="en-CA" dirty="0"/>
+              <a:t> </a:t>
+            </a:r>
+            <a:r>
               <a:rPr lang="en-CA" dirty="0" smtClean="0"/>
-              <a:t>Spiffy Applications</a:t>
+              <a:t>Building </a:t>
+            </a:r>
+            <a:r>
+              <a:rPr lang="en-CA" dirty="0" smtClean="0"/>
+              <a:t>Applications</a:t>
             </a:r>
             <a:endParaRPr lang="en-CA" dirty="0"/>
           </a:p>
@@ -45726,22 +45898,27 @@
             </a:pPr>
             <a:r>
               <a:rPr lang="en-CA" dirty="0" smtClean="0"/>
-              <a:t>Application programmer </a:t>
-            </a:r>
-            <a:r>
-              <a:rPr lang="en-CA" dirty="0"/>
-              <a:t>builds </a:t>
+              <a:t>Developers </a:t>
             </a:r>
             <a:r>
               <a:rPr lang="en-CA" dirty="0" smtClean="0"/>
-              <a:t>file-system applications</a:t>
-            </a:r>
-          </a:p>
-          <a:p>
-            <a:pPr marL="914400" lvl="1" indent="-514350"/>
+              <a:t>u</a:t>
+            </a:r>
             <a:r>
               <a:rPr lang="en-CA" dirty="0" smtClean="0"/>
-              <a:t>Uses Spiffy library to simplify the development of robust applications that work across file systems</a:t>
+              <a:t>se </a:t>
+            </a:r>
+            <a:r>
+              <a:rPr lang="en-CA" dirty="0" smtClean="0"/>
+              <a:t>Spiffy library </a:t>
+            </a:r>
+            <a:r>
+              <a:rPr lang="en-CA" dirty="0" smtClean="0"/>
+              <a:t>to build robust </a:t>
+            </a:r>
+            <a:r>
+              <a:rPr lang="en-CA" dirty="0" smtClean="0"/>
+              <a:t>applications that work across file systems</a:t>
             </a:r>
             <a:endParaRPr lang="en-CA" dirty="0"/>
           </a:p>

--- a/talk/spiffy_talk.pptx
+++ b/talk/spiffy_talk.pptx
@@ -5,7 +5,7 @@
     <p:sldMasterId id="2147483660" r:id="rId1"/>
   </p:sldMasterIdLst>
   <p:notesMasterIdLst>
-    <p:notesMasterId r:id="rId38"/>
+    <p:notesMasterId r:id="rId41"/>
   </p:notesMasterIdLst>
   <p:sldIdLst>
     <p:sldId id="256" r:id="rId2"/>
@@ -37,13 +37,16 @@
     <p:sldId id="312" r:id="rId28"/>
     <p:sldId id="267" r:id="rId29"/>
     <p:sldId id="323" r:id="rId30"/>
-    <p:sldId id="279" r:id="rId31"/>
-    <p:sldId id="280" r:id="rId32"/>
-    <p:sldId id="281" r:id="rId33"/>
-    <p:sldId id="258" r:id="rId34"/>
-    <p:sldId id="259" r:id="rId35"/>
-    <p:sldId id="261" r:id="rId36"/>
-    <p:sldId id="260" r:id="rId37"/>
+    <p:sldId id="324" r:id="rId31"/>
+    <p:sldId id="325" r:id="rId32"/>
+    <p:sldId id="326" r:id="rId33"/>
+    <p:sldId id="279" r:id="rId34"/>
+    <p:sldId id="280" r:id="rId35"/>
+    <p:sldId id="281" r:id="rId36"/>
+    <p:sldId id="258" r:id="rId37"/>
+    <p:sldId id="259" r:id="rId38"/>
+    <p:sldId id="261" r:id="rId39"/>
+    <p:sldId id="260" r:id="rId40"/>
   </p:sldIdLst>
   <p:sldSz cx="12192000" cy="6858000"/>
   <p:notesSz cx="6858000" cy="9144000"/>
@@ -439,11 +442,11 @@
         </c:dLbls>
         <c:marker val="1"/>
         <c:smooth val="0"/>
-        <c:axId val="579500816"/>
-        <c:axId val="579506256"/>
+        <c:axId val="1060318176"/>
+        <c:axId val="1060318720"/>
       </c:lineChart>
       <c:catAx>
-        <c:axId val="579500816"/>
+        <c:axId val="1060318176"/>
         <c:scaling>
           <c:orientation val="minMax"/>
         </c:scaling>
@@ -544,7 +547,7 @@
             <a:endParaRPr lang="en-US"/>
           </a:p>
         </c:txPr>
-        <c:crossAx val="579506256"/>
+        <c:crossAx val="1060318720"/>
         <c:crosses val="autoZero"/>
         <c:auto val="0"/>
         <c:lblAlgn val="ctr"/>
@@ -552,7 +555,7 @@
         <c:noMultiLvlLbl val="0"/>
       </c:catAx>
       <c:valAx>
-        <c:axId val="579506256"/>
+        <c:axId val="1060318720"/>
         <c:scaling>
           <c:logBase val="4"/>
           <c:orientation val="minMax"/>
@@ -649,7 +652,7 @@
             <a:endParaRPr lang="en-US"/>
           </a:p>
         </c:txPr>
-        <c:crossAx val="579500816"/>
+        <c:crossAx val="1060318176"/>
         <c:crosses val="autoZero"/>
         <c:crossBetween val="between"/>
       </c:valAx>
@@ -1088,11 +1091,11 @@
         </c:dLbls>
         <c:gapWidth val="20"/>
         <c:overlap val="100"/>
-        <c:axId val="579495920"/>
-        <c:axId val="579495376"/>
+        <c:axId val="1060312736"/>
+        <c:axId val="1060317632"/>
       </c:barChart>
       <c:catAx>
-        <c:axId val="579495920"/>
+        <c:axId val="1060312736"/>
         <c:scaling>
           <c:orientation val="minMax"/>
         </c:scaling>
@@ -1129,7 +1132,7 @@
             <a:endParaRPr lang="en-US"/>
           </a:p>
         </c:txPr>
-        <c:crossAx val="579495376"/>
+        <c:crossAx val="1060317632"/>
         <c:crosses val="autoZero"/>
         <c:auto val="1"/>
         <c:lblAlgn val="ctr"/>
@@ -1137,7 +1140,7 @@
         <c:noMultiLvlLbl val="1"/>
       </c:catAx>
       <c:valAx>
-        <c:axId val="579495376"/>
+        <c:axId val="1060317632"/>
         <c:scaling>
           <c:orientation val="minMax"/>
           <c:max val="3000"/>
@@ -1178,7 +1181,6 @@
               </a:p>
             </c:rich>
           </c:tx>
-          <c:layout/>
           <c:overlay val="0"/>
           <c:spPr>
             <a:noFill/>
@@ -1235,7 +1237,7 @@
             <a:endParaRPr lang="en-US"/>
           </a:p>
         </c:txPr>
-        <c:crossAx val="579495920"/>
+        <c:crossAx val="1060312736"/>
         <c:crosses val="autoZero"/>
         <c:crossBetween val="between"/>
         <c:majorUnit val="1000"/>
@@ -4882,7 +4884,7 @@
           <a:p>
             <a:fld id="{849A0A36-F84D-437B-B821-CB3EBADC1433}" type="slidenum">
               <a:rPr lang="en-CA" smtClean="0"/>
-              <a:t>30</a:t>
+              <a:t>33</a:t>
             </a:fld>
             <a:endParaRPr lang="en-CA"/>
           </a:p>
@@ -4974,7 +4976,7 @@
           <a:p>
             <a:fld id="{849A0A36-F84D-437B-B821-CB3EBADC1433}" type="slidenum">
               <a:rPr lang="en-CA" smtClean="0"/>
-              <a:t>31</a:t>
+              <a:t>34</a:t>
             </a:fld>
             <a:endParaRPr lang="en-CA"/>
           </a:p>
@@ -5066,7 +5068,7 @@
           <a:p>
             <a:fld id="{849A0A36-F84D-437B-B821-CB3EBADC1433}" type="slidenum">
               <a:rPr lang="en-CA" smtClean="0"/>
-              <a:t>32</a:t>
+              <a:t>35</a:t>
             </a:fld>
             <a:endParaRPr lang="en-CA"/>
           </a:p>
@@ -5174,7 +5176,7 @@
           <a:p>
             <a:fld id="{B5B5BF96-4013-477F-9949-176AD53AFF60}" type="slidenum">
               <a:rPr lang="en-CA" smtClean="0"/>
-              <a:t>33</a:t>
+              <a:t>36</a:t>
             </a:fld>
             <a:endParaRPr lang="en-CA"/>
           </a:p>
@@ -5422,7 +5424,7 @@
           <a:p>
             <a:fld id="{849A0A36-F84D-437B-B821-CB3EBADC1433}" type="slidenum">
               <a:rPr lang="en-CA" smtClean="0"/>
-              <a:t>34</a:t>
+              <a:t>37</a:t>
             </a:fld>
             <a:endParaRPr lang="en-CA"/>
           </a:p>
@@ -5518,7 +5520,7 @@
           <a:p>
             <a:fld id="{849A0A36-F84D-437B-B821-CB3EBADC1433}" type="slidenum">
               <a:rPr lang="en-CA" smtClean="0"/>
-              <a:t>35</a:t>
+              <a:t>38</a:t>
             </a:fld>
             <a:endParaRPr lang="en-CA"/>
           </a:p>
@@ -14900,11 +14902,7 @@
             </a:br>
             <a:r>
               <a:rPr lang="en-CA" dirty="0" smtClean="0"/>
-              <a:t>logical </a:t>
-            </a:r>
-            <a:r>
-              <a:rPr lang="en-CA" dirty="0" smtClean="0"/>
-              <a:t>addresses</a:t>
+              <a:t>logical addresses</a:t>
             </a:r>
           </a:p>
           <a:p>
@@ -23297,15 +23295,7 @@
                       <a:schemeClr val="bg1"/>
                     </a:solidFill>
                   </a:rPr>
-                  <a:t>data </a:t>
-                </a:r>
-                <a:r>
-                  <a:rPr lang="en-US" sz="1600" dirty="0" smtClean="0">
-                    <a:solidFill>
-                      <a:schemeClr val="bg1"/>
-                    </a:solidFill>
-                  </a:rPr>
-                  <a:t>block</a:t>
+                  <a:t>data block</a:t>
                 </a:r>
                 <a:endParaRPr lang="en-US" sz="1600" dirty="0">
                   <a:solidFill>
@@ -24517,27 +24507,7 @@
           <a:p>
             <a:r>
               <a:rPr lang="en-CA" dirty="0" smtClean="0"/>
-              <a:t>LOC </a:t>
-            </a:r>
-            <a:r>
-              <a:rPr lang="en-CA" dirty="0" smtClean="0"/>
-              <a:t>required </a:t>
-            </a:r>
-            <a:r>
-              <a:rPr lang="en-CA" dirty="0" smtClean="0"/>
-              <a:t>to </a:t>
-            </a:r>
-            <a:r>
-              <a:rPr lang="en-CA" dirty="0" smtClean="0"/>
-              <a:t>correctly annotate </a:t>
-            </a:r>
-            <a:r>
-              <a:rPr lang="en-CA" dirty="0" smtClean="0"/>
-              <a:t>modern </a:t>
-            </a:r>
-            <a:r>
-              <a:rPr lang="en-CA" dirty="0" smtClean="0"/>
-              <a:t>file systems</a:t>
+              <a:t>LOC required to correctly annotate modern file systems</a:t>
             </a:r>
           </a:p>
           <a:p>
@@ -24558,13 +24528,8 @@
             <a:pPr lvl="1"/>
             <a:r>
               <a:rPr lang="en-CA" dirty="0" smtClean="0"/>
-              <a:t>Some structures need to be </a:t>
-            </a:r>
-            <a:r>
-              <a:rPr lang="en-CA" dirty="0" smtClean="0"/>
-              <a:t>changed</a:t>
-            </a:r>
-            <a:endParaRPr lang="en-CA" dirty="0" smtClean="0"/>
+              <a:t>Some structures need to be changed</a:t>
+            </a:r>
           </a:p>
           <a:p>
             <a:pPr lvl="2"/>
@@ -24578,11 +24543,7 @@
             </a:r>
             <a:r>
               <a:rPr lang="en-CA" dirty="0" smtClean="0"/>
-              <a:t> </a:t>
-            </a:r>
-            <a:r>
-              <a:rPr lang="en-CA" dirty="0" smtClean="0"/>
-              <a:t>is an array of pointers, but the last 3 are indirect pointers of different level</a:t>
+              <a:t> is an array of pointers, but the last 3 are indirect pointers of different level</a:t>
             </a:r>
           </a:p>
           <a:p>
@@ -24650,21 +24611,21 @@
                 <a:gridCol w="2119866">
                   <a:extLst>
                     <a:ext uri="{9D8B030D-6E8A-4147-A177-3AD203B41FA5}">
-                      <a16:colId xmlns:a16="http://schemas.microsoft.com/office/drawing/2014/main" xmlns="" val="20000"/>
+                      <a16:colId xmlns="" xmlns:a16="http://schemas.microsoft.com/office/drawing/2014/main" val="20000"/>
                     </a:ext>
                   </a:extLst>
                 </a:gridCol>
                 <a:gridCol w="2119866">
                   <a:extLst>
                     <a:ext uri="{9D8B030D-6E8A-4147-A177-3AD203B41FA5}">
-                      <a16:colId xmlns:a16="http://schemas.microsoft.com/office/drawing/2014/main" xmlns="" val="20001"/>
+                      <a16:colId xmlns="" xmlns:a16="http://schemas.microsoft.com/office/drawing/2014/main" val="20001"/>
                     </a:ext>
                   </a:extLst>
                 </a:gridCol>
                 <a:gridCol w="2119866">
                   <a:extLst>
                     <a:ext uri="{9D8B030D-6E8A-4147-A177-3AD203B41FA5}">
-                      <a16:colId xmlns:a16="http://schemas.microsoft.com/office/drawing/2014/main" xmlns="" val="20002"/>
+                      <a16:colId xmlns="" xmlns:a16="http://schemas.microsoft.com/office/drawing/2014/main" val="20002"/>
                     </a:ext>
                   </a:extLst>
                 </a:gridCol>
@@ -24738,7 +24699,7 @@
                 </a:tc>
                 <a:extLst>
                   <a:ext uri="{0D108BD9-81ED-4DB2-BD59-A6C34878D82A}">
-                    <a16:rowId xmlns:a16="http://schemas.microsoft.com/office/drawing/2014/main" xmlns="" val="10000"/>
+                    <a16:rowId xmlns="" xmlns:a16="http://schemas.microsoft.com/office/drawing/2014/main" val="10000"/>
                   </a:ext>
                 </a:extLst>
               </a:tr>
@@ -24811,7 +24772,7 @@
                 </a:tc>
                 <a:extLst>
                   <a:ext uri="{0D108BD9-81ED-4DB2-BD59-A6C34878D82A}">
-                    <a16:rowId xmlns:a16="http://schemas.microsoft.com/office/drawing/2014/main" xmlns="" val="10001"/>
+                    <a16:rowId xmlns="" xmlns:a16="http://schemas.microsoft.com/office/drawing/2014/main" val="10001"/>
                   </a:ext>
                 </a:extLst>
               </a:tr>
@@ -24884,7 +24845,7 @@
                 </a:tc>
                 <a:extLst>
                   <a:ext uri="{0D108BD9-81ED-4DB2-BD59-A6C34878D82A}">
-                    <a16:rowId xmlns:a16="http://schemas.microsoft.com/office/drawing/2014/main" xmlns="" val="10002"/>
+                    <a16:rowId xmlns="" xmlns:a16="http://schemas.microsoft.com/office/drawing/2014/main" val="10002"/>
                   </a:ext>
                 </a:extLst>
               </a:tr>
@@ -24957,7 +24918,7 @@
                 </a:tc>
                 <a:extLst>
                   <a:ext uri="{0D108BD9-81ED-4DB2-BD59-A6C34878D82A}">
-                    <a16:rowId xmlns:a16="http://schemas.microsoft.com/office/drawing/2014/main" xmlns="" val="10003"/>
+                    <a16:rowId xmlns="" xmlns:a16="http://schemas.microsoft.com/office/drawing/2014/main" val="10003"/>
                   </a:ext>
                 </a:extLst>
               </a:tr>
@@ -30737,13 +30698,8 @@
           <a:p>
             <a:r>
               <a:rPr lang="en-CA" dirty="0" smtClean="0"/>
-              <a:t>Using Spiffy </a:t>
-            </a:r>
-            <a:r>
-              <a:rPr lang="en-CA" dirty="0" smtClean="0"/>
-              <a:t>Library</a:t>
-            </a:r>
-            <a:endParaRPr lang="en-CA" dirty="0" smtClean="0"/>
+              <a:t>Using Spiffy Library</a:t>
+            </a:r>
           </a:p>
         </p:txBody>
       </p:sp>
@@ -32109,11 +32065,7 @@
           <a:p>
             <a:r>
               <a:rPr lang="en-CA" dirty="0" smtClean="0"/>
-              <a:t>Using Spiffy </a:t>
-            </a:r>
-            <a:r>
-              <a:rPr lang="en-CA" dirty="0" smtClean="0"/>
-              <a:t>Library</a:t>
+              <a:t>Using Spiffy Library</a:t>
             </a:r>
           </a:p>
           <a:p>
@@ -32142,7 +32094,6 @@
               <a:rPr lang="en-CA" dirty="0" smtClean="0"/>
               <a:t>Only need to write file-system specific code to process block allocation metadata</a:t>
             </a:r>
-            <a:endParaRPr lang="en-CA" dirty="0" smtClean="0"/>
           </a:p>
           <a:p>
             <a:pPr lvl="1"/>
@@ -32481,14 +32432,7 @@
                 <a:latin typeface="Courier New" panose="02070309020205020404" pitchFamily="49" charset="0"/>
                 <a:cs typeface="Courier New" panose="02070309020205020404" pitchFamily="49" charset="0"/>
               </a:rPr>
-              <a:t>(vector&lt;Extent</a:t>
-            </a:r>
-            <a:r>
-              <a:rPr lang="en-CA" sz="1600" dirty="0" smtClean="0">
-                <a:latin typeface="Courier New" panose="02070309020205020404" pitchFamily="49" charset="0"/>
-                <a:cs typeface="Courier New" panose="02070309020205020404" pitchFamily="49" charset="0"/>
-              </a:rPr>
-              <a:t>&gt; &amp; </a:t>
+              <a:t>(vector&lt;Extent&gt; &amp; </a:t>
             </a:r>
             <a:r>
               <a:rPr lang="en-CA" sz="1600" dirty="0" err="1" smtClean="0">
@@ -32558,14 +32502,7 @@
                 <a:latin typeface="Courier New" panose="02070309020205020404" pitchFamily="49" charset="0"/>
                 <a:cs typeface="Courier New" panose="02070309020205020404" pitchFamily="49" charset="0"/>
               </a:rPr>
-              <a:t>(dev</a:t>
-            </a:r>
-            <a:r>
-              <a:rPr lang="en-CA" sz="1600" dirty="0" smtClean="0">
-                <a:latin typeface="Courier New" panose="02070309020205020404" pitchFamily="49" charset="0"/>
-                <a:cs typeface="Courier New" panose="02070309020205020404" pitchFamily="49" charset="0"/>
-              </a:rPr>
-              <a:t>);</a:t>
+              <a:t>(dev);</a:t>
             </a:r>
           </a:p>
           <a:p>
@@ -32967,14 +32904,7 @@
                 <a:latin typeface="Courier New" panose="02070309020205020404" pitchFamily="49" charset="0"/>
                 <a:cs typeface="Courier New" panose="02070309020205020404" pitchFamily="49" charset="0"/>
               </a:rPr>
-              <a:t>, </a:t>
-            </a:r>
-            <a:r>
-              <a:rPr lang="en-CA" sz="1600" dirty="0" smtClean="0">
-                <a:latin typeface="Courier New" panose="02070309020205020404" pitchFamily="49" charset="0"/>
-                <a:cs typeface="Courier New" panose="02070309020205020404" pitchFamily="49" charset="0"/>
-              </a:rPr>
-              <a:t>&amp;</a:t>
+              <a:t>, &amp;</a:t>
             </a:r>
             <a:r>
               <a:rPr lang="en-CA" sz="1600" dirty="0" err="1" smtClean="0">
@@ -33258,8 +33188,8 @@
           <a:lstStyle/>
           <a:p>
             <a:r>
-              <a:rPr lang="en-CA" smtClean="0"/>
-              <a:t>Offline Spiffy Applications</a:t>
+              <a:rPr lang="en-CA" dirty="0" smtClean="0"/>
+              <a:t>Type-Specific Corruptor</a:t>
             </a:r>
             <a:endParaRPr lang="en-CA" dirty="0"/>
           </a:p>
@@ -33281,72 +33211,69 @@
           <a:lstStyle/>
           <a:p>
             <a:r>
-              <a:rPr lang="en-CA" smtClean="0"/>
-              <a:t>Have exclusive access to file system image</a:t>
-            </a:r>
-          </a:p>
-          <a:p>
-            <a:r>
-              <a:rPr lang="en-CA" smtClean="0"/>
-              <a:t>File System Dump Tool</a:t>
+              <a:rPr lang="en-CA" dirty="0"/>
+              <a:t>Finds and corrupts a field in a specified </a:t>
+            </a:r>
+            <a:r>
+              <a:rPr lang="en-CA" dirty="0" smtClean="0"/>
+              <a:t>structure</a:t>
+            </a:r>
+            <a:endParaRPr lang="en-CA" dirty="0"/>
+          </a:p>
+          <a:p>
+            <a:r>
+              <a:rPr lang="en-CA" dirty="0" smtClean="0"/>
+              <a:t>Works for all annotated file systems</a:t>
             </a:r>
           </a:p>
           <a:p>
             <a:pPr lvl="1"/>
             <a:r>
-              <a:rPr lang="en-CA" smtClean="0"/>
-              <a:t>Prints out all metadata in a file system</a:t>
-            </a:r>
-          </a:p>
-          <a:p>
-            <a:r>
-              <a:rPr lang="en-CA" smtClean="0"/>
-              <a:t>Type-Specific File System Corruptor</a:t>
+              <a:rPr lang="en-CA" dirty="0" smtClean="0"/>
+              <a:t>Small bootstrap code is required to initialize library</a:t>
             </a:r>
           </a:p>
           <a:p>
             <a:pPr lvl="1"/>
             <a:r>
-              <a:rPr lang="en-CA" smtClean="0"/>
-              <a:t>Finds and corrupts a field in a specified structure</a:t>
-            </a:r>
-          </a:p>
-          <a:p>
-            <a:r>
-              <a:rPr lang="en-CA" smtClean="0"/>
-              <a:t>File System Conversion Tool</a:t>
-            </a:r>
+              <a:rPr lang="en-CA" dirty="0" smtClean="0"/>
+              <a:t>Generic Application Code: 455 LOC</a:t>
+            </a:r>
+            <a:endParaRPr lang="en-CA" dirty="0"/>
           </a:p>
           <a:p>
             <a:pPr lvl="1"/>
             <a:r>
-              <a:rPr lang="en-CA" smtClean="0"/>
-              <a:t>Converts from one file system to another</a:t>
+              <a:rPr lang="en-CA" dirty="0" smtClean="0"/>
+              <a:t>File-System Specific Code: &lt; 30 LOC each</a:t>
+            </a:r>
+          </a:p>
+          <a:p>
+            <a:r>
+              <a:rPr lang="en-CA" dirty="0" smtClean="0"/>
+              <a:t>Corruption Experiment</a:t>
             </a:r>
           </a:p>
           <a:p>
             <a:pPr lvl="1"/>
             <a:r>
-              <a:rPr lang="en-CA" smtClean="0"/>
-              <a:t>minimizes moving of data blocks</a:t>
+              <a:rPr lang="en-CA" dirty="0" smtClean="0"/>
+              <a:t>Ran existing tools on corrupt file system image</a:t>
             </a:r>
           </a:p>
           <a:p>
             <a:pPr lvl="1"/>
             <a:r>
-              <a:rPr lang="en-CA" smtClean="0"/>
-              <a:t>Faster than copying to a difference device, reformat, and copy back	</a:t>
-            </a:r>
-          </a:p>
-          <a:p>
-            <a:pPr lvl="1"/>
+              <a:rPr lang="en-CA" dirty="0" smtClean="0"/>
+              <a:t>Discovered crash bugs in dumpe2fs (Ext4) and dump.f2fs (F2FS)</a:t>
+            </a:r>
             <a:endParaRPr lang="en-CA" dirty="0"/>
           </a:p>
         </p:txBody>
       </p:sp>
       <p:sp>
         <p:nvSpPr>
-          <p:cNvPr id="5" name="Slide Number Placeholder 4"/>
+          <p:cNvPr id="4" name="Slide Number Placeholder 3"/>
           <p:cNvSpPr>
             <a:spLocks noGrp="1"/>
           </p:cNvSpPr>
@@ -33371,20 +33298,13 @@
     </p:spTree>
     <p:extLst>
       <p:ext uri="{BB962C8B-B14F-4D97-AF65-F5344CB8AC3E}">
-        <p14:creationId xmlns:p14="http://schemas.microsoft.com/office/powerpoint/2010/main" val="1364355086"/>
+        <p14:creationId xmlns:p14="http://schemas.microsoft.com/office/powerpoint/2010/main" val="1921927365"/>
       </p:ext>
     </p:extLst>
   </p:cSld>
   <p:clrMapOvr>
     <a:masterClrMapping/>
   </p:clrMapOvr>
-  <p:timing>
-    <p:tnLst>
-      <p:par>
-        <p:cTn id="1" dur="indefinite" restart="never" nodeType="tmRoot"/>
-      </p:par>
-    </p:tnLst>
-  </p:timing>
 </p:sld>
 </file>
 
@@ -33421,8 +33341,8 @@
           <a:lstStyle/>
           <a:p>
             <a:r>
-              <a:rPr lang="en-CA" smtClean="0"/>
-              <a:t>Online Applications</a:t>
+              <a:rPr lang="en-CA" dirty="0" smtClean="0"/>
+              <a:t>File System Conversion Tool</a:t>
             </a:r>
             <a:endParaRPr lang="en-CA" dirty="0"/>
           </a:p>
@@ -33443,87 +33363,13 @@
           <a:bodyPr/>
           <a:lstStyle/>
           <a:p>
-            <a:r>
-              <a:rPr lang="en-CA" smtClean="0"/>
-              <a:t>Operates while file system is in-use</a:t>
-            </a:r>
-          </a:p>
-          <a:p>
-            <a:r>
-              <a:rPr lang="en-CA" smtClean="0"/>
-              <a:t>Differentiated Storage Service</a:t>
-            </a:r>
-          </a:p>
-          <a:p>
-            <a:pPr lvl="1"/>
-            <a:r>
-              <a:rPr lang="en-CA" smtClean="0"/>
-              <a:t>Prioritize metadata and small files</a:t>
-            </a:r>
-          </a:p>
-          <a:p>
-            <a:pPr lvl="1"/>
-            <a:r>
-              <a:rPr lang="en-CA" smtClean="0"/>
-              <a:t>Difficult to implement</a:t>
-            </a:r>
-          </a:p>
-          <a:p>
-            <a:pPr lvl="1"/>
-            <a:r>
-              <a:rPr lang="en-CA" smtClean="0"/>
-              <a:t>Requires file system to provide hints to block layer</a:t>
-            </a:r>
-          </a:p>
-          <a:p>
-            <a:r>
-              <a:rPr lang="en-CA" smtClean="0"/>
-              <a:t>Runtime Interpretation</a:t>
-            </a:r>
-          </a:p>
-          <a:p>
-            <a:pPr lvl="1"/>
-            <a:r>
-              <a:rPr lang="en-CA" smtClean="0"/>
-              <a:t>Classifies file system IO at the block layer</a:t>
-            </a:r>
-          </a:p>
-          <a:p>
-            <a:pPr lvl="1"/>
-            <a:r>
-              <a:rPr lang="en-CA" smtClean="0"/>
-              <a:t>Requires no modification to file system</a:t>
-            </a:r>
-          </a:p>
-          <a:p>
-            <a:pPr lvl="1"/>
-            <a:r>
-              <a:rPr lang="en-CA" smtClean="0"/>
-              <a:t>Requires little file-system specific code</a:t>
-            </a:r>
-          </a:p>
-          <a:p>
-            <a:r>
-              <a:rPr lang="en-CA" smtClean="0"/>
-              <a:t>Spiffy Block Layer Cache</a:t>
-            </a:r>
-          </a:p>
-          <a:p>
-            <a:pPr lvl="1"/>
-            <a:r>
-              <a:rPr lang="en-CA" smtClean="0"/>
-              <a:t>Preferentially caches files belonging to priority users</a:t>
-            </a:r>
-          </a:p>
-          <a:p>
-            <a:pPr lvl="1"/>
-            <a:endParaRPr lang="en-CA" dirty="0"/>
+            <a:endParaRPr lang="en-CA"/>
           </a:p>
         </p:txBody>
       </p:sp>
       <p:sp>
         <p:nvSpPr>
-          <p:cNvPr id="5" name="Slide Number Placeholder 4"/>
+          <p:cNvPr id="4" name="Slide Number Placeholder 3"/>
           <p:cNvSpPr>
             <a:spLocks noGrp="1"/>
           </p:cNvSpPr>
@@ -33548,20 +33394,13 @@
     </p:spTree>
     <p:extLst>
       <p:ext uri="{BB962C8B-B14F-4D97-AF65-F5344CB8AC3E}">
-        <p14:creationId xmlns:p14="http://schemas.microsoft.com/office/powerpoint/2010/main" val="2815511303"/>
+        <p14:creationId xmlns:p14="http://schemas.microsoft.com/office/powerpoint/2010/main" val="1177832070"/>
       </p:ext>
     </p:extLst>
   </p:cSld>
   <p:clrMapOvr>
     <a:masterClrMapping/>
   </p:clrMapOvr>
-  <p:timing>
-    <p:tnLst>
-      <p:par>
-        <p:cTn id="1" dur="indefinite" restart="never" nodeType="tmRoot"/>
-      </p:par>
-    </p:tnLst>
-  </p:timing>
 </p:sld>
 </file>
 
@@ -33598,8 +33437,8 @@
           <a:lstStyle/>
           <a:p>
             <a:r>
-              <a:rPr lang="en-CA" smtClean="0"/>
-              <a:t>Evaluation: Ext4 to F2FS Converter</a:t>
+              <a:rPr lang="en-CA" dirty="0" smtClean="0"/>
+              <a:t>Spiffy Block Layer Cache</a:t>
             </a:r>
             <a:endParaRPr lang="en-CA" dirty="0"/>
           </a:p>
@@ -33620,58 +33459,13 @@
           <a:bodyPr/>
           <a:lstStyle/>
           <a:p>
-            <a:r>
-              <a:rPr lang="en-CA" smtClean="0"/>
-              <a:t>Converts 64GB file system with 16GB file set on SSD</a:t>
-            </a:r>
-          </a:p>
-          <a:p>
-            <a:pPr lvl="1"/>
-            <a:r>
-              <a:rPr lang="en-CA" smtClean="0"/>
-              <a:t>Copy converter copies data to local disk, reformat, then copies back</a:t>
-            </a:r>
-          </a:p>
-          <a:p>
-            <a:pPr lvl="1"/>
-            <a:r>
-              <a:rPr lang="en-CA" smtClean="0"/>
-              <a:t>Spiffy converter and Manual converter minimizes moving data blocks</a:t>
-            </a:r>
-          </a:p>
-          <a:p>
-            <a:endParaRPr lang="en-CA" smtClean="0"/>
-          </a:p>
-          <a:p>
-            <a:endParaRPr lang="en-CA" smtClean="0"/>
-          </a:p>
-          <a:p>
-            <a:endParaRPr lang="en-CA" smtClean="0"/>
-          </a:p>
-          <a:p>
-            <a:endParaRPr lang="en-CA" smtClean="0"/>
-          </a:p>
-          <a:p>
-            <a:endParaRPr lang="en-CA" smtClean="0"/>
-          </a:p>
-          <a:p>
-            <a:r>
-              <a:rPr lang="en-CA" smtClean="0"/>
-              <a:t>Copy converter 30~50 times slower</a:t>
-            </a:r>
-          </a:p>
-          <a:p>
-            <a:r>
-              <a:rPr lang="en-CA" smtClean="0"/>
-              <a:t>Overhead of using Spiffy at most 16.7%</a:t>
-            </a:r>
-            <a:endParaRPr lang="en-CA" dirty="0"/>
+            <a:endParaRPr lang="en-CA"/>
           </a:p>
         </p:txBody>
       </p:sp>
       <p:sp>
         <p:nvSpPr>
-          <p:cNvPr id="6" name="Slide Number Placeholder 5"/>
+          <p:cNvPr id="4" name="Slide Number Placeholder 3"/>
           <p:cNvSpPr>
             <a:spLocks noGrp="1"/>
           </p:cNvSpPr>
@@ -33693,47 +33487,16 @@
           </a:p>
         </p:txBody>
       </p:sp>
-      <p:graphicFrame>
-        <p:nvGraphicFramePr>
-          <p:cNvPr id="7" name="Chart 6"/>
-          <p:cNvGraphicFramePr>
-            <a:graphicFrameLocks/>
-          </p:cNvGraphicFramePr>
-          <p:nvPr>
-            <p:extLst>
-              <p:ext uri="{D42A27DB-BD31-4B8C-83A1-F6EECF244321}">
-                <p14:modId xmlns:p14="http://schemas.microsoft.com/office/powerpoint/2010/main" val="228874709"/>
-              </p:ext>
-            </p:extLst>
-          </p:nvPr>
-        </p:nvGraphicFramePr>
-        <p:xfrm>
-          <a:off x="1420739" y="1630018"/>
-          <a:ext cx="8167835" cy="4283420"/>
-        </p:xfrm>
-        <a:graphic>
-          <a:graphicData uri="http://schemas.openxmlformats.org/drawingml/2006/chart">
-            <c:chart xmlns:c="http://schemas.openxmlformats.org/drawingml/2006/chart" xmlns:r="http://schemas.openxmlformats.org/officeDocument/2006/relationships" r:id="rId3"/>
-          </a:graphicData>
-        </a:graphic>
-      </p:graphicFrame>
     </p:spTree>
     <p:extLst>
       <p:ext uri="{BB962C8B-B14F-4D97-AF65-F5344CB8AC3E}">
-        <p14:creationId xmlns:p14="http://schemas.microsoft.com/office/powerpoint/2010/main" val="1496817654"/>
+        <p14:creationId xmlns:p14="http://schemas.microsoft.com/office/powerpoint/2010/main" val="1540520279"/>
       </p:ext>
     </p:extLst>
   </p:cSld>
   <p:clrMapOvr>
     <a:masterClrMapping/>
   </p:clrMapOvr>
-  <p:timing>
-    <p:tnLst>
-      <p:par>
-        <p:cTn id="1" dur="indefinite" restart="never" nodeType="tmRoot"/>
-      </p:par>
-    </p:tnLst>
-  </p:timing>
 </p:sld>
 </file>
 
@@ -33771,7 +33534,7 @@
           <a:p>
             <a:r>
               <a:rPr lang="en-CA" smtClean="0"/>
-              <a:t>Conclusion</a:t>
+              <a:t>Offline Spiffy Applications</a:t>
             </a:r>
             <a:endParaRPr lang="en-CA" dirty="0"/>
           </a:p>
@@ -33793,77 +33556,72 @@
           <a:lstStyle/>
           <a:p>
             <a:r>
-              <a:rPr lang="en-CA" smtClean="0"/>
-              <a:t>Spiffy framework</a:t>
+              <a:rPr lang="en-CA" dirty="0" smtClean="0"/>
+              <a:t>Have exclusive access to file system image</a:t>
+            </a:r>
+          </a:p>
+          <a:p>
+            <a:r>
+              <a:rPr lang="en-CA" dirty="0" smtClean="0"/>
+              <a:t>File System Dump Tool</a:t>
             </a:r>
           </a:p>
           <a:p>
             <a:pPr lvl="1"/>
             <a:r>
-              <a:rPr lang="en-CA" smtClean="0"/>
-              <a:t>Annotation language for specifying file system format</a:t>
+              <a:rPr lang="en-CA" dirty="0" smtClean="0"/>
+              <a:t>Prints out all metadata in a file system</a:t>
+            </a:r>
+          </a:p>
+          <a:p>
+            <a:r>
+              <a:rPr lang="en-CA" dirty="0" smtClean="0"/>
+              <a:t>Type-Specific File System Corruptor</a:t>
             </a:r>
           </a:p>
           <a:p>
             <a:pPr lvl="1"/>
             <a:r>
-              <a:rPr lang="en-CA" smtClean="0"/>
-              <a:t>API for interpreting, and traversing file system metadata</a:t>
-            </a:r>
-          </a:p>
-          <a:p>
-            <a:pPr lvl="2"/>
-            <a:r>
-              <a:rPr lang="en-CA" smtClean="0"/>
-              <a:t>Simplifies development of file-system aware applications</a:t>
-            </a:r>
-          </a:p>
-          <a:p>
-            <a:pPr lvl="2"/>
-            <a:r>
-              <a:rPr lang="en-CA" smtClean="0"/>
-              <a:t>Reduces file-system specific code</a:t>
-            </a:r>
-          </a:p>
-          <a:p>
-            <a:pPr lvl="2"/>
-            <a:r>
-              <a:rPr lang="en-CA" smtClean="0"/>
-              <a:t>Enables code reuse across file systems</a:t>
+              <a:rPr lang="en-CA" dirty="0" smtClean="0"/>
+              <a:t>Finds and corrupts a field in a specified structure</a:t>
+            </a:r>
+          </a:p>
+          <a:p>
+            <a:r>
+              <a:rPr lang="en-CA" dirty="0" smtClean="0"/>
+              <a:t>File System Conversion Tool</a:t>
             </a:r>
           </a:p>
           <a:p>
             <a:pPr lvl="1"/>
             <a:r>
-              <a:rPr lang="en-CA" smtClean="0"/>
-              <a:t>Generated library from annotated data structures</a:t>
-            </a:r>
-          </a:p>
-          <a:p>
-            <a:pPr lvl="2"/>
-            <a:r>
-              <a:rPr lang="en-CA" smtClean="0"/>
-              <a:t>Robust against file system corruption</a:t>
-            </a:r>
-          </a:p>
-          <a:p>
-            <a:pPr lvl="2"/>
-            <a:r>
-              <a:rPr lang="en-CA" smtClean="0"/>
-              <a:t>Achieves good performance</a:t>
-            </a:r>
-          </a:p>
-          <a:p>
-            <a:endParaRPr lang="en-CA" smtClean="0"/>
-          </a:p>
-          <a:p>
+              <a:rPr lang="en-CA" dirty="0" smtClean="0"/>
+              <a:t>Converts from one file system to another</a:t>
+            </a:r>
+          </a:p>
+          <a:p>
+            <a:pPr lvl="1"/>
+            <a:r>
+              <a:rPr lang="en-CA" dirty="0" smtClean="0"/>
+              <a:t>minimizes moving of data blocks</a:t>
+            </a:r>
+          </a:p>
+          <a:p>
+            <a:pPr lvl="1"/>
+            <a:r>
+              <a:rPr lang="en-CA" dirty="0" smtClean="0"/>
+              <a:t>Faster than copying to a difference device, reformat, and copy back	</a:t>
+            </a:r>
+          </a:p>
+          <a:p>
+            <a:pPr lvl="1"/>
             <a:endParaRPr lang="en-CA" dirty="0"/>
           </a:p>
         </p:txBody>
       </p:sp>
       <p:sp>
         <p:nvSpPr>
-          <p:cNvPr id="4" name="Slide Number Placeholder 3"/>
+          <p:cNvPr id="5" name="Slide Number Placeholder 4"/>
           <p:cNvSpPr>
             <a:spLocks noGrp="1"/>
           </p:cNvSpPr>
@@ -33888,7 +33646,7 @@
     </p:spTree>
     <p:extLst>
       <p:ext uri="{BB962C8B-B14F-4D97-AF65-F5344CB8AC3E}">
-        <p14:creationId xmlns:p14="http://schemas.microsoft.com/office/powerpoint/2010/main" val="169057136"/>
+        <p14:creationId xmlns:p14="http://schemas.microsoft.com/office/powerpoint/2010/main" val="1364355086"/>
       </p:ext>
     </p:extLst>
   </p:cSld>
@@ -33939,7 +33697,7 @@
           <a:p>
             <a:r>
               <a:rPr lang="en-CA" smtClean="0"/>
-              <a:t>Evaluation: Programming Effort</a:t>
+              <a:t>Online Applications</a:t>
             </a:r>
             <a:endParaRPr lang="en-CA" dirty="0"/>
           </a:p>
@@ -33960,6 +33718,203 @@
           <a:bodyPr/>
           <a:lstStyle/>
           <a:p>
+            <a:r>
+              <a:rPr lang="en-CA" smtClean="0"/>
+              <a:t>Operates while file system is in-use</a:t>
+            </a:r>
+          </a:p>
+          <a:p>
+            <a:r>
+              <a:rPr lang="en-CA" smtClean="0"/>
+              <a:t>Differentiated Storage Service</a:t>
+            </a:r>
+          </a:p>
+          <a:p>
+            <a:pPr lvl="1"/>
+            <a:r>
+              <a:rPr lang="en-CA" smtClean="0"/>
+              <a:t>Prioritize metadata and small files</a:t>
+            </a:r>
+          </a:p>
+          <a:p>
+            <a:pPr lvl="1"/>
+            <a:r>
+              <a:rPr lang="en-CA" smtClean="0"/>
+              <a:t>Difficult to implement</a:t>
+            </a:r>
+          </a:p>
+          <a:p>
+            <a:pPr lvl="1"/>
+            <a:r>
+              <a:rPr lang="en-CA" smtClean="0"/>
+              <a:t>Requires file system to provide hints to block layer</a:t>
+            </a:r>
+          </a:p>
+          <a:p>
+            <a:r>
+              <a:rPr lang="en-CA" smtClean="0"/>
+              <a:t>Runtime Interpretation</a:t>
+            </a:r>
+          </a:p>
+          <a:p>
+            <a:pPr lvl="1"/>
+            <a:r>
+              <a:rPr lang="en-CA" smtClean="0"/>
+              <a:t>Classifies file system IO at the block layer</a:t>
+            </a:r>
+          </a:p>
+          <a:p>
+            <a:pPr lvl="1"/>
+            <a:r>
+              <a:rPr lang="en-CA" smtClean="0"/>
+              <a:t>Requires no modification to file system</a:t>
+            </a:r>
+          </a:p>
+          <a:p>
+            <a:pPr lvl="1"/>
+            <a:r>
+              <a:rPr lang="en-CA" smtClean="0"/>
+              <a:t>Requires little file-system specific code</a:t>
+            </a:r>
+          </a:p>
+          <a:p>
+            <a:r>
+              <a:rPr lang="en-CA" smtClean="0"/>
+              <a:t>Spiffy Block Layer Cache</a:t>
+            </a:r>
+          </a:p>
+          <a:p>
+            <a:pPr lvl="1"/>
+            <a:r>
+              <a:rPr lang="en-CA" smtClean="0"/>
+              <a:t>Preferentially caches files belonging to priority users</a:t>
+            </a:r>
+          </a:p>
+          <a:p>
+            <a:pPr lvl="1"/>
+            <a:endParaRPr lang="en-CA" dirty="0"/>
+          </a:p>
+        </p:txBody>
+      </p:sp>
+      <p:sp>
+        <p:nvSpPr>
+          <p:cNvPr id="5" name="Slide Number Placeholder 4"/>
+          <p:cNvSpPr>
+            <a:spLocks noGrp="1"/>
+          </p:cNvSpPr>
+          <p:nvPr>
+            <p:ph type="sldNum" sz="quarter" idx="12"/>
+          </p:nvPr>
+        </p:nvSpPr>
+        <p:spPr/>
+        <p:txBody>
+          <a:bodyPr/>
+          <a:lstStyle/>
+          <a:p>
+            <a:fld id="{7B2023C8-B124-43A9-8F92-0EEF5BAA9995}" type="slidenum">
+              <a:rPr lang="en-CA" smtClean="0"/>
+              <a:pPr/>
+              <a:t>34</a:t>
+            </a:fld>
+            <a:endParaRPr lang="en-CA" dirty="0"/>
+          </a:p>
+        </p:txBody>
+      </p:sp>
+    </p:spTree>
+    <p:extLst>
+      <p:ext uri="{BB962C8B-B14F-4D97-AF65-F5344CB8AC3E}">
+        <p14:creationId xmlns:p14="http://schemas.microsoft.com/office/powerpoint/2010/main" val="2815511303"/>
+      </p:ext>
+    </p:extLst>
+  </p:cSld>
+  <p:clrMapOvr>
+    <a:masterClrMapping/>
+  </p:clrMapOvr>
+  <p:timing>
+    <p:tnLst>
+      <p:par>
+        <p:cTn id="1" dur="indefinite" restart="never" nodeType="tmRoot"/>
+      </p:par>
+    </p:tnLst>
+  </p:timing>
+</p:sld>
+</file>
+
+<file path=ppt/slides/slide35.xml><?xml version="1.0" encoding="utf-8"?>
+<p:sld xmlns:a="http://schemas.openxmlformats.org/drawingml/2006/main" xmlns:r="http://schemas.openxmlformats.org/officeDocument/2006/relationships" xmlns:p="http://schemas.openxmlformats.org/presentationml/2006/main">
+  <p:cSld>
+    <p:spTree>
+      <p:nvGrpSpPr>
+        <p:cNvPr id="1" name=""/>
+        <p:cNvGrpSpPr/>
+        <p:nvPr/>
+      </p:nvGrpSpPr>
+      <p:grpSpPr>
+        <a:xfrm>
+          <a:off x="0" y="0"/>
+          <a:ext cx="0" cy="0"/>
+          <a:chOff x="0" y="0"/>
+          <a:chExt cx="0" cy="0"/>
+        </a:xfrm>
+      </p:grpSpPr>
+      <p:sp>
+        <p:nvSpPr>
+          <p:cNvPr id="2" name="Title 1"/>
+          <p:cNvSpPr>
+            <a:spLocks noGrp="1"/>
+          </p:cNvSpPr>
+          <p:nvPr>
+            <p:ph type="title"/>
+          </p:nvPr>
+        </p:nvSpPr>
+        <p:spPr/>
+        <p:txBody>
+          <a:bodyPr/>
+          <a:lstStyle/>
+          <a:p>
+            <a:r>
+              <a:rPr lang="en-CA" smtClean="0"/>
+              <a:t>Evaluation: Ext4 to F2FS Converter</a:t>
+            </a:r>
+            <a:endParaRPr lang="en-CA" dirty="0"/>
+          </a:p>
+        </p:txBody>
+      </p:sp>
+      <p:sp>
+        <p:nvSpPr>
+          <p:cNvPr id="3" name="Content Placeholder 2"/>
+          <p:cNvSpPr>
+            <a:spLocks noGrp="1"/>
+          </p:cNvSpPr>
+          <p:nvPr>
+            <p:ph idx="1"/>
+          </p:nvPr>
+        </p:nvSpPr>
+        <p:spPr/>
+        <p:txBody>
+          <a:bodyPr/>
+          <a:lstStyle/>
+          <a:p>
+            <a:r>
+              <a:rPr lang="en-CA" smtClean="0"/>
+              <a:t>Converts 64GB file system with 16GB file set on SSD</a:t>
+            </a:r>
+          </a:p>
+          <a:p>
+            <a:pPr lvl="1"/>
+            <a:r>
+              <a:rPr lang="en-CA" smtClean="0"/>
+              <a:t>Copy converter copies data to local disk, reformat, then copies back</a:t>
+            </a:r>
+          </a:p>
+          <a:p>
+            <a:pPr lvl="1"/>
+            <a:r>
+              <a:rPr lang="en-CA" smtClean="0"/>
+              <a:t>Spiffy converter and Manual converter minimizes moving data blocks</a:t>
+            </a:r>
+          </a:p>
+          <a:p>
             <a:endParaRPr lang="en-CA" smtClean="0"/>
           </a:p>
           <a:p>
@@ -33975,22 +33930,15 @@
             <a:endParaRPr lang="en-CA" smtClean="0"/>
           </a:p>
           <a:p>
-            <a:endParaRPr lang="en-CA" smtClean="0"/>
-          </a:p>
-          <a:p>
-            <a:endParaRPr lang="en-CA" smtClean="0"/>
-          </a:p>
-          <a:p>
             <a:r>
               <a:rPr lang="en-CA" smtClean="0"/>
-              <a:t>Programming effort reduced for read-only file system applications</a:t>
-            </a:r>
-          </a:p>
-          <a:p>
-            <a:pPr lvl="1"/>
+              <a:t>Copy converter 30~50 times slower</a:t>
+            </a:r>
+          </a:p>
+          <a:p>
             <a:r>
               <a:rPr lang="en-CA" smtClean="0"/>
-              <a:t>Both online and offline</a:t>
+              <a:t>Overhead of using Spiffy at most 16.7%</a:t>
             </a:r>
             <a:endParaRPr lang="en-CA" dirty="0"/>
           </a:p>
@@ -34014,7 +33962,334 @@
             <a:fld id="{7B2023C8-B124-43A9-8F92-0EEF5BAA9995}" type="slidenum">
               <a:rPr lang="en-CA" smtClean="0"/>
               <a:pPr/>
-              <a:t>34</a:t>
+              <a:t>35</a:t>
+            </a:fld>
+            <a:endParaRPr lang="en-CA" dirty="0"/>
+          </a:p>
+        </p:txBody>
+      </p:sp>
+      <p:graphicFrame>
+        <p:nvGraphicFramePr>
+          <p:cNvPr id="7" name="Chart 6"/>
+          <p:cNvGraphicFramePr>
+            <a:graphicFrameLocks/>
+          </p:cNvGraphicFramePr>
+          <p:nvPr>
+            <p:extLst>
+              <p:ext uri="{D42A27DB-BD31-4B8C-83A1-F6EECF244321}">
+                <p14:modId xmlns:p14="http://schemas.microsoft.com/office/powerpoint/2010/main" val="228874709"/>
+              </p:ext>
+            </p:extLst>
+          </p:nvPr>
+        </p:nvGraphicFramePr>
+        <p:xfrm>
+          <a:off x="1420739" y="1630018"/>
+          <a:ext cx="8167835" cy="4283420"/>
+        </p:xfrm>
+        <a:graphic>
+          <a:graphicData uri="http://schemas.openxmlformats.org/drawingml/2006/chart">
+            <c:chart xmlns:c="http://schemas.openxmlformats.org/drawingml/2006/chart" xmlns:r="http://schemas.openxmlformats.org/officeDocument/2006/relationships" r:id="rId3"/>
+          </a:graphicData>
+        </a:graphic>
+      </p:graphicFrame>
+    </p:spTree>
+    <p:extLst>
+      <p:ext uri="{BB962C8B-B14F-4D97-AF65-F5344CB8AC3E}">
+        <p14:creationId xmlns:p14="http://schemas.microsoft.com/office/powerpoint/2010/main" val="1496817654"/>
+      </p:ext>
+    </p:extLst>
+  </p:cSld>
+  <p:clrMapOvr>
+    <a:masterClrMapping/>
+  </p:clrMapOvr>
+  <p:timing>
+    <p:tnLst>
+      <p:par>
+        <p:cTn id="1" dur="indefinite" restart="never" nodeType="tmRoot"/>
+      </p:par>
+    </p:tnLst>
+  </p:timing>
+</p:sld>
+</file>
+
+<file path=ppt/slides/slide36.xml><?xml version="1.0" encoding="utf-8"?>
+<p:sld xmlns:a="http://schemas.openxmlformats.org/drawingml/2006/main" xmlns:r="http://schemas.openxmlformats.org/officeDocument/2006/relationships" xmlns:p="http://schemas.openxmlformats.org/presentationml/2006/main">
+  <p:cSld>
+    <p:spTree>
+      <p:nvGrpSpPr>
+        <p:cNvPr id="1" name=""/>
+        <p:cNvGrpSpPr/>
+        <p:nvPr/>
+      </p:nvGrpSpPr>
+      <p:grpSpPr>
+        <a:xfrm>
+          <a:off x="0" y="0"/>
+          <a:ext cx="0" cy="0"/>
+          <a:chOff x="0" y="0"/>
+          <a:chExt cx="0" cy="0"/>
+        </a:xfrm>
+      </p:grpSpPr>
+      <p:sp>
+        <p:nvSpPr>
+          <p:cNvPr id="2" name="Title 1"/>
+          <p:cNvSpPr>
+            <a:spLocks noGrp="1"/>
+          </p:cNvSpPr>
+          <p:nvPr>
+            <p:ph type="title"/>
+          </p:nvPr>
+        </p:nvSpPr>
+        <p:spPr/>
+        <p:txBody>
+          <a:bodyPr/>
+          <a:lstStyle/>
+          <a:p>
+            <a:r>
+              <a:rPr lang="en-CA" smtClean="0"/>
+              <a:t>Conclusion</a:t>
+            </a:r>
+            <a:endParaRPr lang="en-CA" dirty="0"/>
+          </a:p>
+        </p:txBody>
+      </p:sp>
+      <p:sp>
+        <p:nvSpPr>
+          <p:cNvPr id="3" name="Content Placeholder 2"/>
+          <p:cNvSpPr>
+            <a:spLocks noGrp="1"/>
+          </p:cNvSpPr>
+          <p:nvPr>
+            <p:ph idx="1"/>
+          </p:nvPr>
+        </p:nvSpPr>
+        <p:spPr/>
+        <p:txBody>
+          <a:bodyPr/>
+          <a:lstStyle/>
+          <a:p>
+            <a:r>
+              <a:rPr lang="en-CA" smtClean="0"/>
+              <a:t>Spiffy framework</a:t>
+            </a:r>
+          </a:p>
+          <a:p>
+            <a:pPr lvl="1"/>
+            <a:r>
+              <a:rPr lang="en-CA" smtClean="0"/>
+              <a:t>Annotation language for specifying file system format</a:t>
+            </a:r>
+          </a:p>
+          <a:p>
+            <a:pPr lvl="1"/>
+            <a:r>
+              <a:rPr lang="en-CA" smtClean="0"/>
+              <a:t>API for interpreting, and traversing file system metadata</a:t>
+            </a:r>
+          </a:p>
+          <a:p>
+            <a:pPr lvl="2"/>
+            <a:r>
+              <a:rPr lang="en-CA" smtClean="0"/>
+              <a:t>Simplifies development of file-system aware applications</a:t>
+            </a:r>
+          </a:p>
+          <a:p>
+            <a:pPr lvl="2"/>
+            <a:r>
+              <a:rPr lang="en-CA" smtClean="0"/>
+              <a:t>Reduces file-system specific code</a:t>
+            </a:r>
+          </a:p>
+          <a:p>
+            <a:pPr lvl="2"/>
+            <a:r>
+              <a:rPr lang="en-CA" smtClean="0"/>
+              <a:t>Enables code reuse across file systems</a:t>
+            </a:r>
+          </a:p>
+          <a:p>
+            <a:pPr lvl="1"/>
+            <a:r>
+              <a:rPr lang="en-CA" smtClean="0"/>
+              <a:t>Generated library from annotated data structures</a:t>
+            </a:r>
+          </a:p>
+          <a:p>
+            <a:pPr lvl="2"/>
+            <a:r>
+              <a:rPr lang="en-CA" smtClean="0"/>
+              <a:t>Robust against file system corruption</a:t>
+            </a:r>
+          </a:p>
+          <a:p>
+            <a:pPr lvl="2"/>
+            <a:r>
+              <a:rPr lang="en-CA" smtClean="0"/>
+              <a:t>Achieves good performance</a:t>
+            </a:r>
+          </a:p>
+          <a:p>
+            <a:endParaRPr lang="en-CA" smtClean="0"/>
+          </a:p>
+          <a:p>
+            <a:endParaRPr lang="en-CA" dirty="0"/>
+          </a:p>
+        </p:txBody>
+      </p:sp>
+      <p:sp>
+        <p:nvSpPr>
+          <p:cNvPr id="4" name="Slide Number Placeholder 3"/>
+          <p:cNvSpPr>
+            <a:spLocks noGrp="1"/>
+          </p:cNvSpPr>
+          <p:nvPr>
+            <p:ph type="sldNum" sz="quarter" idx="12"/>
+          </p:nvPr>
+        </p:nvSpPr>
+        <p:spPr/>
+        <p:txBody>
+          <a:bodyPr/>
+          <a:lstStyle/>
+          <a:p>
+            <a:fld id="{7B2023C8-B124-43A9-8F92-0EEF5BAA9995}" type="slidenum">
+              <a:rPr lang="en-CA" smtClean="0"/>
+              <a:pPr/>
+              <a:t>36</a:t>
+            </a:fld>
+            <a:endParaRPr lang="en-CA" dirty="0"/>
+          </a:p>
+        </p:txBody>
+      </p:sp>
+    </p:spTree>
+    <p:extLst>
+      <p:ext uri="{BB962C8B-B14F-4D97-AF65-F5344CB8AC3E}">
+        <p14:creationId xmlns:p14="http://schemas.microsoft.com/office/powerpoint/2010/main" val="169057136"/>
+      </p:ext>
+    </p:extLst>
+  </p:cSld>
+  <p:clrMapOvr>
+    <a:masterClrMapping/>
+  </p:clrMapOvr>
+  <p:timing>
+    <p:tnLst>
+      <p:par>
+        <p:cTn id="1" dur="indefinite" restart="never" nodeType="tmRoot"/>
+      </p:par>
+    </p:tnLst>
+  </p:timing>
+</p:sld>
+</file>
+
+<file path=ppt/slides/slide37.xml><?xml version="1.0" encoding="utf-8"?>
+<p:sld xmlns:a="http://schemas.openxmlformats.org/drawingml/2006/main" xmlns:r="http://schemas.openxmlformats.org/officeDocument/2006/relationships" xmlns:p="http://schemas.openxmlformats.org/presentationml/2006/main">
+  <p:cSld>
+    <p:spTree>
+      <p:nvGrpSpPr>
+        <p:cNvPr id="1" name=""/>
+        <p:cNvGrpSpPr/>
+        <p:nvPr/>
+      </p:nvGrpSpPr>
+      <p:grpSpPr>
+        <a:xfrm>
+          <a:off x="0" y="0"/>
+          <a:ext cx="0" cy="0"/>
+          <a:chOff x="0" y="0"/>
+          <a:chExt cx="0" cy="0"/>
+        </a:xfrm>
+      </p:grpSpPr>
+      <p:sp>
+        <p:nvSpPr>
+          <p:cNvPr id="2" name="Title 1"/>
+          <p:cNvSpPr>
+            <a:spLocks noGrp="1"/>
+          </p:cNvSpPr>
+          <p:nvPr>
+            <p:ph type="title"/>
+          </p:nvPr>
+        </p:nvSpPr>
+        <p:spPr/>
+        <p:txBody>
+          <a:bodyPr/>
+          <a:lstStyle/>
+          <a:p>
+            <a:r>
+              <a:rPr lang="en-CA" smtClean="0"/>
+              <a:t>Evaluation: Programming Effort</a:t>
+            </a:r>
+            <a:endParaRPr lang="en-CA" dirty="0"/>
+          </a:p>
+        </p:txBody>
+      </p:sp>
+      <p:sp>
+        <p:nvSpPr>
+          <p:cNvPr id="3" name="Content Placeholder 2"/>
+          <p:cNvSpPr>
+            <a:spLocks noGrp="1"/>
+          </p:cNvSpPr>
+          <p:nvPr>
+            <p:ph idx="1"/>
+          </p:nvPr>
+        </p:nvSpPr>
+        <p:spPr/>
+        <p:txBody>
+          <a:bodyPr/>
+          <a:lstStyle/>
+          <a:p>
+            <a:endParaRPr lang="en-CA" smtClean="0"/>
+          </a:p>
+          <a:p>
+            <a:endParaRPr lang="en-CA" smtClean="0"/>
+          </a:p>
+          <a:p>
+            <a:endParaRPr lang="en-CA" smtClean="0"/>
+          </a:p>
+          <a:p>
+            <a:endParaRPr lang="en-CA" smtClean="0"/>
+          </a:p>
+          <a:p>
+            <a:endParaRPr lang="en-CA" smtClean="0"/>
+          </a:p>
+          <a:p>
+            <a:endParaRPr lang="en-CA" smtClean="0"/>
+          </a:p>
+          <a:p>
+            <a:endParaRPr lang="en-CA" smtClean="0"/>
+          </a:p>
+          <a:p>
+            <a:r>
+              <a:rPr lang="en-CA" smtClean="0"/>
+              <a:t>Programming effort reduced for read-only file system applications</a:t>
+            </a:r>
+          </a:p>
+          <a:p>
+            <a:pPr lvl="1"/>
+            <a:r>
+              <a:rPr lang="en-CA" smtClean="0"/>
+              <a:t>Both online and offline</a:t>
+            </a:r>
+            <a:endParaRPr lang="en-CA" dirty="0"/>
+          </a:p>
+        </p:txBody>
+      </p:sp>
+      <p:sp>
+        <p:nvSpPr>
+          <p:cNvPr id="6" name="Slide Number Placeholder 5"/>
+          <p:cNvSpPr>
+            <a:spLocks noGrp="1"/>
+          </p:cNvSpPr>
+          <p:nvPr>
+            <p:ph type="sldNum" sz="quarter" idx="12"/>
+          </p:nvPr>
+        </p:nvSpPr>
+        <p:spPr/>
+        <p:txBody>
+          <a:bodyPr/>
+          <a:lstStyle/>
+          <a:p>
+            <a:fld id="{7B2023C8-B124-43A9-8F92-0EEF5BAA9995}" type="slidenum">
+              <a:rPr lang="en-CA" smtClean="0"/>
+              <a:pPr/>
+              <a:t>37</a:t>
             </a:fld>
             <a:endParaRPr lang="en-CA" dirty="0"/>
           </a:p>
@@ -34048,21 +34323,21 @@
                 <a:gridCol w="3593986">
                   <a:extLst>
                     <a:ext uri="{9D8B030D-6E8A-4147-A177-3AD203B41FA5}">
-                      <a16:colId xmlns:a16="http://schemas.microsoft.com/office/drawing/2014/main" xmlns="" val="20000"/>
+                      <a16:colId xmlns="" xmlns:a16="http://schemas.microsoft.com/office/drawing/2014/main" val="20000"/>
                     </a:ext>
                   </a:extLst>
                 </a:gridCol>
                 <a:gridCol w="2017336">
                   <a:extLst>
                     <a:ext uri="{9D8B030D-6E8A-4147-A177-3AD203B41FA5}">
-                      <a16:colId xmlns:a16="http://schemas.microsoft.com/office/drawing/2014/main" xmlns="" val="20001"/>
+                      <a16:colId xmlns="" xmlns:a16="http://schemas.microsoft.com/office/drawing/2014/main" val="20001"/>
                     </a:ext>
                   </a:extLst>
                 </a:gridCol>
                 <a:gridCol w="3289955">
                   <a:extLst>
                     <a:ext uri="{9D8B030D-6E8A-4147-A177-3AD203B41FA5}">
-                      <a16:colId xmlns:a16="http://schemas.microsoft.com/office/drawing/2014/main" xmlns="" val="20002"/>
+                      <a16:colId xmlns="" xmlns:a16="http://schemas.microsoft.com/office/drawing/2014/main" val="20002"/>
                     </a:ext>
                   </a:extLst>
                 </a:gridCol>
@@ -34152,7 +34427,7 @@
                 </a:tc>
                 <a:extLst>
                   <a:ext uri="{0D108BD9-81ED-4DB2-BD59-A6C34878D82A}">
-                    <a16:rowId xmlns:a16="http://schemas.microsoft.com/office/drawing/2014/main" xmlns="" val="10000"/>
+                    <a16:rowId xmlns="" xmlns:a16="http://schemas.microsoft.com/office/drawing/2014/main" val="10000"/>
                   </a:ext>
                 </a:extLst>
               </a:tr>
@@ -34225,7 +34500,7 @@
                 </a:tc>
                 <a:extLst>
                   <a:ext uri="{0D108BD9-81ED-4DB2-BD59-A6C34878D82A}">
-                    <a16:rowId xmlns:a16="http://schemas.microsoft.com/office/drawing/2014/main" xmlns="" val="10001"/>
+                    <a16:rowId xmlns="" xmlns:a16="http://schemas.microsoft.com/office/drawing/2014/main" val="10001"/>
                   </a:ext>
                 </a:extLst>
               </a:tr>
@@ -34306,7 +34581,7 @@
                 </a:tc>
                 <a:extLst>
                   <a:ext uri="{0D108BD9-81ED-4DB2-BD59-A6C34878D82A}">
-                    <a16:rowId xmlns:a16="http://schemas.microsoft.com/office/drawing/2014/main" xmlns="" val="10002"/>
+                    <a16:rowId xmlns="" xmlns:a16="http://schemas.microsoft.com/office/drawing/2014/main" val="10002"/>
                   </a:ext>
                 </a:extLst>
               </a:tr>
@@ -34387,7 +34662,7 @@
                 </a:tc>
                 <a:extLst>
                   <a:ext uri="{0D108BD9-81ED-4DB2-BD59-A6C34878D82A}">
-                    <a16:rowId xmlns:a16="http://schemas.microsoft.com/office/drawing/2014/main" xmlns="" val="10003"/>
+                    <a16:rowId xmlns="" xmlns:a16="http://schemas.microsoft.com/office/drawing/2014/main" val="10003"/>
                   </a:ext>
                 </a:extLst>
               </a:tr>
@@ -34484,7 +34759,7 @@
                 </a:tc>
                 <a:extLst>
                   <a:ext uri="{0D108BD9-81ED-4DB2-BD59-A6C34878D82A}">
-                    <a16:rowId xmlns:a16="http://schemas.microsoft.com/office/drawing/2014/main" xmlns="" val="10004"/>
+                    <a16:rowId xmlns="" xmlns:a16="http://schemas.microsoft.com/office/drawing/2014/main" val="10004"/>
                   </a:ext>
                 </a:extLst>
               </a:tr>
@@ -34589,7 +34864,7 @@
                 </a:tc>
                 <a:extLst>
                   <a:ext uri="{0D108BD9-81ED-4DB2-BD59-A6C34878D82A}">
-                    <a16:rowId xmlns:a16="http://schemas.microsoft.com/office/drawing/2014/main" xmlns="" val="10005"/>
+                    <a16:rowId xmlns="" xmlns:a16="http://schemas.microsoft.com/office/drawing/2014/main" val="10005"/>
                   </a:ext>
                 </a:extLst>
               </a:tr>
@@ -34654,7 +34929,7 @@
                 </a:tc>
                 <a:extLst>
                   <a:ext uri="{0D108BD9-81ED-4DB2-BD59-A6C34878D82A}">
-                    <a16:rowId xmlns:a16="http://schemas.microsoft.com/office/drawing/2014/main" xmlns="" val="10006"/>
+                    <a16:rowId xmlns="" xmlns:a16="http://schemas.microsoft.com/office/drawing/2014/main" val="10006"/>
                   </a:ext>
                 </a:extLst>
               </a:tr>
@@ -34739,7 +35014,7 @@
                 </a:tc>
                 <a:extLst>
                   <a:ext uri="{0D108BD9-81ED-4DB2-BD59-A6C34878D82A}">
-                    <a16:rowId xmlns:a16="http://schemas.microsoft.com/office/drawing/2014/main" xmlns="" val="10007"/>
+                    <a16:rowId xmlns="" xmlns:a16="http://schemas.microsoft.com/office/drawing/2014/main" val="10007"/>
                   </a:ext>
                 </a:extLst>
               </a:tr>
@@ -34837,7 +35112,7 @@
                 </a:tc>
                 <a:extLst>
                   <a:ext uri="{0D108BD9-81ED-4DB2-BD59-A6C34878D82A}">
-                    <a16:rowId xmlns:a16="http://schemas.microsoft.com/office/drawing/2014/main" xmlns="" val="10008"/>
+                    <a16:rowId xmlns="" xmlns:a16="http://schemas.microsoft.com/office/drawing/2014/main" val="10008"/>
                   </a:ext>
                 </a:extLst>
               </a:tr>
@@ -34865,7 +35140,7 @@
 </p:sld>
 </file>
 
-<file path=ppt/slides/slide35.xml><?xml version="1.0" encoding="utf-8"?>
+<file path=ppt/slides/slide38.xml><?xml version="1.0" encoding="utf-8"?>
 <p:sld xmlns:a="http://schemas.openxmlformats.org/drawingml/2006/main" xmlns:r="http://schemas.openxmlformats.org/officeDocument/2006/relationships" xmlns:p="http://schemas.openxmlformats.org/presentationml/2006/main">
   <p:cSld>
     <p:spTree>
@@ -34973,7 +35248,7 @@
             <a:fld id="{7B2023C8-B124-43A9-8F92-0EEF5BAA9995}" type="slidenum">
               <a:rPr lang="en-CA" smtClean="0"/>
               <a:pPr/>
-              <a:t>35</a:t>
+              <a:t>38</a:t>
             </a:fld>
             <a:endParaRPr lang="en-CA" dirty="0"/>
           </a:p>
@@ -35007,28 +35282,28 @@
                 <a:gridCol w="1173256">
                   <a:extLst>
                     <a:ext uri="{9D8B030D-6E8A-4147-A177-3AD203B41FA5}">
-                      <a16:colId xmlns:a16="http://schemas.microsoft.com/office/drawing/2014/main" xmlns="" val="20000"/>
+                      <a16:colId xmlns="" xmlns:a16="http://schemas.microsoft.com/office/drawing/2014/main" val="20000"/>
                     </a:ext>
                   </a:extLst>
                 </a:gridCol>
                 <a:gridCol w="1357460">
                   <a:extLst>
                     <a:ext uri="{9D8B030D-6E8A-4147-A177-3AD203B41FA5}">
-                      <a16:colId xmlns:a16="http://schemas.microsoft.com/office/drawing/2014/main" xmlns="" val="20001"/>
+                      <a16:colId xmlns="" xmlns:a16="http://schemas.microsoft.com/office/drawing/2014/main" val="20001"/>
                     </a:ext>
                   </a:extLst>
                 </a:gridCol>
                 <a:gridCol w="2375554">
                   <a:extLst>
                     <a:ext uri="{9D8B030D-6E8A-4147-A177-3AD203B41FA5}">
-                      <a16:colId xmlns:a16="http://schemas.microsoft.com/office/drawing/2014/main" xmlns="" val="20002"/>
+                      <a16:colId xmlns="" xmlns:a16="http://schemas.microsoft.com/office/drawing/2014/main" val="20002"/>
                     </a:ext>
                   </a:extLst>
                 </a:gridCol>
                 <a:gridCol w="5165889">
                   <a:extLst>
                     <a:ext uri="{9D8B030D-6E8A-4147-A177-3AD203B41FA5}">
-                      <a16:colId xmlns:a16="http://schemas.microsoft.com/office/drawing/2014/main" xmlns="" val="20003"/>
+                      <a16:colId xmlns="" xmlns:a16="http://schemas.microsoft.com/office/drawing/2014/main" val="20003"/>
                     </a:ext>
                   </a:extLst>
                 </a:gridCol>
@@ -35124,7 +35399,7 @@
                 </a:tc>
                 <a:extLst>
                   <a:ext uri="{0D108BD9-81ED-4DB2-BD59-A6C34878D82A}">
-                    <a16:rowId xmlns:a16="http://schemas.microsoft.com/office/drawing/2014/main" xmlns="" val="10000"/>
+                    <a16:rowId xmlns="" xmlns:a16="http://schemas.microsoft.com/office/drawing/2014/main" val="10000"/>
                   </a:ext>
                 </a:extLst>
               </a:tr>
@@ -35225,7 +35500,7 @@
                 </a:tc>
                 <a:extLst>
                   <a:ext uri="{0D108BD9-81ED-4DB2-BD59-A6C34878D82A}">
-                    <a16:rowId xmlns:a16="http://schemas.microsoft.com/office/drawing/2014/main" xmlns="" val="10001"/>
+                    <a16:rowId xmlns="" xmlns:a16="http://schemas.microsoft.com/office/drawing/2014/main" val="10001"/>
                   </a:ext>
                 </a:extLst>
               </a:tr>
@@ -35359,7 +35634,7 @@
                 </a:tc>
                 <a:extLst>
                   <a:ext uri="{0D108BD9-81ED-4DB2-BD59-A6C34878D82A}">
-                    <a16:rowId xmlns:a16="http://schemas.microsoft.com/office/drawing/2014/main" xmlns="" val="10002"/>
+                    <a16:rowId xmlns="" xmlns:a16="http://schemas.microsoft.com/office/drawing/2014/main" val="10002"/>
                   </a:ext>
                 </a:extLst>
               </a:tr>
@@ -35501,7 +35776,7 @@
                 </a:tc>
                 <a:extLst>
                   <a:ext uri="{0D108BD9-81ED-4DB2-BD59-A6C34878D82A}">
-                    <a16:rowId xmlns:a16="http://schemas.microsoft.com/office/drawing/2014/main" xmlns="" val="10003"/>
+                    <a16:rowId xmlns="" xmlns:a16="http://schemas.microsoft.com/office/drawing/2014/main" val="10003"/>
                   </a:ext>
                 </a:extLst>
               </a:tr>
@@ -35614,7 +35889,7 @@
                 </a:tc>
                 <a:extLst>
                   <a:ext uri="{0D108BD9-81ED-4DB2-BD59-A6C34878D82A}">
-                    <a16:rowId xmlns:a16="http://schemas.microsoft.com/office/drawing/2014/main" xmlns="" val="10004"/>
+                    <a16:rowId xmlns="" xmlns:a16="http://schemas.microsoft.com/office/drawing/2014/main" val="10004"/>
                   </a:ext>
                 </a:extLst>
               </a:tr>
@@ -35740,7 +36015,7 @@
                 </a:tc>
                 <a:extLst>
                   <a:ext uri="{0D108BD9-81ED-4DB2-BD59-A6C34878D82A}">
-                    <a16:rowId xmlns:a16="http://schemas.microsoft.com/office/drawing/2014/main" xmlns="" val="10005"/>
+                    <a16:rowId xmlns="" xmlns:a16="http://schemas.microsoft.com/office/drawing/2014/main" val="10005"/>
                   </a:ext>
                 </a:extLst>
               </a:tr>
@@ -35898,7 +36173,7 @@
                 </a:tc>
                 <a:extLst>
                   <a:ext uri="{0D108BD9-81ED-4DB2-BD59-A6C34878D82A}">
-                    <a16:rowId xmlns:a16="http://schemas.microsoft.com/office/drawing/2014/main" xmlns="" val="10006"/>
+                    <a16:rowId xmlns="" xmlns:a16="http://schemas.microsoft.com/office/drawing/2014/main" val="10006"/>
                   </a:ext>
                 </a:extLst>
               </a:tr>
@@ -35926,7 +36201,7 @@
 </p:sld>
 </file>
 
-<file path=ppt/slides/slide36.xml><?xml version="1.0" encoding="utf-8"?>
+<file path=ppt/slides/slide39.xml><?xml version="1.0" encoding="utf-8"?>
 <p:sld xmlns:a="http://schemas.openxmlformats.org/drawingml/2006/main" xmlns:r="http://schemas.openxmlformats.org/officeDocument/2006/relationships" xmlns:p="http://schemas.openxmlformats.org/presentationml/2006/main">
   <p:cSld>
     <p:spTree>
@@ -36036,7 +36311,7 @@
             <a:fld id="{7B2023C8-B124-43A9-8F92-0EEF5BAA9995}" type="slidenum">
               <a:rPr lang="en-CA" smtClean="0"/>
               <a:pPr/>
-              <a:t>36</a:t>
+              <a:t>39</a:t>
             </a:fld>
             <a:endParaRPr lang="en-CA" dirty="0"/>
           </a:p>
